--- a/Презентация дипломной работы.pptx
+++ b/Презентация дипломной работы.pptx
@@ -5,37 +5,48 @@
     <p:sldMasterId id="2147483648" r:id="rId1"/>
   </p:sldMasterIdLst>
   <p:notesMasterIdLst>
-    <p:notesMasterId r:id="rId12"/>
+    <p:notesMasterId r:id="rId19"/>
   </p:notesMasterIdLst>
   <p:sldIdLst>
     <p:sldId id="256" r:id="rId2"/>
     <p:sldId id="257" r:id="rId3"/>
-    <p:sldId id="259" r:id="rId4"/>
-    <p:sldId id="260" r:id="rId5"/>
-    <p:sldId id="262" r:id="rId6"/>
-    <p:sldId id="263" r:id="rId7"/>
-    <p:sldId id="264" r:id="rId8"/>
-    <p:sldId id="267" r:id="rId9"/>
-    <p:sldId id="265" r:id="rId10"/>
-    <p:sldId id="266" r:id="rId11"/>
+    <p:sldId id="258" r:id="rId4"/>
+    <p:sldId id="259" r:id="rId5"/>
+    <p:sldId id="260" r:id="rId6"/>
+    <p:sldId id="261" r:id="rId7"/>
+    <p:sldId id="262" r:id="rId8"/>
+    <p:sldId id="272" r:id="rId9"/>
+    <p:sldId id="273" r:id="rId10"/>
+    <p:sldId id="271" r:id="rId11"/>
+    <p:sldId id="263" r:id="rId12"/>
+    <p:sldId id="265" r:id="rId13"/>
+    <p:sldId id="266" r:id="rId14"/>
+    <p:sldId id="267" r:id="rId15"/>
+    <p:sldId id="268" r:id="rId16"/>
+    <p:sldId id="269" r:id="rId17"/>
+    <p:sldId id="270" r:id="rId18"/>
   </p:sldIdLst>
   <p:sldSz cx="14630400" cy="8229600"/>
   <p:notesSz cx="8229600" cy="14630400"/>
   <p:embeddedFontLst>
     <p:embeddedFont>
+      <p:font typeface="Alexandria" panose="020B0604020202020204" charset="-78"/>
+      <p:regular r:id="rId20"/>
+    </p:embeddedFont>
+    <p:embeddedFont>
       <p:font typeface="Calibri" panose="020F0502020204030204" pitchFamily="34" charset="0"/>
-      <p:regular r:id="rId13"/>
-      <p:bold r:id="rId14"/>
-      <p:italic r:id="rId15"/>
-      <p:boldItalic r:id="rId16"/>
+      <p:regular r:id="rId21"/>
+      <p:bold r:id="rId22"/>
+      <p:italic r:id="rId23"/>
+      <p:boldItalic r:id="rId24"/>
     </p:embeddedFont>
     <p:embeddedFont>
       <p:font typeface="Fraunces Extra Bold" panose="020B0604020202020204" charset="0"/>
-      <p:regular r:id="rId17"/>
+      <p:regular r:id="rId25"/>
     </p:embeddedFont>
     <p:embeddedFont>
       <p:font typeface="Nobile" panose="020B0604020202020204" charset="0"/>
-      <p:regular r:id="rId18"/>
+      <p:regular r:id="rId26"/>
     </p:embeddedFont>
   </p:embeddedFontLst>
   <p:defaultTextStyle>
@@ -166,7 +177,7 @@
     </p:spTree>
     <p:extLst>
       <p:ext uri="{BB962C8B-B14F-4D97-AF65-F5344CB8AC3E}">
-        <p14:creationId xmlns:p14="http://schemas.microsoft.com/office/powerpoint/2010/main" val="380176585"/>
+        <p14:creationId xmlns:p14="http://schemas.microsoft.com/office/powerpoint/2010/main" val="1378478210"/>
       </p:ext>
     </p:extLst>
   </p:cSld>
@@ -686,6 +697,342 @@
 </p:notes>
 </file>
 
+<file path=ppt/notesSlides/notesSlide6.xml><?xml version="1.0" encoding="utf-8"?>
+<p:notes xmlns:a="http://schemas.openxmlformats.org/drawingml/2006/main" xmlns:r="http://schemas.openxmlformats.org/officeDocument/2006/relationships" xmlns:p="http://schemas.openxmlformats.org/presentationml/2006/main">
+  <p:cSld>
+    <p:spTree>
+      <p:nvGrpSpPr>
+        <p:cNvPr id="1" name=""/>
+        <p:cNvGrpSpPr/>
+        <p:nvPr/>
+      </p:nvGrpSpPr>
+      <p:grpSpPr>
+        <a:xfrm>
+          <a:off x="0" y="0"/>
+          <a:ext cx="0" cy="0"/>
+          <a:chOff x="0" y="0"/>
+          <a:chExt cx="0" cy="0"/>
+        </a:xfrm>
+      </p:grpSpPr>
+      <p:sp>
+        <p:nvSpPr>
+          <p:cNvPr id="2" name="Slide Image Placeholder 1"/>
+          <p:cNvSpPr>
+            <a:spLocks noGrp="1" noRot="1" noChangeAspect="1"/>
+          </p:cNvSpPr>
+          <p:nvPr>
+            <p:ph type="sldImg"/>
+          </p:nvPr>
+        </p:nvSpPr>
+        <p:spPr/>
+      </p:sp>
+      <p:sp>
+        <p:nvSpPr>
+          <p:cNvPr id="3" name="Notes Placeholder 2"/>
+          <p:cNvSpPr>
+            <a:spLocks noGrp="1"/>
+          </p:cNvSpPr>
+          <p:nvPr>
+            <p:ph type="body" idx="1"/>
+          </p:nvPr>
+        </p:nvSpPr>
+        <p:spPr/>
+        <p:txBody>
+          <a:bodyPr/>
+          <a:lstStyle/>
+          <a:p>
+            <a:endParaRPr lang="en-US" dirty="0"/>
+          </a:p>
+        </p:txBody>
+      </p:sp>
+      <p:sp>
+        <p:nvSpPr>
+          <p:cNvPr id="4" name="Slide Number Placeholder 3"/>
+          <p:cNvSpPr>
+            <a:spLocks noGrp="1"/>
+          </p:cNvSpPr>
+          <p:nvPr>
+            <p:ph type="sldNum" sz="quarter" idx="10"/>
+          </p:nvPr>
+        </p:nvSpPr>
+        <p:spPr/>
+        <p:txBody>
+          <a:bodyPr/>
+          <a:lstStyle/>
+          <a:p>
+            <a:fld id="{F7021451-1387-4CA6-816F-3879F97B5CBC}" type="slidenum">
+              <a:rPr lang="en-US"/>
+              <a:t>6</a:t>
+            </a:fld>
+            <a:endParaRPr lang="en-US"/>
+          </a:p>
+        </p:txBody>
+      </p:sp>
+    </p:spTree>
+    <p:extLst>
+      <p:ext uri="{BB962C8B-B14F-4D97-AF65-F5344CB8AC3E}">
+        <p14:creationId xmlns:p14="http://schemas.microsoft.com/office/powerpoint/2010/main" val="1024086991"/>
+      </p:ext>
+    </p:extLst>
+  </p:cSld>
+  <p:clrMapOvr>
+    <a:masterClrMapping/>
+  </p:clrMapOvr>
+</p:notes>
+</file>
+
+<file path=ppt/notesSlides/notesSlide7.xml><?xml version="1.0" encoding="utf-8"?>
+<p:notes xmlns:a="http://schemas.openxmlformats.org/drawingml/2006/main" xmlns:r="http://schemas.openxmlformats.org/officeDocument/2006/relationships" xmlns:p="http://schemas.openxmlformats.org/presentationml/2006/main">
+  <p:cSld>
+    <p:spTree>
+      <p:nvGrpSpPr>
+        <p:cNvPr id="1" name=""/>
+        <p:cNvGrpSpPr/>
+        <p:nvPr/>
+      </p:nvGrpSpPr>
+      <p:grpSpPr>
+        <a:xfrm>
+          <a:off x="0" y="0"/>
+          <a:ext cx="0" cy="0"/>
+          <a:chOff x="0" y="0"/>
+          <a:chExt cx="0" cy="0"/>
+        </a:xfrm>
+      </p:grpSpPr>
+      <p:sp>
+        <p:nvSpPr>
+          <p:cNvPr id="2" name="Slide Image Placeholder 1"/>
+          <p:cNvSpPr>
+            <a:spLocks noGrp="1" noRot="1" noChangeAspect="1"/>
+          </p:cNvSpPr>
+          <p:nvPr>
+            <p:ph type="sldImg"/>
+          </p:nvPr>
+        </p:nvSpPr>
+        <p:spPr/>
+      </p:sp>
+      <p:sp>
+        <p:nvSpPr>
+          <p:cNvPr id="3" name="Notes Placeholder 2"/>
+          <p:cNvSpPr>
+            <a:spLocks noGrp="1"/>
+          </p:cNvSpPr>
+          <p:nvPr>
+            <p:ph type="body" idx="1"/>
+          </p:nvPr>
+        </p:nvSpPr>
+        <p:spPr/>
+        <p:txBody>
+          <a:bodyPr/>
+          <a:lstStyle/>
+          <a:p>
+            <a:endParaRPr lang="en-US" dirty="0"/>
+          </a:p>
+        </p:txBody>
+      </p:sp>
+      <p:sp>
+        <p:nvSpPr>
+          <p:cNvPr id="4" name="Slide Number Placeholder 3"/>
+          <p:cNvSpPr>
+            <a:spLocks noGrp="1"/>
+          </p:cNvSpPr>
+          <p:nvPr>
+            <p:ph type="sldNum" sz="quarter" idx="10"/>
+          </p:nvPr>
+        </p:nvSpPr>
+        <p:spPr/>
+        <p:txBody>
+          <a:bodyPr/>
+          <a:lstStyle/>
+          <a:p>
+            <a:fld id="{F7021451-1387-4CA6-816F-3879F97B5CBC}" type="slidenum">
+              <a:rPr lang="en-US"/>
+              <a:t>7</a:t>
+            </a:fld>
+            <a:endParaRPr lang="en-US"/>
+          </a:p>
+        </p:txBody>
+      </p:sp>
+    </p:spTree>
+    <p:extLst>
+      <p:ext uri="{BB962C8B-B14F-4D97-AF65-F5344CB8AC3E}">
+        <p14:creationId xmlns:p14="http://schemas.microsoft.com/office/powerpoint/2010/main" val="1024086991"/>
+      </p:ext>
+    </p:extLst>
+  </p:cSld>
+  <p:clrMapOvr>
+    <a:masterClrMapping/>
+  </p:clrMapOvr>
+</p:notes>
+</file>
+
+<file path=ppt/notesSlides/notesSlide8.xml><?xml version="1.0" encoding="utf-8"?>
+<p:notes xmlns:a="http://schemas.openxmlformats.org/drawingml/2006/main" xmlns:r="http://schemas.openxmlformats.org/officeDocument/2006/relationships" xmlns:p="http://schemas.openxmlformats.org/presentationml/2006/main">
+  <p:cSld>
+    <p:spTree>
+      <p:nvGrpSpPr>
+        <p:cNvPr id="1" name=""/>
+        <p:cNvGrpSpPr/>
+        <p:nvPr/>
+      </p:nvGrpSpPr>
+      <p:grpSpPr>
+        <a:xfrm>
+          <a:off x="0" y="0"/>
+          <a:ext cx="0" cy="0"/>
+          <a:chOff x="0" y="0"/>
+          <a:chExt cx="0" cy="0"/>
+        </a:xfrm>
+      </p:grpSpPr>
+      <p:sp>
+        <p:nvSpPr>
+          <p:cNvPr id="2" name="Slide Image Placeholder 1"/>
+          <p:cNvSpPr>
+            <a:spLocks noGrp="1" noRot="1" noChangeAspect="1"/>
+          </p:cNvSpPr>
+          <p:nvPr>
+            <p:ph type="sldImg"/>
+          </p:nvPr>
+        </p:nvSpPr>
+        <p:spPr/>
+      </p:sp>
+      <p:sp>
+        <p:nvSpPr>
+          <p:cNvPr id="3" name="Notes Placeholder 2"/>
+          <p:cNvSpPr>
+            <a:spLocks noGrp="1"/>
+          </p:cNvSpPr>
+          <p:nvPr>
+            <p:ph type="body" idx="1"/>
+          </p:nvPr>
+        </p:nvSpPr>
+        <p:spPr/>
+        <p:txBody>
+          <a:bodyPr/>
+          <a:lstStyle/>
+          <a:p>
+            <a:endParaRPr lang="en-US" dirty="0"/>
+          </a:p>
+        </p:txBody>
+      </p:sp>
+      <p:sp>
+        <p:nvSpPr>
+          <p:cNvPr id="4" name="Slide Number Placeholder 3"/>
+          <p:cNvSpPr>
+            <a:spLocks noGrp="1"/>
+          </p:cNvSpPr>
+          <p:nvPr>
+            <p:ph type="sldNum" sz="quarter" idx="10"/>
+          </p:nvPr>
+        </p:nvSpPr>
+        <p:spPr/>
+        <p:txBody>
+          <a:bodyPr/>
+          <a:lstStyle/>
+          <a:p>
+            <a:fld id="{F7021451-1387-4CA6-816F-3879F97B5CBC}" type="slidenum">
+              <a:rPr lang="en-US"/>
+              <a:t>11</a:t>
+            </a:fld>
+            <a:endParaRPr lang="en-US"/>
+          </a:p>
+        </p:txBody>
+      </p:sp>
+    </p:spTree>
+    <p:extLst>
+      <p:ext uri="{BB962C8B-B14F-4D97-AF65-F5344CB8AC3E}">
+        <p14:creationId xmlns:p14="http://schemas.microsoft.com/office/powerpoint/2010/main" val="1024086991"/>
+      </p:ext>
+    </p:extLst>
+  </p:cSld>
+  <p:clrMapOvr>
+    <a:masterClrMapping/>
+  </p:clrMapOvr>
+</p:notes>
+</file>
+
+<file path=ppt/notesSlides/notesSlide9.xml><?xml version="1.0" encoding="utf-8"?>
+<p:notes xmlns:a="http://schemas.openxmlformats.org/drawingml/2006/main" xmlns:r="http://schemas.openxmlformats.org/officeDocument/2006/relationships" xmlns:p="http://schemas.openxmlformats.org/presentationml/2006/main">
+  <p:cSld>
+    <p:spTree>
+      <p:nvGrpSpPr>
+        <p:cNvPr id="1" name=""/>
+        <p:cNvGrpSpPr/>
+        <p:nvPr/>
+      </p:nvGrpSpPr>
+      <p:grpSpPr>
+        <a:xfrm>
+          <a:off x="0" y="0"/>
+          <a:ext cx="0" cy="0"/>
+          <a:chOff x="0" y="0"/>
+          <a:chExt cx="0" cy="0"/>
+        </a:xfrm>
+      </p:grpSpPr>
+      <p:sp>
+        <p:nvSpPr>
+          <p:cNvPr id="2" name="Slide Image Placeholder 1"/>
+          <p:cNvSpPr>
+            <a:spLocks noGrp="1" noRot="1" noChangeAspect="1"/>
+          </p:cNvSpPr>
+          <p:nvPr>
+            <p:ph type="sldImg"/>
+          </p:nvPr>
+        </p:nvSpPr>
+        <p:spPr/>
+      </p:sp>
+      <p:sp>
+        <p:nvSpPr>
+          <p:cNvPr id="3" name="Notes Placeholder 2"/>
+          <p:cNvSpPr>
+            <a:spLocks noGrp="1"/>
+          </p:cNvSpPr>
+          <p:nvPr>
+            <p:ph type="body" idx="1"/>
+          </p:nvPr>
+        </p:nvSpPr>
+        <p:spPr/>
+        <p:txBody>
+          <a:bodyPr/>
+          <a:lstStyle/>
+          <a:p>
+            <a:endParaRPr lang="en-US" dirty="0"/>
+          </a:p>
+        </p:txBody>
+      </p:sp>
+      <p:sp>
+        <p:nvSpPr>
+          <p:cNvPr id="4" name="Slide Number Placeholder 3"/>
+          <p:cNvSpPr>
+            <a:spLocks noGrp="1"/>
+          </p:cNvSpPr>
+          <p:nvPr>
+            <p:ph type="sldNum" sz="quarter" idx="10"/>
+          </p:nvPr>
+        </p:nvSpPr>
+        <p:spPr/>
+        <p:txBody>
+          <a:bodyPr/>
+          <a:lstStyle/>
+          <a:p>
+            <a:fld id="{F7021451-1387-4CA6-816F-3879F97B5CBC}" type="slidenum">
+              <a:rPr lang="en-US"/>
+              <a:t>12</a:t>
+            </a:fld>
+            <a:endParaRPr lang="en-US"/>
+          </a:p>
+        </p:txBody>
+      </p:sp>
+    </p:spTree>
+    <p:extLst>
+      <p:ext uri="{BB962C8B-B14F-4D97-AF65-F5344CB8AC3E}">
+        <p14:creationId xmlns:p14="http://schemas.microsoft.com/office/powerpoint/2010/main" val="1024086991"/>
+      </p:ext>
+    </p:extLst>
+  </p:cSld>
+  <p:clrMapOvr>
+    <a:masterClrMapping/>
+  </p:clrMapOvr>
+</p:notes>
+</file>
+
 <file path=ppt/slideLayouts/slideLayout1.xml><?xml version="1.0" encoding="utf-8"?>
 <p:sldLayout xmlns:a="http://schemas.openxmlformats.org/drawingml/2006/main" xmlns:r="http://schemas.openxmlformats.org/officeDocument/2006/relationships" xmlns:p="http://schemas.openxmlformats.org/presentationml/2006/main" preserve="1">
   <p:cSld name="DEFAULT">
@@ -716,9 +1063,17 @@
 </p:sldLayout>
 </file>
 
-<file path=ppt/slideLayouts/slideLayout2.xml><?xml version="1.0" encoding="utf-8"?>
+<file path=ppt/slideLayouts/slideLayout10.xml><?xml version="1.0" encoding="utf-8"?>
 <p:sldLayout xmlns:a="http://schemas.openxmlformats.org/drawingml/2006/main" xmlns:r="http://schemas.openxmlformats.org/officeDocument/2006/relationships" xmlns:p="http://schemas.openxmlformats.org/presentationml/2006/main" preserve="1">
-  <p:cSld name="Slide 1 master">
+  <p:cSld name="Slide 9 master">
+    <p:bg>
+      <p:bgPr>
+        <a:solidFill>
+          <a:srgbClr val="000000"/>
+        </a:solidFill>
+        <a:effectLst/>
+      </p:bgPr>
+    </p:bg>
     <p:spTree>
       <p:nvGrpSpPr>
         <p:cNvPr id="1" name=""/>
@@ -748,7 +1103,7 @@
             <a:avLst/>
           </a:prstGeom>
           <a:solidFill>
-            <a:srgbClr val="DEEEE1"/>
+            <a:srgbClr val="5C73E6"/>
           </a:solidFill>
           <a:ln/>
         </p:spPr>
@@ -768,7 +1123,7 @@
             <a:avLst/>
           </a:prstGeom>
           <a:solidFill>
-            <a:srgbClr val="FAFFFA"/>
+            <a:srgbClr val="F9F9FF"/>
           </a:solidFill>
           <a:ln/>
         </p:spPr>
@@ -807,9 +1162,17 @@
 </p:sldLayout>
 </file>
 
-<file path=ppt/slideLayouts/slideLayout3.xml><?xml version="1.0" encoding="utf-8"?>
+<file path=ppt/slideLayouts/slideLayout11.xml><?xml version="1.0" encoding="utf-8"?>
 <p:sldLayout xmlns:a="http://schemas.openxmlformats.org/drawingml/2006/main" xmlns:r="http://schemas.openxmlformats.org/officeDocument/2006/relationships" xmlns:p="http://schemas.openxmlformats.org/presentationml/2006/main" preserve="1">
-  <p:cSld name="Slide 2 master">
+  <p:cSld name="Slide 10 master">
+    <p:bg>
+      <p:bgPr>
+        <a:solidFill>
+          <a:srgbClr val="000000"/>
+        </a:solidFill>
+        <a:effectLst/>
+      </p:bgPr>
+    </p:bg>
     <p:spTree>
       <p:nvGrpSpPr>
         <p:cNvPr id="1" name=""/>
@@ -839,7 +1202,7 @@
             <a:avLst/>
           </a:prstGeom>
           <a:solidFill>
-            <a:srgbClr val="DEEEE1"/>
+            <a:srgbClr val="5C73E6"/>
           </a:solidFill>
           <a:ln/>
         </p:spPr>
@@ -859,7 +1222,7 @@
             <a:avLst/>
           </a:prstGeom>
           <a:solidFill>
-            <a:srgbClr val="FAFFFA"/>
+            <a:srgbClr val="F9F9FF"/>
           </a:solidFill>
           <a:ln/>
         </p:spPr>
@@ -898,9 +1261,17 @@
 </p:sldLayout>
 </file>
 
-<file path=ppt/slideLayouts/slideLayout4.xml><?xml version="1.0" encoding="utf-8"?>
+<file path=ppt/slideLayouts/slideLayout2.xml><?xml version="1.0" encoding="utf-8"?>
 <p:sldLayout xmlns:a="http://schemas.openxmlformats.org/drawingml/2006/main" xmlns:r="http://schemas.openxmlformats.org/officeDocument/2006/relationships" xmlns:p="http://schemas.openxmlformats.org/presentationml/2006/main" preserve="1">
-  <p:cSld name="Slide 3 master">
+  <p:cSld name="Slide 1 master">
+    <p:bg>
+      <p:bgPr>
+        <a:solidFill>
+          <a:srgbClr val="000000"/>
+        </a:solidFill>
+        <a:effectLst/>
+      </p:bgPr>
+    </p:bg>
     <p:spTree>
       <p:nvGrpSpPr>
         <p:cNvPr id="1" name=""/>
@@ -930,7 +1301,7 @@
             <a:avLst/>
           </a:prstGeom>
           <a:solidFill>
-            <a:srgbClr val="DEEEE1"/>
+            <a:srgbClr val="5C73E6"/>
           </a:solidFill>
           <a:ln/>
         </p:spPr>
@@ -950,7 +1321,7 @@
             <a:avLst/>
           </a:prstGeom>
           <a:solidFill>
-            <a:srgbClr val="FAFFFA"/>
+            <a:srgbClr val="F9F9FF"/>
           </a:solidFill>
           <a:ln/>
         </p:spPr>
@@ -989,9 +1360,17 @@
 </p:sldLayout>
 </file>
 
-<file path=ppt/slideLayouts/slideLayout5.xml><?xml version="1.0" encoding="utf-8"?>
+<file path=ppt/slideLayouts/slideLayout3.xml><?xml version="1.0" encoding="utf-8"?>
 <p:sldLayout xmlns:a="http://schemas.openxmlformats.org/drawingml/2006/main" xmlns:r="http://schemas.openxmlformats.org/officeDocument/2006/relationships" xmlns:p="http://schemas.openxmlformats.org/presentationml/2006/main" preserve="1">
-  <p:cSld name="Slide 4 master">
+  <p:cSld name="Slide 2 master">
+    <p:bg>
+      <p:bgPr>
+        <a:solidFill>
+          <a:srgbClr val="000000"/>
+        </a:solidFill>
+        <a:effectLst/>
+      </p:bgPr>
+    </p:bg>
     <p:spTree>
       <p:nvGrpSpPr>
         <p:cNvPr id="1" name=""/>
@@ -1021,7 +1400,7 @@
             <a:avLst/>
           </a:prstGeom>
           <a:solidFill>
-            <a:srgbClr val="DEEEE1"/>
+            <a:srgbClr val="5C73E6"/>
           </a:solidFill>
           <a:ln/>
         </p:spPr>
@@ -1041,7 +1420,7 @@
             <a:avLst/>
           </a:prstGeom>
           <a:solidFill>
-            <a:srgbClr val="FAFFFA"/>
+            <a:srgbClr val="F9F9FF"/>
           </a:solidFill>
           <a:ln/>
         </p:spPr>
@@ -1080,9 +1459,17 @@
 </p:sldLayout>
 </file>
 
-<file path=ppt/slideLayouts/slideLayout6.xml><?xml version="1.0" encoding="utf-8"?>
+<file path=ppt/slideLayouts/slideLayout4.xml><?xml version="1.0" encoding="utf-8"?>
 <p:sldLayout xmlns:a="http://schemas.openxmlformats.org/drawingml/2006/main" xmlns:r="http://schemas.openxmlformats.org/officeDocument/2006/relationships" xmlns:p="http://schemas.openxmlformats.org/presentationml/2006/main" preserve="1">
-  <p:cSld name="Slide 5 master">
+  <p:cSld name="Slide 3 master">
+    <p:bg>
+      <p:bgPr>
+        <a:solidFill>
+          <a:srgbClr val="000000"/>
+        </a:solidFill>
+        <a:effectLst/>
+      </p:bgPr>
+    </p:bg>
     <p:spTree>
       <p:nvGrpSpPr>
         <p:cNvPr id="1" name=""/>
@@ -1112,7 +1499,7 @@
             <a:avLst/>
           </a:prstGeom>
           <a:solidFill>
-            <a:srgbClr val="DEEEE1"/>
+            <a:srgbClr val="5C73E6"/>
           </a:solidFill>
           <a:ln/>
         </p:spPr>
@@ -1132,7 +1519,7 @@
             <a:avLst/>
           </a:prstGeom>
           <a:solidFill>
-            <a:srgbClr val="FAFFFA"/>
+            <a:srgbClr val="F9F9FF"/>
           </a:solidFill>
           <a:ln/>
         </p:spPr>
@@ -1171,9 +1558,17 @@
 </p:sldLayout>
 </file>
 
-<file path=ppt/slideLayouts/slideLayout7.xml><?xml version="1.0" encoding="utf-8"?>
+<file path=ppt/slideLayouts/slideLayout5.xml><?xml version="1.0" encoding="utf-8"?>
 <p:sldLayout xmlns:a="http://schemas.openxmlformats.org/drawingml/2006/main" xmlns:r="http://schemas.openxmlformats.org/officeDocument/2006/relationships" xmlns:p="http://schemas.openxmlformats.org/presentationml/2006/main" preserve="1">
-  <p:cSld name="Slide 6 master">
+  <p:cSld name="Slide 4 master">
+    <p:bg>
+      <p:bgPr>
+        <a:solidFill>
+          <a:srgbClr val="000000"/>
+        </a:solidFill>
+        <a:effectLst/>
+      </p:bgPr>
+    </p:bg>
     <p:spTree>
       <p:nvGrpSpPr>
         <p:cNvPr id="1" name=""/>
@@ -1203,7 +1598,7 @@
             <a:avLst/>
           </a:prstGeom>
           <a:solidFill>
-            <a:srgbClr val="DEEEE1"/>
+            <a:srgbClr val="5C73E6"/>
           </a:solidFill>
           <a:ln/>
         </p:spPr>
@@ -1223,7 +1618,7 @@
             <a:avLst/>
           </a:prstGeom>
           <a:solidFill>
-            <a:srgbClr val="FAFFFA"/>
+            <a:srgbClr val="F9F9FF"/>
           </a:solidFill>
           <a:ln/>
         </p:spPr>
@@ -1262,9 +1657,17 @@
 </p:sldLayout>
 </file>
 
-<file path=ppt/slideLayouts/slideLayout8.xml><?xml version="1.0" encoding="utf-8"?>
+<file path=ppt/slideLayouts/slideLayout6.xml><?xml version="1.0" encoding="utf-8"?>
 <p:sldLayout xmlns:a="http://schemas.openxmlformats.org/drawingml/2006/main" xmlns:r="http://schemas.openxmlformats.org/officeDocument/2006/relationships" xmlns:p="http://schemas.openxmlformats.org/presentationml/2006/main" preserve="1">
-  <p:cSld name="Slide 7 master">
+  <p:cSld name="Slide 5 master">
+    <p:bg>
+      <p:bgPr>
+        <a:solidFill>
+          <a:srgbClr val="000000"/>
+        </a:solidFill>
+        <a:effectLst/>
+      </p:bgPr>
+    </p:bg>
     <p:spTree>
       <p:nvGrpSpPr>
         <p:cNvPr id="1" name=""/>
@@ -1294,7 +1697,7 @@
             <a:avLst/>
           </a:prstGeom>
           <a:solidFill>
-            <a:srgbClr val="DEEEE1"/>
+            <a:srgbClr val="5C73E6"/>
           </a:solidFill>
           <a:ln/>
         </p:spPr>
@@ -1314,7 +1717,7 @@
             <a:avLst/>
           </a:prstGeom>
           <a:solidFill>
-            <a:srgbClr val="FAFFFA"/>
+            <a:srgbClr val="F9F9FF"/>
           </a:solidFill>
           <a:ln/>
         </p:spPr>
@@ -1353,9 +1756,17 @@
 </p:sldLayout>
 </file>
 
-<file path=ppt/slideLayouts/slideLayout9.xml><?xml version="1.0" encoding="utf-8"?>
+<file path=ppt/slideLayouts/slideLayout7.xml><?xml version="1.0" encoding="utf-8"?>
 <p:sldLayout xmlns:a="http://schemas.openxmlformats.org/drawingml/2006/main" xmlns:r="http://schemas.openxmlformats.org/officeDocument/2006/relationships" xmlns:p="http://schemas.openxmlformats.org/presentationml/2006/main" preserve="1">
-  <p:cSld name="Slide 8 master">
+  <p:cSld name="Slide 6 master">
+    <p:bg>
+      <p:bgPr>
+        <a:solidFill>
+          <a:srgbClr val="000000"/>
+        </a:solidFill>
+        <a:effectLst/>
+      </p:bgPr>
+    </p:bg>
     <p:spTree>
       <p:nvGrpSpPr>
         <p:cNvPr id="1" name=""/>
@@ -1385,7 +1796,7 @@
             <a:avLst/>
           </a:prstGeom>
           <a:solidFill>
-            <a:srgbClr val="DEEEE1"/>
+            <a:srgbClr val="5C73E6"/>
           </a:solidFill>
           <a:ln/>
         </p:spPr>
@@ -1405,7 +1816,205 @@
             <a:avLst/>
           </a:prstGeom>
           <a:solidFill>
-            <a:srgbClr val="FAFFFA"/>
+            <a:srgbClr val="F9F9FF"/>
+          </a:solidFill>
+          <a:ln/>
+        </p:spPr>
+      </p:sp>
+      <p:pic>
+        <p:nvPicPr>
+          <p:cNvPr id="4" name="Image 0" descr="preencoded.png">
+            <a:hlinkClick r:id="rId2"/>
+          </p:cNvPr>
+          <p:cNvPicPr>
+            <a:picLocks noChangeAspect="1"/>
+          </p:cNvPicPr>
+          <p:nvPr/>
+        </p:nvPicPr>
+        <p:blipFill>
+          <a:blip r:embed="rId3"/>
+          <a:stretch>
+            <a:fillRect/>
+          </a:stretch>
+        </p:blipFill>
+        <p:spPr>
+          <a:xfrm>
+            <a:off x="12839215" y="7749540"/>
+            <a:ext cx="1722605" cy="411480"/>
+          </a:xfrm>
+          <a:prstGeom prst="rect">
+            <a:avLst/>
+          </a:prstGeom>
+        </p:spPr>
+      </p:pic>
+    </p:spTree>
+  </p:cSld>
+  <p:clrMapOvr>
+    <a:masterClrMapping/>
+  </p:clrMapOvr>
+</p:sldLayout>
+</file>
+
+<file path=ppt/slideLayouts/slideLayout8.xml><?xml version="1.0" encoding="utf-8"?>
+<p:sldLayout xmlns:a="http://schemas.openxmlformats.org/drawingml/2006/main" xmlns:r="http://schemas.openxmlformats.org/officeDocument/2006/relationships" xmlns:p="http://schemas.openxmlformats.org/presentationml/2006/main" preserve="1">
+  <p:cSld name="Slide 7 master">
+    <p:bg>
+      <p:bgPr>
+        <a:solidFill>
+          <a:srgbClr val="000000"/>
+        </a:solidFill>
+        <a:effectLst/>
+      </p:bgPr>
+    </p:bg>
+    <p:spTree>
+      <p:nvGrpSpPr>
+        <p:cNvPr id="1" name=""/>
+        <p:cNvGrpSpPr/>
+        <p:nvPr/>
+      </p:nvGrpSpPr>
+      <p:grpSpPr>
+        <a:xfrm>
+          <a:off x="0" y="0"/>
+          <a:ext cx="0" cy="0"/>
+          <a:chOff x="0" y="0"/>
+          <a:chExt cx="0" cy="0"/>
+        </a:xfrm>
+      </p:grpSpPr>
+      <p:sp>
+        <p:nvSpPr>
+          <p:cNvPr id="2" name="Shape 0"/>
+          <p:cNvSpPr/>
+          <p:nvPr/>
+        </p:nvSpPr>
+        <p:spPr>
+          <a:xfrm>
+            <a:off x="0" y="0"/>
+            <a:ext cx="14630400" cy="8229600"/>
+          </a:xfrm>
+          <a:prstGeom prst="rect">
+            <a:avLst/>
+          </a:prstGeom>
+          <a:solidFill>
+            <a:srgbClr val="5C73E6"/>
+          </a:solidFill>
+          <a:ln/>
+        </p:spPr>
+      </p:sp>
+      <p:sp>
+        <p:nvSpPr>
+          <p:cNvPr id="3" name="Shape 1"/>
+          <p:cNvSpPr/>
+          <p:nvPr/>
+        </p:nvSpPr>
+        <p:spPr>
+          <a:xfrm>
+            <a:off x="0" y="0"/>
+            <a:ext cx="14630400" cy="8229600"/>
+          </a:xfrm>
+          <a:prstGeom prst="rect">
+            <a:avLst/>
+          </a:prstGeom>
+          <a:solidFill>
+            <a:srgbClr val="F9F9FF"/>
+          </a:solidFill>
+          <a:ln/>
+        </p:spPr>
+      </p:sp>
+      <p:pic>
+        <p:nvPicPr>
+          <p:cNvPr id="4" name="Image 0" descr="preencoded.png">
+            <a:hlinkClick r:id="rId2"/>
+          </p:cNvPr>
+          <p:cNvPicPr>
+            <a:picLocks noChangeAspect="1"/>
+          </p:cNvPicPr>
+          <p:nvPr/>
+        </p:nvPicPr>
+        <p:blipFill>
+          <a:blip r:embed="rId3"/>
+          <a:stretch>
+            <a:fillRect/>
+          </a:stretch>
+        </p:blipFill>
+        <p:spPr>
+          <a:xfrm>
+            <a:off x="12839215" y="7749540"/>
+            <a:ext cx="1722605" cy="411480"/>
+          </a:xfrm>
+          <a:prstGeom prst="rect">
+            <a:avLst/>
+          </a:prstGeom>
+        </p:spPr>
+      </p:pic>
+    </p:spTree>
+  </p:cSld>
+  <p:clrMapOvr>
+    <a:masterClrMapping/>
+  </p:clrMapOvr>
+</p:sldLayout>
+</file>
+
+<file path=ppt/slideLayouts/slideLayout9.xml><?xml version="1.0" encoding="utf-8"?>
+<p:sldLayout xmlns:a="http://schemas.openxmlformats.org/drawingml/2006/main" xmlns:r="http://schemas.openxmlformats.org/officeDocument/2006/relationships" xmlns:p="http://schemas.openxmlformats.org/presentationml/2006/main" preserve="1">
+  <p:cSld name="Slide 8 master">
+    <p:bg>
+      <p:bgPr>
+        <a:solidFill>
+          <a:srgbClr val="000000"/>
+        </a:solidFill>
+        <a:effectLst/>
+      </p:bgPr>
+    </p:bg>
+    <p:spTree>
+      <p:nvGrpSpPr>
+        <p:cNvPr id="1" name=""/>
+        <p:cNvGrpSpPr/>
+        <p:nvPr/>
+      </p:nvGrpSpPr>
+      <p:grpSpPr>
+        <a:xfrm>
+          <a:off x="0" y="0"/>
+          <a:ext cx="0" cy="0"/>
+          <a:chOff x="0" y="0"/>
+          <a:chExt cx="0" cy="0"/>
+        </a:xfrm>
+      </p:grpSpPr>
+      <p:sp>
+        <p:nvSpPr>
+          <p:cNvPr id="2" name="Shape 0"/>
+          <p:cNvSpPr/>
+          <p:nvPr/>
+        </p:nvSpPr>
+        <p:spPr>
+          <a:xfrm>
+            <a:off x="0" y="0"/>
+            <a:ext cx="14630400" cy="8229600"/>
+          </a:xfrm>
+          <a:prstGeom prst="rect">
+            <a:avLst/>
+          </a:prstGeom>
+          <a:solidFill>
+            <a:srgbClr val="5C73E6"/>
+          </a:solidFill>
+          <a:ln/>
+        </p:spPr>
+      </p:sp>
+      <p:sp>
+        <p:nvSpPr>
+          <p:cNvPr id="3" name="Shape 1"/>
+          <p:cNvSpPr/>
+          <p:nvPr/>
+        </p:nvSpPr>
+        <p:spPr>
+          <a:xfrm>
+            <a:off x="0" y="0"/>
+            <a:ext cx="14630400" cy="8229600"/>
+          </a:xfrm>
+          <a:prstGeom prst="rect">
+            <a:avLst/>
+          </a:prstGeom>
+          <a:solidFill>
+            <a:srgbClr val="F9F9FF"/>
           </a:solidFill>
           <a:ln/>
         </p:spPr>
@@ -1479,6 +2088,8 @@
     <p:sldLayoutId id="2147483655" r:id="rId7"/>
     <p:sldLayoutId id="2147483656" r:id="rId8"/>
     <p:sldLayoutId id="2147483657" r:id="rId9"/>
+    <p:sldLayoutId id="2147483658" r:id="rId10"/>
+    <p:sldLayoutId id="2147483659" r:id="rId11"/>
   </p:sldLayoutIdLst>
   <p:hf sldNum="0" hdr="0" ftr="0" dt="0"/>
   <p:txStyles>
@@ -1753,64 +2364,10 @@
       </p:grpSpPr>
       <p:sp>
         <p:nvSpPr>
-          <p:cNvPr id="9" name="Прямоугольник 8">
+          <p:cNvPr id="9" name="Rectangle 2">
             <a:extLst>
               <a:ext uri="{FF2B5EF4-FFF2-40B4-BE49-F238E27FC236}">
-                <a16:creationId xmlns:a16="http://schemas.microsoft.com/office/drawing/2014/main" id="{71C1361D-27A8-40C1-81F1-5C5B36F85C4D}"/>
-              </a:ext>
-            </a:extLst>
-          </p:cNvPr>
-          <p:cNvSpPr/>
-          <p:nvPr/>
-        </p:nvSpPr>
-        <p:spPr>
-          <a:xfrm>
-            <a:off x="12045600" y="7084800"/>
-            <a:ext cx="2584800" cy="1144800"/>
-          </a:xfrm>
-          <a:prstGeom prst="rect">
-            <a:avLst/>
-          </a:prstGeom>
-          <a:solidFill>
-            <a:srgbClr val="FAFFFA"/>
-          </a:solidFill>
-          <a:ln>
-            <a:solidFill>
-              <a:srgbClr val="FAFFFA"/>
-            </a:solidFill>
-          </a:ln>
-        </p:spPr>
-        <p:style>
-          <a:lnRef idx="2">
-            <a:schemeClr val="accent1">
-              <a:shade val="50000"/>
-            </a:schemeClr>
-          </a:lnRef>
-          <a:fillRef idx="1">
-            <a:schemeClr val="accent1"/>
-          </a:fillRef>
-          <a:effectRef idx="0">
-            <a:schemeClr val="accent1"/>
-          </a:effectRef>
-          <a:fontRef idx="minor">
-            <a:schemeClr val="lt1"/>
-          </a:fontRef>
-        </p:style>
-        <p:txBody>
-          <a:bodyPr rtlCol="0" anchor="ctr"/>
-          <a:lstStyle/>
-          <a:p>
-            <a:pPr algn="ctr"/>
-            <a:endParaRPr lang="ru-RU"/>
-          </a:p>
-        </p:txBody>
-      </p:sp>
-      <p:sp>
-        <p:nvSpPr>
-          <p:cNvPr id="10" name="Rectangle 2">
-            <a:extLst>
-              <a:ext uri="{FF2B5EF4-FFF2-40B4-BE49-F238E27FC236}">
-                <a16:creationId xmlns:a16="http://schemas.microsoft.com/office/drawing/2014/main" id="{781A8F18-21C9-408D-9750-56807BFC6A2A}"/>
+                <a16:creationId xmlns:a16="http://schemas.microsoft.com/office/drawing/2014/main" id="{65D0D77F-F264-49F5-B88C-A9C07A69FB33}"/>
               </a:ext>
             </a:extLst>
           </p:cNvPr>
@@ -1973,7 +2530,7 @@
                 <a:ea typeface="Calibri" panose="020F0502020204030204" pitchFamily="34" charset="0"/>
                 <a:cs typeface="Times New Roman" panose="02020603050405020304" pitchFamily="18" charset="0"/>
               </a:rPr>
-              <a:t>Разработка программного обеспечения для комплексной автоматизации библиотеки, включая учет кадров и финансовых операций</a:t>
+              <a:t>Разработка программного обеспечения для комплексной автоматизации библиотеки</a:t>
             </a:r>
             <a:endParaRPr lang="ru-RU" sz="1800" dirty="0">
               <a:effectLst/>
@@ -1986,10 +2543,10 @@
       </p:sp>
       <p:sp>
         <p:nvSpPr>
-          <p:cNvPr id="11" name="Rectangle 3">
+          <p:cNvPr id="10" name="Rectangle 3">
             <a:extLst>
               <a:ext uri="{FF2B5EF4-FFF2-40B4-BE49-F238E27FC236}">
-                <a16:creationId xmlns:a16="http://schemas.microsoft.com/office/drawing/2014/main" id="{31CFBEC0-116E-4FB4-AC37-0203D3D8914E}"/>
+                <a16:creationId xmlns:a16="http://schemas.microsoft.com/office/drawing/2014/main" id="{81E45F59-1F4B-48D9-9AFF-0306BF11B443}"/>
               </a:ext>
             </a:extLst>
           </p:cNvPr>
@@ -2274,10 +2831,10 @@
       </p:sp>
       <p:sp>
         <p:nvSpPr>
-          <p:cNvPr id="12" name="Text Box 4">
+          <p:cNvPr id="11" name="Text Box 4">
             <a:extLst>
               <a:ext uri="{FF2B5EF4-FFF2-40B4-BE49-F238E27FC236}">
-                <a16:creationId xmlns:a16="http://schemas.microsoft.com/office/drawing/2014/main" id="{E97C8951-F4A7-43F8-ACEA-B60A411AE683}"/>
+                <a16:creationId xmlns:a16="http://schemas.microsoft.com/office/drawing/2014/main" id="{838CED83-8D61-416C-891E-F6E99E12E92C}"/>
               </a:ext>
             </a:extLst>
           </p:cNvPr>
@@ -2444,10 +3001,10 @@
       </p:sp>
       <p:pic>
         <p:nvPicPr>
-          <p:cNvPr id="13" name="Picture 14" descr="touch-icon-ipad-retina">
+          <p:cNvPr id="12" name="Picture 14" descr="touch-icon-ipad-retina">
             <a:extLst>
               <a:ext uri="{FF2B5EF4-FFF2-40B4-BE49-F238E27FC236}">
-                <a16:creationId xmlns:a16="http://schemas.microsoft.com/office/drawing/2014/main" id="{905BE392-C290-4655-ADB5-A7D8D5ADBB8D}"/>
+                <a16:creationId xmlns:a16="http://schemas.microsoft.com/office/drawing/2014/main" id="{92970E47-0110-4656-A4D7-EC2C4594DB97}"/>
               </a:ext>
             </a:extLst>
           </p:cNvPr>
@@ -2504,10 +3061,10 @@
       </p:pic>
       <p:sp>
         <p:nvSpPr>
-          <p:cNvPr id="14" name="Text Box 15">
+          <p:cNvPr id="13" name="Text Box 15">
             <a:extLst>
               <a:ext uri="{FF2B5EF4-FFF2-40B4-BE49-F238E27FC236}">
-                <a16:creationId xmlns:a16="http://schemas.microsoft.com/office/drawing/2014/main" id="{5F5043DF-BAAE-4EB5-B6FC-69EAF3F4EDFD}"/>
+                <a16:creationId xmlns:a16="http://schemas.microsoft.com/office/drawing/2014/main" id="{F475FBC1-39BB-4CB7-82B0-36C39052ADC1}"/>
               </a:ext>
             </a:extLst>
           </p:cNvPr>
@@ -2679,6 +3236,60 @@
               <a:rPr lang="ru-RU" altLang="ru-RU" dirty="0"/>
               <a:t>2025</a:t>
             </a:r>
+          </a:p>
+        </p:txBody>
+      </p:sp>
+      <p:sp>
+        <p:nvSpPr>
+          <p:cNvPr id="14" name="Прямоугольник 13">
+            <a:extLst>
+              <a:ext uri="{FF2B5EF4-FFF2-40B4-BE49-F238E27FC236}">
+                <a16:creationId xmlns:a16="http://schemas.microsoft.com/office/drawing/2014/main" id="{CA6786B5-90E8-4D2E-B17B-15C833528E45}"/>
+              </a:ext>
+            </a:extLst>
+          </p:cNvPr>
+          <p:cNvSpPr/>
+          <p:nvPr/>
+        </p:nvSpPr>
+        <p:spPr>
+          <a:xfrm>
+            <a:off x="12479731" y="7410298"/>
+            <a:ext cx="2150669" cy="819302"/>
+          </a:xfrm>
+          <a:prstGeom prst="rect">
+            <a:avLst/>
+          </a:prstGeom>
+          <a:solidFill>
+            <a:srgbClr val="F9F9FF"/>
+          </a:solidFill>
+          <a:ln>
+            <a:solidFill>
+              <a:srgbClr val="F9F9FF"/>
+            </a:solidFill>
+          </a:ln>
+        </p:spPr>
+        <p:style>
+          <a:lnRef idx="2">
+            <a:schemeClr val="accent1">
+              <a:shade val="50000"/>
+            </a:schemeClr>
+          </a:lnRef>
+          <a:fillRef idx="1">
+            <a:schemeClr val="accent1"/>
+          </a:fillRef>
+          <a:effectRef idx="0">
+            <a:schemeClr val="accent1"/>
+          </a:effectRef>
+          <a:fontRef idx="minor">
+            <a:schemeClr val="lt1"/>
+          </a:fontRef>
+        </p:style>
+        <p:txBody>
+          <a:bodyPr rtlCol="0" anchor="ctr"/>
+          <a:lstStyle/>
+          <a:p>
+            <a:pPr algn="ctr"/>
+            <a:endParaRPr lang="ru-RU"/>
           </a:p>
         </p:txBody>
       </p:sp>
@@ -2712,7 +3323,7 @@
           <p:cNvPr id="3" name="Рисунок 2">
             <a:extLst>
               <a:ext uri="{FF2B5EF4-FFF2-40B4-BE49-F238E27FC236}">
-                <a16:creationId xmlns:a16="http://schemas.microsoft.com/office/drawing/2014/main" id="{1F46D9FA-7E21-464D-BF8A-6989E0E97762}"/>
+                <a16:creationId xmlns:a16="http://schemas.microsoft.com/office/drawing/2014/main" id="{C368CB5F-5E2A-4130-A473-DA855D7AE37B}"/>
               </a:ext>
             </a:extLst>
           </p:cNvPr>
@@ -2729,8 +3340,8 @@
         </p:blipFill>
         <p:spPr>
           <a:xfrm>
-            <a:off x="254251" y="1160349"/>
-            <a:ext cx="1752845" cy="5334744"/>
+            <a:off x="7383787" y="628762"/>
+            <a:ext cx="5838825" cy="1514475"/>
           </a:xfrm>
           <a:prstGeom prst="rect">
             <a:avLst/>
@@ -2742,7 +3353,7 @@
           <p:cNvPr id="5" name="Рисунок 4">
             <a:extLst>
               <a:ext uri="{FF2B5EF4-FFF2-40B4-BE49-F238E27FC236}">
-                <a16:creationId xmlns:a16="http://schemas.microsoft.com/office/drawing/2014/main" id="{6688EDB3-8FDD-4297-A511-592C5697FD26}"/>
+                <a16:creationId xmlns:a16="http://schemas.microsoft.com/office/drawing/2014/main" id="{B954B20F-15EB-4BBF-ABB3-A357E8A16126}"/>
               </a:ext>
             </a:extLst>
           </p:cNvPr>
@@ -2759,8 +3370,8 @@
         </p:blipFill>
         <p:spPr>
           <a:xfrm>
-            <a:off x="2506826" y="1160349"/>
-            <a:ext cx="11403016" cy="3496163"/>
+            <a:off x="413362" y="1981089"/>
+            <a:ext cx="8677275" cy="4105275"/>
           </a:xfrm>
           <a:prstGeom prst="rect">
             <a:avLst/>
@@ -2769,10 +3380,10 @@
       </p:pic>
       <p:sp>
         <p:nvSpPr>
-          <p:cNvPr id="6" name="Прямоугольник 5">
+          <p:cNvPr id="4" name="Прямоугольник 3">
             <a:extLst>
               <a:ext uri="{FF2B5EF4-FFF2-40B4-BE49-F238E27FC236}">
-                <a16:creationId xmlns:a16="http://schemas.microsoft.com/office/drawing/2014/main" id="{2638848F-3719-4BAA-9729-8618A5778422}"/>
+                <a16:creationId xmlns:a16="http://schemas.microsoft.com/office/drawing/2014/main" id="{D202606F-2C81-45C1-BCEA-D6B3E5B754CB}"/>
               </a:ext>
             </a:extLst>
           </p:cNvPr>
@@ -2781,18 +3392,18 @@
         </p:nvSpPr>
         <p:spPr>
           <a:xfrm>
-            <a:off x="12398400" y="7740000"/>
-            <a:ext cx="2232000" cy="489600"/>
+            <a:off x="12479731" y="7410298"/>
+            <a:ext cx="2150669" cy="819302"/>
           </a:xfrm>
           <a:prstGeom prst="rect">
             <a:avLst/>
           </a:prstGeom>
           <a:solidFill>
-            <a:srgbClr val="FAFFFA"/>
+            <a:srgbClr val="F9F9FF"/>
           </a:solidFill>
           <a:ln>
             <a:solidFill>
-              <a:srgbClr val="FAFFFA"/>
+              <a:srgbClr val="F9F9FF"/>
             </a:solidFill>
           </a:ln>
         </p:spPr>
@@ -2824,7 +3435,1145 @@
     </p:spTree>
     <p:extLst>
       <p:ext uri="{BB962C8B-B14F-4D97-AF65-F5344CB8AC3E}">
-        <p14:creationId xmlns:p14="http://schemas.microsoft.com/office/powerpoint/2010/main" val="2561564214"/>
+        <p14:creationId xmlns:p14="http://schemas.microsoft.com/office/powerpoint/2010/main" val="4255339167"/>
+      </p:ext>
+    </p:extLst>
+  </p:cSld>
+  <p:clrMapOvr>
+    <a:masterClrMapping/>
+  </p:clrMapOvr>
+</p:sld>
+</file>
+
+<file path=ppt/slides/slide11.xml><?xml version="1.0" encoding="utf-8"?>
+<p:sld xmlns:a="http://schemas.openxmlformats.org/drawingml/2006/main" xmlns:r="http://schemas.openxmlformats.org/officeDocument/2006/relationships" xmlns:p="http://schemas.openxmlformats.org/presentationml/2006/main">
+  <p:cSld name="Slide 8">
+    <p:spTree>
+      <p:nvGrpSpPr>
+        <p:cNvPr id="1" name=""/>
+        <p:cNvGrpSpPr/>
+        <p:nvPr/>
+      </p:nvGrpSpPr>
+      <p:grpSpPr>
+        <a:xfrm>
+          <a:off x="0" y="0"/>
+          <a:ext cx="0" cy="0"/>
+          <a:chOff x="0" y="0"/>
+          <a:chExt cx="0" cy="0"/>
+        </a:xfrm>
+      </p:grpSpPr>
+      <p:sp>
+        <p:nvSpPr>
+          <p:cNvPr id="16" name="TextBox 15">
+            <a:extLst>
+              <a:ext uri="{FF2B5EF4-FFF2-40B4-BE49-F238E27FC236}">
+                <a16:creationId xmlns:a16="http://schemas.microsoft.com/office/drawing/2014/main" id="{6865CBEC-D0FD-4FBB-82C7-C8EDA081795F}"/>
+              </a:ext>
+            </a:extLst>
+          </p:cNvPr>
+          <p:cNvSpPr txBox="1"/>
+          <p:nvPr/>
+        </p:nvSpPr>
+        <p:spPr>
+          <a:xfrm>
+            <a:off x="5791200" y="604517"/>
+            <a:ext cx="7315200" cy="400110"/>
+          </a:xfrm>
+          <a:prstGeom prst="rect">
+            <a:avLst/>
+          </a:prstGeom>
+          <a:noFill/>
+        </p:spPr>
+        <p:txBody>
+          <a:bodyPr wrap="square">
+            <a:spAutoFit/>
+          </a:bodyPr>
+          <a:lstStyle/>
+          <a:p>
+            <a:r>
+              <a:rPr lang="ru-RU" sz="2000" dirty="0">
+                <a:solidFill>
+                  <a:srgbClr val="1B1B27"/>
+                </a:solidFill>
+                <a:cs typeface="Alexandria" pitchFamily="34" charset="-120"/>
+              </a:rPr>
+              <a:t>Программы-аналоги</a:t>
+            </a:r>
+          </a:p>
+        </p:txBody>
+      </p:sp>
+      <p:sp>
+        <p:nvSpPr>
+          <p:cNvPr id="17" name="TextBox 16">
+            <a:extLst>
+              <a:ext uri="{FF2B5EF4-FFF2-40B4-BE49-F238E27FC236}">
+                <a16:creationId xmlns:a16="http://schemas.microsoft.com/office/drawing/2014/main" id="{90E8D9A5-10E0-4129-B57A-071B8F83F65A}"/>
+              </a:ext>
+            </a:extLst>
+          </p:cNvPr>
+          <p:cNvSpPr txBox="1"/>
+          <p:nvPr/>
+        </p:nvSpPr>
+        <p:spPr>
+          <a:xfrm>
+            <a:off x="7961400" y="1297998"/>
+            <a:ext cx="6768000" cy="1323439"/>
+          </a:xfrm>
+          <a:prstGeom prst="rect">
+            <a:avLst/>
+          </a:prstGeom>
+          <a:noFill/>
+        </p:spPr>
+        <p:txBody>
+          <a:bodyPr wrap="square">
+            <a:spAutoFit/>
+          </a:bodyPr>
+          <a:lstStyle/>
+          <a:p>
+            <a:pPr indent="-285750">
+              <a:buFont typeface="Arial" panose="020B0604020202020204" pitchFamily="34" charset="0"/>
+              <a:buChar char="•"/>
+            </a:pPr>
+            <a:r>
+              <a:rPr lang="ru-RU" sz="2000" dirty="0">
+                <a:solidFill>
+                  <a:srgbClr val="1B1B27"/>
+                </a:solidFill>
+                <a:cs typeface="Alexandria" pitchFamily="34" charset="-120"/>
+              </a:rPr>
+              <a:t>АИБС "Ирбис64" (ГПНТБ России):</a:t>
+            </a:r>
+          </a:p>
+          <a:p>
+            <a:pPr marL="0" lvl="1" indent="-285750">
+              <a:buFont typeface="Arial" panose="020B0604020202020204" pitchFamily="34" charset="0"/>
+              <a:buChar char="•"/>
+            </a:pPr>
+            <a:r>
+              <a:rPr lang="ru-RU" sz="2000" dirty="0">
+                <a:solidFill>
+                  <a:srgbClr val="1B1B27"/>
+                </a:solidFill>
+                <a:cs typeface="Alexandria" pitchFamily="34" charset="-120"/>
+              </a:rPr>
+              <a:t>Плюсы: Бесплатная, открытый код, большое сообщество.</a:t>
+            </a:r>
+          </a:p>
+          <a:p>
+            <a:pPr marL="0" lvl="1" indent="-285750">
+              <a:buFont typeface="Arial" panose="020B0604020202020204" pitchFamily="34" charset="0"/>
+              <a:buChar char="•"/>
+            </a:pPr>
+            <a:r>
+              <a:rPr lang="ru-RU" sz="2000" dirty="0">
+                <a:solidFill>
+                  <a:srgbClr val="1B1B27"/>
+                </a:solidFill>
+                <a:cs typeface="Alexandria" pitchFamily="34" charset="-120"/>
+              </a:rPr>
+              <a:t>Минусы: Ограниченный функционал, требует доработки, менее удобный интерфейс.</a:t>
+            </a:r>
+          </a:p>
+        </p:txBody>
+      </p:sp>
+      <p:sp>
+        <p:nvSpPr>
+          <p:cNvPr id="18" name="TextBox 17">
+            <a:extLst>
+              <a:ext uri="{FF2B5EF4-FFF2-40B4-BE49-F238E27FC236}">
+                <a16:creationId xmlns:a16="http://schemas.microsoft.com/office/drawing/2014/main" id="{550867F3-AF92-4008-B140-C3309C6BC1F1}"/>
+              </a:ext>
+            </a:extLst>
+          </p:cNvPr>
+          <p:cNvSpPr txBox="1"/>
+          <p:nvPr/>
+        </p:nvSpPr>
+        <p:spPr>
+          <a:xfrm>
+            <a:off x="303900" y="1144110"/>
+            <a:ext cx="7315200" cy="1631216"/>
+          </a:xfrm>
+          <a:prstGeom prst="rect">
+            <a:avLst/>
+          </a:prstGeom>
+          <a:noFill/>
+        </p:spPr>
+        <p:txBody>
+          <a:bodyPr wrap="square">
+            <a:spAutoFit/>
+          </a:bodyPr>
+          <a:lstStyle/>
+          <a:p>
+            <a:pPr>
+              <a:buFont typeface="Arial" panose="020B0604020202020204" pitchFamily="34" charset="0"/>
+              <a:buChar char="•"/>
+            </a:pPr>
+            <a:r>
+              <a:rPr lang="ru-RU" sz="2000" dirty="0">
+                <a:solidFill>
+                  <a:srgbClr val="1B1B27"/>
+                </a:solidFill>
+                <a:cs typeface="Alexandria" pitchFamily="34" charset="-120"/>
+              </a:rPr>
+              <a:t>АИБС "МАРК-SQL" (РУСЛАН):</a:t>
+            </a:r>
+          </a:p>
+          <a:p>
+            <a:pPr marL="0" lvl="1" indent="-285750">
+              <a:buFont typeface="Arial" panose="020B0604020202020204" pitchFamily="34" charset="0"/>
+              <a:buChar char="•"/>
+            </a:pPr>
+            <a:r>
+              <a:rPr lang="ru-RU" sz="2000" dirty="0">
+                <a:solidFill>
+                  <a:srgbClr val="1B1B27"/>
+                </a:solidFill>
+                <a:cs typeface="Alexandria" pitchFamily="34" charset="-120"/>
+              </a:rPr>
+              <a:t>Плюсы: Широкий функционал, большие объемы данных, интеграция.</a:t>
+            </a:r>
+          </a:p>
+          <a:p>
+            <a:pPr marL="0" lvl="1" indent="-285750">
+              <a:buFont typeface="Arial" panose="020B0604020202020204" pitchFamily="34" charset="0"/>
+              <a:buChar char="•"/>
+            </a:pPr>
+            <a:r>
+              <a:rPr lang="ru-RU" sz="2000" dirty="0">
+                <a:solidFill>
+                  <a:srgbClr val="1B1B27"/>
+                </a:solidFill>
+                <a:cs typeface="Alexandria" pitchFamily="34" charset="-120"/>
+              </a:rPr>
+              <a:t>Минусы: Высокая стоимость, сложность внедрения, высокие требования к квалификации.</a:t>
+            </a:r>
+          </a:p>
+        </p:txBody>
+      </p:sp>
+      <p:pic>
+        <p:nvPicPr>
+          <p:cNvPr id="19" name="Picture 2" descr="АИБС &quot;МАРК-SQL - записная книжка">
+            <a:extLst>
+              <a:ext uri="{FF2B5EF4-FFF2-40B4-BE49-F238E27FC236}">
+                <a16:creationId xmlns:a16="http://schemas.microsoft.com/office/drawing/2014/main" id="{03EE4900-E189-4874-A8FA-8DC0B9F5D0D0}"/>
+              </a:ext>
+            </a:extLst>
+          </p:cNvPr>
+          <p:cNvPicPr>
+            <a:picLocks noChangeAspect="1" noChangeArrowheads="1"/>
+          </p:cNvPicPr>
+          <p:nvPr/>
+        </p:nvPicPr>
+        <p:blipFill>
+          <a:blip r:embed="rId3">
+            <a:extLst>
+              <a:ext uri="{28A0092B-C50C-407E-A947-70E740481C1C}">
+                <a14:useLocalDpi xmlns:a14="http://schemas.microsoft.com/office/drawing/2010/main" val="0"/>
+              </a:ext>
+            </a:extLst>
+          </a:blip>
+          <a:srcRect/>
+          <a:stretch>
+            <a:fillRect/>
+          </a:stretch>
+        </p:blipFill>
+        <p:spPr bwMode="auto">
+          <a:xfrm>
+            <a:off x="303900" y="2932774"/>
+            <a:ext cx="4876800" cy="3552825"/>
+          </a:xfrm>
+          <a:prstGeom prst="rect">
+            <a:avLst/>
+          </a:prstGeom>
+          <a:noFill/>
+          <a:extLst>
+            <a:ext uri="{909E8E84-426E-40DD-AFC4-6F175D3DCCD1}">
+              <a14:hiddenFill xmlns:a14="http://schemas.microsoft.com/office/drawing/2010/main">
+                <a:solidFill>
+                  <a:srgbClr val="FFFFFF"/>
+                </a:solidFill>
+              </a14:hiddenFill>
+            </a:ext>
+          </a:extLst>
+        </p:spPr>
+      </p:pic>
+      <p:pic>
+        <p:nvPicPr>
+          <p:cNvPr id="20" name="Picture 4" descr="Отчет о деятельности ГПНТБ России за 2007 год">
+            <a:extLst>
+              <a:ext uri="{FF2B5EF4-FFF2-40B4-BE49-F238E27FC236}">
+                <a16:creationId xmlns:a16="http://schemas.microsoft.com/office/drawing/2014/main" id="{AFCB676B-CB83-4559-8A53-58325ABE3DE1}"/>
+              </a:ext>
+            </a:extLst>
+          </p:cNvPr>
+          <p:cNvPicPr>
+            <a:picLocks noChangeAspect="1" noChangeArrowheads="1"/>
+          </p:cNvPicPr>
+          <p:nvPr/>
+        </p:nvPicPr>
+        <p:blipFill>
+          <a:blip r:embed="rId4">
+            <a:extLst>
+              <a:ext uri="{28A0092B-C50C-407E-A947-70E740481C1C}">
+                <a14:useLocalDpi xmlns:a14="http://schemas.microsoft.com/office/drawing/2010/main" val="0"/>
+              </a:ext>
+            </a:extLst>
+          </a:blip>
+          <a:srcRect/>
+          <a:stretch>
+            <a:fillRect/>
+          </a:stretch>
+        </p:blipFill>
+        <p:spPr bwMode="auto">
+          <a:xfrm>
+            <a:off x="7961400" y="2921254"/>
+            <a:ext cx="6138000" cy="4603500"/>
+          </a:xfrm>
+          <a:prstGeom prst="rect">
+            <a:avLst/>
+          </a:prstGeom>
+          <a:noFill/>
+          <a:extLst>
+            <a:ext uri="{909E8E84-426E-40DD-AFC4-6F175D3DCCD1}">
+              <a14:hiddenFill xmlns:a14="http://schemas.microsoft.com/office/drawing/2010/main">
+                <a:solidFill>
+                  <a:srgbClr val="FFFFFF"/>
+                </a:solidFill>
+              </a14:hiddenFill>
+            </a:ext>
+          </a:extLst>
+        </p:spPr>
+      </p:pic>
+      <p:sp>
+        <p:nvSpPr>
+          <p:cNvPr id="22" name="Text 0">
+            <a:extLst>
+              <a:ext uri="{FF2B5EF4-FFF2-40B4-BE49-F238E27FC236}">
+                <a16:creationId xmlns:a16="http://schemas.microsoft.com/office/drawing/2014/main" id="{07B39ACC-1648-48EA-BD38-E122AC62EF67}"/>
+              </a:ext>
+            </a:extLst>
+          </p:cNvPr>
+          <p:cNvSpPr/>
+          <p:nvPr/>
+        </p:nvSpPr>
+        <p:spPr>
+          <a:xfrm>
+            <a:off x="0" y="-38634"/>
+            <a:ext cx="14630400" cy="1025296"/>
+          </a:xfrm>
+          <a:prstGeom prst="rect">
+            <a:avLst/>
+          </a:prstGeom>
+          <a:noFill/>
+          <a:ln/>
+        </p:spPr>
+        <p:txBody>
+          <a:bodyPr wrap="square" lIns="0" tIns="0" rIns="0" bIns="0" rtlCol="0" anchor="t"/>
+          <a:lstStyle/>
+          <a:p>
+            <a:pPr marL="0" indent="0" algn="ctr">
+              <a:lnSpc>
+                <a:spcPts val="5050"/>
+              </a:lnSpc>
+              <a:buNone/>
+            </a:pPr>
+            <a:r>
+              <a:rPr lang="en-US" sz="2000" dirty="0">
+                <a:solidFill>
+                  <a:srgbClr val="1B1B27"/>
+                </a:solidFill>
+                <a:latin typeface="Alexandria" pitchFamily="34" charset="0"/>
+                <a:ea typeface="Alexandria" pitchFamily="34" charset="-122"/>
+                <a:cs typeface="Alexandria" pitchFamily="34" charset="-120"/>
+              </a:rPr>
+              <a:t>Разработка программного обеспечения для комплексной автоматизации библиотеки</a:t>
+            </a:r>
+            <a:endParaRPr lang="en-US" sz="2000" dirty="0"/>
+          </a:p>
+        </p:txBody>
+      </p:sp>
+      <p:sp>
+        <p:nvSpPr>
+          <p:cNvPr id="23" name="Прямоугольник 22">
+            <a:extLst>
+              <a:ext uri="{FF2B5EF4-FFF2-40B4-BE49-F238E27FC236}">
+                <a16:creationId xmlns:a16="http://schemas.microsoft.com/office/drawing/2014/main" id="{84BF67C1-679A-4DC6-9CC7-00124B5A8B72}"/>
+              </a:ext>
+            </a:extLst>
+          </p:cNvPr>
+          <p:cNvSpPr/>
+          <p:nvPr/>
+        </p:nvSpPr>
+        <p:spPr>
+          <a:xfrm>
+            <a:off x="12479731" y="7524754"/>
+            <a:ext cx="2150669" cy="704846"/>
+          </a:xfrm>
+          <a:prstGeom prst="rect">
+            <a:avLst/>
+          </a:prstGeom>
+          <a:solidFill>
+            <a:srgbClr val="F9F9FF"/>
+          </a:solidFill>
+          <a:ln>
+            <a:solidFill>
+              <a:srgbClr val="F9F9FF"/>
+            </a:solidFill>
+          </a:ln>
+        </p:spPr>
+        <p:style>
+          <a:lnRef idx="2">
+            <a:schemeClr val="accent1">
+              <a:shade val="50000"/>
+            </a:schemeClr>
+          </a:lnRef>
+          <a:fillRef idx="1">
+            <a:schemeClr val="accent1"/>
+          </a:fillRef>
+          <a:effectRef idx="0">
+            <a:schemeClr val="accent1"/>
+          </a:effectRef>
+          <a:fontRef idx="minor">
+            <a:schemeClr val="lt1"/>
+          </a:fontRef>
+        </p:style>
+        <p:txBody>
+          <a:bodyPr rtlCol="0" anchor="ctr"/>
+          <a:lstStyle/>
+          <a:p>
+            <a:pPr algn="ctr"/>
+            <a:endParaRPr lang="ru-RU"/>
+          </a:p>
+        </p:txBody>
+      </p:sp>
+    </p:spTree>
+  </p:cSld>
+  <p:clrMapOvr>
+    <a:masterClrMapping/>
+  </p:clrMapOvr>
+</p:sld>
+</file>
+
+<file path=ppt/slides/slide12.xml><?xml version="1.0" encoding="utf-8"?>
+<p:sld xmlns:a="http://schemas.openxmlformats.org/drawingml/2006/main" xmlns:r="http://schemas.openxmlformats.org/officeDocument/2006/relationships" xmlns:p="http://schemas.openxmlformats.org/presentationml/2006/main">
+  <p:cSld name="Slide 10">
+    <p:spTree>
+      <p:nvGrpSpPr>
+        <p:cNvPr id="1" name=""/>
+        <p:cNvGrpSpPr/>
+        <p:nvPr/>
+      </p:nvGrpSpPr>
+      <p:grpSpPr>
+        <a:xfrm>
+          <a:off x="0" y="0"/>
+          <a:ext cx="0" cy="0"/>
+          <a:chOff x="0" y="0"/>
+          <a:chExt cx="0" cy="0"/>
+        </a:xfrm>
+      </p:grpSpPr>
+      <p:sp>
+        <p:nvSpPr>
+          <p:cNvPr id="5" name="Прямоугольник 4">
+            <a:extLst>
+              <a:ext uri="{FF2B5EF4-FFF2-40B4-BE49-F238E27FC236}">
+                <a16:creationId xmlns:a16="http://schemas.microsoft.com/office/drawing/2014/main" id="{B54BE545-469B-411F-8E88-078F8D47A420}"/>
+              </a:ext>
+            </a:extLst>
+          </p:cNvPr>
+          <p:cNvSpPr/>
+          <p:nvPr/>
+        </p:nvSpPr>
+        <p:spPr>
+          <a:xfrm>
+            <a:off x="12479731" y="7410298"/>
+            <a:ext cx="2150669" cy="819302"/>
+          </a:xfrm>
+          <a:prstGeom prst="rect">
+            <a:avLst/>
+          </a:prstGeom>
+          <a:solidFill>
+            <a:srgbClr val="F9F9FF"/>
+          </a:solidFill>
+          <a:ln>
+            <a:solidFill>
+              <a:srgbClr val="F9F9FF"/>
+            </a:solidFill>
+          </a:ln>
+        </p:spPr>
+        <p:style>
+          <a:lnRef idx="2">
+            <a:schemeClr val="accent1">
+              <a:shade val="50000"/>
+            </a:schemeClr>
+          </a:lnRef>
+          <a:fillRef idx="1">
+            <a:schemeClr val="accent1"/>
+          </a:fillRef>
+          <a:effectRef idx="0">
+            <a:schemeClr val="accent1"/>
+          </a:effectRef>
+          <a:fontRef idx="minor">
+            <a:schemeClr val="lt1"/>
+          </a:fontRef>
+        </p:style>
+        <p:txBody>
+          <a:bodyPr rtlCol="0" anchor="ctr"/>
+          <a:lstStyle/>
+          <a:p>
+            <a:pPr algn="ctr"/>
+            <a:endParaRPr lang="ru-RU"/>
+          </a:p>
+        </p:txBody>
+      </p:sp>
+      <p:sp>
+        <p:nvSpPr>
+          <p:cNvPr id="2" name="TextBox 1">
+            <a:extLst>
+              <a:ext uri="{FF2B5EF4-FFF2-40B4-BE49-F238E27FC236}">
+                <a16:creationId xmlns:a16="http://schemas.microsoft.com/office/drawing/2014/main" id="{2CB80714-3101-439B-8D11-9928094E19E4}"/>
+              </a:ext>
+            </a:extLst>
+          </p:cNvPr>
+          <p:cNvSpPr txBox="1"/>
+          <p:nvPr/>
+        </p:nvSpPr>
+        <p:spPr>
+          <a:xfrm>
+            <a:off x="0" y="3771071"/>
+            <a:ext cx="2995200" cy="369332"/>
+          </a:xfrm>
+          <a:prstGeom prst="rect">
+            <a:avLst/>
+          </a:prstGeom>
+          <a:noFill/>
+        </p:spPr>
+        <p:txBody>
+          <a:bodyPr wrap="square" rtlCol="0">
+            <a:spAutoFit/>
+          </a:bodyPr>
+          <a:lstStyle/>
+          <a:p>
+            <a:r>
+              <a:rPr lang="ru-RU" dirty="0"/>
+              <a:t>Диаграмма базы данных</a:t>
+            </a:r>
+          </a:p>
+        </p:txBody>
+      </p:sp>
+      <p:pic>
+        <p:nvPicPr>
+          <p:cNvPr id="7" name="Рисунок 6">
+            <a:extLst>
+              <a:ext uri="{FF2B5EF4-FFF2-40B4-BE49-F238E27FC236}">
+                <a16:creationId xmlns:a16="http://schemas.microsoft.com/office/drawing/2014/main" id="{0FA34202-1BB0-4B3F-AF28-00EF54D394DE}"/>
+              </a:ext>
+            </a:extLst>
+          </p:cNvPr>
+          <p:cNvPicPr>
+            <a:picLocks noChangeAspect="1"/>
+          </p:cNvPicPr>
+          <p:nvPr/>
+        </p:nvPicPr>
+        <p:blipFill>
+          <a:blip r:embed="rId3"/>
+          <a:stretch>
+            <a:fillRect/>
+          </a:stretch>
+        </p:blipFill>
+        <p:spPr>
+          <a:xfrm>
+            <a:off x="2652678" y="0"/>
+            <a:ext cx="12032243" cy="8229600"/>
+          </a:xfrm>
+          <a:prstGeom prst="rect">
+            <a:avLst/>
+          </a:prstGeom>
+        </p:spPr>
+      </p:pic>
+    </p:spTree>
+  </p:cSld>
+  <p:clrMapOvr>
+    <a:masterClrMapping/>
+  </p:clrMapOvr>
+</p:sld>
+</file>
+
+<file path=ppt/slides/slide13.xml><?xml version="1.0" encoding="utf-8"?>
+<p:sld xmlns:a="http://schemas.openxmlformats.org/drawingml/2006/main" xmlns:r="http://schemas.openxmlformats.org/officeDocument/2006/relationships" xmlns:p="http://schemas.openxmlformats.org/presentationml/2006/main">
+  <p:cSld>
+    <p:spTree>
+      <p:nvGrpSpPr>
+        <p:cNvPr id="1" name=""/>
+        <p:cNvGrpSpPr/>
+        <p:nvPr/>
+      </p:nvGrpSpPr>
+      <p:grpSpPr>
+        <a:xfrm>
+          <a:off x="0" y="0"/>
+          <a:ext cx="0" cy="0"/>
+          <a:chOff x="0" y="0"/>
+          <a:chExt cx="0" cy="0"/>
+        </a:xfrm>
+      </p:grpSpPr>
+      <p:sp>
+        <p:nvSpPr>
+          <p:cNvPr id="2" name="TextBox 1">
+            <a:extLst>
+              <a:ext uri="{FF2B5EF4-FFF2-40B4-BE49-F238E27FC236}">
+                <a16:creationId xmlns:a16="http://schemas.microsoft.com/office/drawing/2014/main" id="{A5867542-1AD2-4BF2-9D10-E274199FB04A}"/>
+              </a:ext>
+            </a:extLst>
+          </p:cNvPr>
+          <p:cNvSpPr txBox="1"/>
+          <p:nvPr/>
+        </p:nvSpPr>
+        <p:spPr>
+          <a:xfrm>
+            <a:off x="3657600" y="134311"/>
+            <a:ext cx="7315200" cy="838691"/>
+          </a:xfrm>
+          <a:prstGeom prst="rect">
+            <a:avLst/>
+          </a:prstGeom>
+          <a:noFill/>
+        </p:spPr>
+        <p:txBody>
+          <a:bodyPr wrap="square">
+            <a:spAutoFit/>
+          </a:bodyPr>
+          <a:lstStyle/>
+          <a:p>
+            <a:r>
+              <a:rPr lang="ru-RU" sz="4850" b="1" dirty="0">
+                <a:solidFill>
+                  <a:srgbClr val="3B4540"/>
+                </a:solidFill>
+              </a:rPr>
+              <a:t>Интерфейс программы</a:t>
+            </a:r>
+          </a:p>
+        </p:txBody>
+      </p:sp>
+      <p:pic>
+        <p:nvPicPr>
+          <p:cNvPr id="3" name="Рисунок 2">
+            <a:extLst>
+              <a:ext uri="{FF2B5EF4-FFF2-40B4-BE49-F238E27FC236}">
+                <a16:creationId xmlns:a16="http://schemas.microsoft.com/office/drawing/2014/main" id="{67A8641F-B353-4A25-81B0-3442DE5B2628}"/>
+              </a:ext>
+            </a:extLst>
+          </p:cNvPr>
+          <p:cNvPicPr>
+            <a:picLocks noChangeAspect="1"/>
+          </p:cNvPicPr>
+          <p:nvPr/>
+        </p:nvPicPr>
+        <p:blipFill>
+          <a:blip r:embed="rId2"/>
+          <a:stretch>
+            <a:fillRect/>
+          </a:stretch>
+        </p:blipFill>
+        <p:spPr>
+          <a:xfrm>
+            <a:off x="370492" y="893802"/>
+            <a:ext cx="13682233" cy="7256598"/>
+          </a:xfrm>
+          <a:prstGeom prst="rect">
+            <a:avLst/>
+          </a:prstGeom>
+        </p:spPr>
+      </p:pic>
+    </p:spTree>
+    <p:extLst>
+      <p:ext uri="{BB962C8B-B14F-4D97-AF65-F5344CB8AC3E}">
+        <p14:creationId xmlns:p14="http://schemas.microsoft.com/office/powerpoint/2010/main" val="2644055521"/>
+      </p:ext>
+    </p:extLst>
+  </p:cSld>
+  <p:clrMapOvr>
+    <a:masterClrMapping/>
+  </p:clrMapOvr>
+</p:sld>
+</file>
+
+<file path=ppt/slides/slide14.xml><?xml version="1.0" encoding="utf-8"?>
+<p:sld xmlns:a="http://schemas.openxmlformats.org/drawingml/2006/main" xmlns:r="http://schemas.openxmlformats.org/officeDocument/2006/relationships" xmlns:p="http://schemas.openxmlformats.org/presentationml/2006/main">
+  <p:cSld>
+    <p:spTree>
+      <p:nvGrpSpPr>
+        <p:cNvPr id="1" name=""/>
+        <p:cNvGrpSpPr/>
+        <p:nvPr/>
+      </p:nvGrpSpPr>
+      <p:grpSpPr>
+        <a:xfrm>
+          <a:off x="0" y="0"/>
+          <a:ext cx="0" cy="0"/>
+          <a:chOff x="0" y="0"/>
+          <a:chExt cx="0" cy="0"/>
+        </a:xfrm>
+      </p:grpSpPr>
+      <p:pic>
+        <p:nvPicPr>
+          <p:cNvPr id="2" name="Рисунок 1">
+            <a:extLst>
+              <a:ext uri="{FF2B5EF4-FFF2-40B4-BE49-F238E27FC236}">
+                <a16:creationId xmlns:a16="http://schemas.microsoft.com/office/drawing/2014/main" id="{C5999143-7F7A-4B61-B2F7-1EE84FF4F289}"/>
+              </a:ext>
+            </a:extLst>
+          </p:cNvPr>
+          <p:cNvPicPr>
+            <a:picLocks noChangeAspect="1"/>
+          </p:cNvPicPr>
+          <p:nvPr/>
+        </p:nvPicPr>
+        <p:blipFill>
+          <a:blip r:embed="rId2"/>
+          <a:stretch>
+            <a:fillRect/>
+          </a:stretch>
+        </p:blipFill>
+        <p:spPr>
+          <a:xfrm>
+            <a:off x="925033" y="565110"/>
+            <a:ext cx="12429460" cy="6947346"/>
+          </a:xfrm>
+          <a:prstGeom prst="rect">
+            <a:avLst/>
+          </a:prstGeom>
+        </p:spPr>
+      </p:pic>
+      <p:sp>
+        <p:nvSpPr>
+          <p:cNvPr id="3" name="Прямоугольник 2">
+            <a:extLst>
+              <a:ext uri="{FF2B5EF4-FFF2-40B4-BE49-F238E27FC236}">
+                <a16:creationId xmlns:a16="http://schemas.microsoft.com/office/drawing/2014/main" id="{BEC02765-C534-4117-96AA-932FE348BD2C}"/>
+              </a:ext>
+            </a:extLst>
+          </p:cNvPr>
+          <p:cNvSpPr/>
+          <p:nvPr/>
+        </p:nvSpPr>
+        <p:spPr>
+          <a:xfrm>
+            <a:off x="12479731" y="7512456"/>
+            <a:ext cx="2150669" cy="717144"/>
+          </a:xfrm>
+          <a:prstGeom prst="rect">
+            <a:avLst/>
+          </a:prstGeom>
+          <a:solidFill>
+            <a:srgbClr val="F9F9FF"/>
+          </a:solidFill>
+          <a:ln>
+            <a:solidFill>
+              <a:srgbClr val="F9F9FF"/>
+            </a:solidFill>
+          </a:ln>
+        </p:spPr>
+        <p:style>
+          <a:lnRef idx="2">
+            <a:schemeClr val="accent1">
+              <a:shade val="50000"/>
+            </a:schemeClr>
+          </a:lnRef>
+          <a:fillRef idx="1">
+            <a:schemeClr val="accent1"/>
+          </a:fillRef>
+          <a:effectRef idx="0">
+            <a:schemeClr val="accent1"/>
+          </a:effectRef>
+          <a:fontRef idx="minor">
+            <a:schemeClr val="lt1"/>
+          </a:fontRef>
+        </p:style>
+        <p:txBody>
+          <a:bodyPr rtlCol="0" anchor="ctr"/>
+          <a:lstStyle/>
+          <a:p>
+            <a:pPr algn="ctr"/>
+            <a:endParaRPr lang="ru-RU"/>
+          </a:p>
+        </p:txBody>
+      </p:sp>
+    </p:spTree>
+    <p:extLst>
+      <p:ext uri="{BB962C8B-B14F-4D97-AF65-F5344CB8AC3E}">
+        <p14:creationId xmlns:p14="http://schemas.microsoft.com/office/powerpoint/2010/main" val="43532509"/>
+      </p:ext>
+    </p:extLst>
+  </p:cSld>
+  <p:clrMapOvr>
+    <a:masterClrMapping/>
+  </p:clrMapOvr>
+</p:sld>
+</file>
+
+<file path=ppt/slides/slide15.xml><?xml version="1.0" encoding="utf-8"?>
+<p:sld xmlns:a="http://schemas.openxmlformats.org/drawingml/2006/main" xmlns:r="http://schemas.openxmlformats.org/officeDocument/2006/relationships" xmlns:p="http://schemas.openxmlformats.org/presentationml/2006/main">
+  <p:cSld>
+    <p:spTree>
+      <p:nvGrpSpPr>
+        <p:cNvPr id="1" name=""/>
+        <p:cNvGrpSpPr/>
+        <p:nvPr/>
+      </p:nvGrpSpPr>
+      <p:grpSpPr>
+        <a:xfrm>
+          <a:off x="0" y="0"/>
+          <a:ext cx="0" cy="0"/>
+          <a:chOff x="0" y="0"/>
+          <a:chExt cx="0" cy="0"/>
+        </a:xfrm>
+      </p:grpSpPr>
+      <p:pic>
+        <p:nvPicPr>
+          <p:cNvPr id="2" name="Рисунок 1">
+            <a:extLst>
+              <a:ext uri="{FF2B5EF4-FFF2-40B4-BE49-F238E27FC236}">
+                <a16:creationId xmlns:a16="http://schemas.microsoft.com/office/drawing/2014/main" id="{604C968D-99B6-4AD7-8409-DB1BE2DAC3FD}"/>
+              </a:ext>
+            </a:extLst>
+          </p:cNvPr>
+          <p:cNvPicPr>
+            <a:picLocks noChangeAspect="1"/>
+          </p:cNvPicPr>
+          <p:nvPr/>
+        </p:nvPicPr>
+        <p:blipFill>
+          <a:blip r:embed="rId2"/>
+          <a:stretch>
+            <a:fillRect/>
+          </a:stretch>
+        </p:blipFill>
+        <p:spPr>
+          <a:xfrm>
+            <a:off x="808073" y="548240"/>
+            <a:ext cx="12663378" cy="6948176"/>
+          </a:xfrm>
+          <a:prstGeom prst="rect">
+            <a:avLst/>
+          </a:prstGeom>
+        </p:spPr>
+      </p:pic>
+      <p:sp>
+        <p:nvSpPr>
+          <p:cNvPr id="3" name="Прямоугольник 2">
+            <a:extLst>
+              <a:ext uri="{FF2B5EF4-FFF2-40B4-BE49-F238E27FC236}">
+                <a16:creationId xmlns:a16="http://schemas.microsoft.com/office/drawing/2014/main" id="{C8AA93A3-429D-48F1-96E3-29CDCBD2325D}"/>
+              </a:ext>
+            </a:extLst>
+          </p:cNvPr>
+          <p:cNvSpPr/>
+          <p:nvPr/>
+        </p:nvSpPr>
+        <p:spPr>
+          <a:xfrm>
+            <a:off x="12479731" y="7496416"/>
+            <a:ext cx="2150669" cy="733184"/>
+          </a:xfrm>
+          <a:prstGeom prst="rect">
+            <a:avLst/>
+          </a:prstGeom>
+          <a:solidFill>
+            <a:srgbClr val="F9F9FF"/>
+          </a:solidFill>
+          <a:ln>
+            <a:solidFill>
+              <a:srgbClr val="F9F9FF"/>
+            </a:solidFill>
+          </a:ln>
+        </p:spPr>
+        <p:style>
+          <a:lnRef idx="2">
+            <a:schemeClr val="accent1">
+              <a:shade val="50000"/>
+            </a:schemeClr>
+          </a:lnRef>
+          <a:fillRef idx="1">
+            <a:schemeClr val="accent1"/>
+          </a:fillRef>
+          <a:effectRef idx="0">
+            <a:schemeClr val="accent1"/>
+          </a:effectRef>
+          <a:fontRef idx="minor">
+            <a:schemeClr val="lt1"/>
+          </a:fontRef>
+        </p:style>
+        <p:txBody>
+          <a:bodyPr rtlCol="0" anchor="ctr"/>
+          <a:lstStyle/>
+          <a:p>
+            <a:pPr algn="ctr"/>
+            <a:endParaRPr lang="ru-RU"/>
+          </a:p>
+        </p:txBody>
+      </p:sp>
+    </p:spTree>
+    <p:extLst>
+      <p:ext uri="{BB962C8B-B14F-4D97-AF65-F5344CB8AC3E}">
+        <p14:creationId xmlns:p14="http://schemas.microsoft.com/office/powerpoint/2010/main" val="675394330"/>
+      </p:ext>
+    </p:extLst>
+  </p:cSld>
+  <p:clrMapOvr>
+    <a:masterClrMapping/>
+  </p:clrMapOvr>
+</p:sld>
+</file>
+
+<file path=ppt/slides/slide16.xml><?xml version="1.0" encoding="utf-8"?>
+<p:sld xmlns:a="http://schemas.openxmlformats.org/drawingml/2006/main" xmlns:r="http://schemas.openxmlformats.org/officeDocument/2006/relationships" xmlns:p="http://schemas.openxmlformats.org/presentationml/2006/main">
+  <p:cSld>
+    <p:spTree>
+      <p:nvGrpSpPr>
+        <p:cNvPr id="1" name=""/>
+        <p:cNvGrpSpPr/>
+        <p:nvPr/>
+      </p:nvGrpSpPr>
+      <p:grpSpPr>
+        <a:xfrm>
+          <a:off x="0" y="0"/>
+          <a:ext cx="0" cy="0"/>
+          <a:chOff x="0" y="0"/>
+          <a:chExt cx="0" cy="0"/>
+        </a:xfrm>
+      </p:grpSpPr>
+      <p:pic>
+        <p:nvPicPr>
+          <p:cNvPr id="2" name="Рисунок 1">
+            <a:extLst>
+              <a:ext uri="{FF2B5EF4-FFF2-40B4-BE49-F238E27FC236}">
+                <a16:creationId xmlns:a16="http://schemas.microsoft.com/office/drawing/2014/main" id="{ACB70724-C3D6-4FA5-ADF6-ABD84B7C9B9D}"/>
+              </a:ext>
+            </a:extLst>
+          </p:cNvPr>
+          <p:cNvPicPr>
+            <a:picLocks noChangeAspect="1"/>
+          </p:cNvPicPr>
+          <p:nvPr/>
+        </p:nvPicPr>
+        <p:blipFill>
+          <a:blip r:embed="rId2"/>
+          <a:stretch>
+            <a:fillRect/>
+          </a:stretch>
+        </p:blipFill>
+        <p:spPr>
+          <a:xfrm>
+            <a:off x="380032" y="1350537"/>
+            <a:ext cx="13870336" cy="5039428"/>
+          </a:xfrm>
+          <a:prstGeom prst="rect">
+            <a:avLst/>
+          </a:prstGeom>
+        </p:spPr>
+      </p:pic>
+      <p:sp>
+        <p:nvSpPr>
+          <p:cNvPr id="3" name="Прямоугольник 2">
+            <a:extLst>
+              <a:ext uri="{FF2B5EF4-FFF2-40B4-BE49-F238E27FC236}">
+                <a16:creationId xmlns:a16="http://schemas.microsoft.com/office/drawing/2014/main" id="{247563A9-575D-46BC-B270-9E8619F9841C}"/>
+              </a:ext>
+            </a:extLst>
+          </p:cNvPr>
+          <p:cNvSpPr/>
+          <p:nvPr/>
+        </p:nvSpPr>
+        <p:spPr>
+          <a:xfrm>
+            <a:off x="12479731" y="7410298"/>
+            <a:ext cx="2150669" cy="819302"/>
+          </a:xfrm>
+          <a:prstGeom prst="rect">
+            <a:avLst/>
+          </a:prstGeom>
+          <a:solidFill>
+            <a:srgbClr val="F9F9FF"/>
+          </a:solidFill>
+          <a:ln>
+            <a:solidFill>
+              <a:srgbClr val="F9F9FF"/>
+            </a:solidFill>
+          </a:ln>
+        </p:spPr>
+        <p:style>
+          <a:lnRef idx="2">
+            <a:schemeClr val="accent1">
+              <a:shade val="50000"/>
+            </a:schemeClr>
+          </a:lnRef>
+          <a:fillRef idx="1">
+            <a:schemeClr val="accent1"/>
+          </a:fillRef>
+          <a:effectRef idx="0">
+            <a:schemeClr val="accent1"/>
+          </a:effectRef>
+          <a:fontRef idx="minor">
+            <a:schemeClr val="lt1"/>
+          </a:fontRef>
+        </p:style>
+        <p:txBody>
+          <a:bodyPr rtlCol="0" anchor="ctr"/>
+          <a:lstStyle/>
+          <a:p>
+            <a:pPr algn="ctr"/>
+            <a:endParaRPr lang="ru-RU"/>
+          </a:p>
+        </p:txBody>
+      </p:sp>
+    </p:spTree>
+    <p:extLst>
+      <p:ext uri="{BB962C8B-B14F-4D97-AF65-F5344CB8AC3E}">
+        <p14:creationId xmlns:p14="http://schemas.microsoft.com/office/powerpoint/2010/main" val="870951857"/>
+      </p:ext>
+    </p:extLst>
+  </p:cSld>
+  <p:clrMapOvr>
+    <a:masterClrMapping/>
+  </p:clrMapOvr>
+</p:sld>
+</file>
+
+<file path=ppt/slides/slide17.xml><?xml version="1.0" encoding="utf-8"?>
+<p:sld xmlns:a="http://schemas.openxmlformats.org/drawingml/2006/main" xmlns:r="http://schemas.openxmlformats.org/officeDocument/2006/relationships" xmlns:p="http://schemas.openxmlformats.org/presentationml/2006/main">
+  <p:cSld>
+    <p:spTree>
+      <p:nvGrpSpPr>
+        <p:cNvPr id="1" name=""/>
+        <p:cNvGrpSpPr/>
+        <p:nvPr/>
+      </p:nvGrpSpPr>
+      <p:grpSpPr>
+        <a:xfrm>
+          <a:off x="0" y="0"/>
+          <a:ext cx="0" cy="0"/>
+          <a:chOff x="0" y="0"/>
+          <a:chExt cx="0" cy="0"/>
+        </a:xfrm>
+      </p:grpSpPr>
+      <p:pic>
+        <p:nvPicPr>
+          <p:cNvPr id="2" name="Рисунок 1">
+            <a:extLst>
+              <a:ext uri="{FF2B5EF4-FFF2-40B4-BE49-F238E27FC236}">
+                <a16:creationId xmlns:a16="http://schemas.microsoft.com/office/drawing/2014/main" id="{FD27B9C6-9F8D-446F-A367-D5A87C8A0392}"/>
+              </a:ext>
+            </a:extLst>
+          </p:cNvPr>
+          <p:cNvPicPr>
+            <a:picLocks noChangeAspect="1"/>
+          </p:cNvPicPr>
+          <p:nvPr/>
+        </p:nvPicPr>
+        <p:blipFill>
+          <a:blip r:embed="rId2"/>
+          <a:stretch>
+            <a:fillRect/>
+          </a:stretch>
+        </p:blipFill>
+        <p:spPr>
+          <a:xfrm>
+            <a:off x="254251" y="1160349"/>
+            <a:ext cx="1752845" cy="5334744"/>
+          </a:xfrm>
+          <a:prstGeom prst="rect">
+            <a:avLst/>
+          </a:prstGeom>
+        </p:spPr>
+      </p:pic>
+      <p:pic>
+        <p:nvPicPr>
+          <p:cNvPr id="3" name="Рисунок 2">
+            <a:extLst>
+              <a:ext uri="{FF2B5EF4-FFF2-40B4-BE49-F238E27FC236}">
+                <a16:creationId xmlns:a16="http://schemas.microsoft.com/office/drawing/2014/main" id="{26D54BBC-0889-4ABE-AE2D-F8B3EF8EBBEE}"/>
+              </a:ext>
+            </a:extLst>
+          </p:cNvPr>
+          <p:cNvPicPr>
+            <a:picLocks noChangeAspect="1"/>
+          </p:cNvPicPr>
+          <p:nvPr/>
+        </p:nvPicPr>
+        <p:blipFill>
+          <a:blip r:embed="rId3"/>
+          <a:stretch>
+            <a:fillRect/>
+          </a:stretch>
+        </p:blipFill>
+        <p:spPr>
+          <a:xfrm>
+            <a:off x="2506826" y="1160349"/>
+            <a:ext cx="11403016" cy="3496163"/>
+          </a:xfrm>
+          <a:prstGeom prst="rect">
+            <a:avLst/>
+          </a:prstGeom>
+        </p:spPr>
+      </p:pic>
+      <p:sp>
+        <p:nvSpPr>
+          <p:cNvPr id="5" name="Прямоугольник 4">
+            <a:extLst>
+              <a:ext uri="{FF2B5EF4-FFF2-40B4-BE49-F238E27FC236}">
+                <a16:creationId xmlns:a16="http://schemas.microsoft.com/office/drawing/2014/main" id="{4063DD3D-6510-4987-9858-A2C90DB0DD99}"/>
+              </a:ext>
+            </a:extLst>
+          </p:cNvPr>
+          <p:cNvSpPr/>
+          <p:nvPr/>
+        </p:nvSpPr>
+        <p:spPr>
+          <a:xfrm>
+            <a:off x="12479731" y="7410298"/>
+            <a:ext cx="2150669" cy="819302"/>
+          </a:xfrm>
+          <a:prstGeom prst="rect">
+            <a:avLst/>
+          </a:prstGeom>
+          <a:solidFill>
+            <a:srgbClr val="F9F9FF"/>
+          </a:solidFill>
+          <a:ln>
+            <a:solidFill>
+              <a:srgbClr val="F9F9FF"/>
+            </a:solidFill>
+          </a:ln>
+        </p:spPr>
+        <p:style>
+          <a:lnRef idx="2">
+            <a:schemeClr val="accent1">
+              <a:shade val="50000"/>
+            </a:schemeClr>
+          </a:lnRef>
+          <a:fillRef idx="1">
+            <a:schemeClr val="accent1"/>
+          </a:fillRef>
+          <a:effectRef idx="0">
+            <a:schemeClr val="accent1"/>
+          </a:effectRef>
+          <a:fontRef idx="minor">
+            <a:schemeClr val="lt1"/>
+          </a:fontRef>
+        </p:style>
+        <p:txBody>
+          <a:bodyPr rtlCol="0" anchor="ctr"/>
+          <a:lstStyle/>
+          <a:p>
+            <a:pPr algn="ctr"/>
+            <a:endParaRPr lang="ru-RU"/>
+          </a:p>
+        </p:txBody>
+      </p:sp>
+    </p:spTree>
+    <p:extLst>
+      <p:ext uri="{BB962C8B-B14F-4D97-AF65-F5344CB8AC3E}">
+        <p14:creationId xmlns:p14="http://schemas.microsoft.com/office/powerpoint/2010/main" val="865110776"/>
       </p:ext>
     </p:extLst>
   </p:cSld>
@@ -2859,8 +4608,8 @@
         </p:nvSpPr>
         <p:spPr>
           <a:xfrm>
-            <a:off x="864037" y="1610439"/>
-            <a:ext cx="8303538" cy="771525"/>
+            <a:off x="0" y="169904"/>
+            <a:ext cx="14630400" cy="1025296"/>
           </a:xfrm>
           <a:prstGeom prst="rect">
             <a:avLst/>
@@ -2869,58 +4618,432 @@
           <a:ln/>
         </p:spPr>
         <p:txBody>
-          <a:bodyPr wrap="none" lIns="0" tIns="0" rIns="0" bIns="0" rtlCol="0" anchor="t"/>
-          <a:lstStyle/>
-          <a:p>
-            <a:pPr marL="0" indent="0">
+          <a:bodyPr wrap="square" lIns="0" tIns="0" rIns="0" bIns="0" rtlCol="0" anchor="t"/>
+          <a:lstStyle/>
+          <a:p>
+            <a:pPr marL="0" indent="0" algn="ctr">
               <a:lnSpc>
-                <a:spcPts val="6050"/>
+                <a:spcPts val="5050"/>
               </a:lnSpc>
               <a:buNone/>
             </a:pPr>
             <a:r>
-              <a:rPr lang="ru-RU" sz="4850" b="1" dirty="0">
-                <a:solidFill>
-                  <a:srgbClr val="3B4540"/>
-                </a:solidFill>
+              <a:rPr lang="en-US" sz="2000" dirty="0">
+                <a:solidFill>
+                  <a:srgbClr val="1B1B27"/>
+                </a:solidFill>
+                <a:latin typeface="Alexandria" pitchFamily="34" charset="0"/>
+                <a:ea typeface="Alexandria" pitchFamily="34" charset="-122"/>
+                <a:cs typeface="Alexandria" pitchFamily="34" charset="-120"/>
               </a:rPr>
-              <a:t>Постановка задачи</a:t>
+              <a:t>Разработка программного обеспечения для комплексной автоматизации библиотеки</a:t>
             </a:r>
-            <a:endParaRPr lang="en-US" sz="4850" b="1" dirty="0">
-              <a:solidFill>
-                <a:srgbClr val="3B4540"/>
-              </a:solidFill>
-              <a:latin typeface="Fraunces Extra Bold" pitchFamily="34" charset="0"/>
-            </a:endParaRPr>
-          </a:p>
-        </p:txBody>
-      </p:sp>
-      <p:sp>
-        <p:nvSpPr>
-          <p:cNvPr id="7" name="Прямоугольник 6">
+            <a:endParaRPr lang="en-US" sz="2000" dirty="0"/>
+          </a:p>
+        </p:txBody>
+      </p:sp>
+      <p:sp>
+        <p:nvSpPr>
+          <p:cNvPr id="3" name="Text 1"/>
+          <p:cNvSpPr/>
+          <p:nvPr/>
+        </p:nvSpPr>
+        <p:spPr>
+          <a:xfrm>
+            <a:off x="724852" y="2674977"/>
+            <a:ext cx="2588776" cy="323493"/>
+          </a:xfrm>
+          <a:prstGeom prst="rect">
+            <a:avLst/>
+          </a:prstGeom>
+          <a:noFill/>
+          <a:ln/>
+        </p:spPr>
+        <p:txBody>
+          <a:bodyPr wrap="none" lIns="0" tIns="0" rIns="0" bIns="0" rtlCol="0" anchor="t"/>
+          <a:lstStyle/>
+          <a:p>
+            <a:pPr marL="0" indent="0">
+              <a:lnSpc>
+                <a:spcPts val="2500"/>
+              </a:lnSpc>
+              <a:buNone/>
+            </a:pPr>
+            <a:r>
+              <a:rPr lang="en-US" sz="2000" dirty="0">
+                <a:solidFill>
+                  <a:srgbClr val="1B1B27"/>
+                </a:solidFill>
+                <a:latin typeface="Alexandria" pitchFamily="34" charset="0"/>
+                <a:ea typeface="Alexandria" pitchFamily="34" charset="-122"/>
+                <a:cs typeface="Alexandria" pitchFamily="34" charset="-120"/>
+              </a:rPr>
+              <a:t>Актуальность</a:t>
+            </a:r>
+            <a:endParaRPr lang="en-US" sz="2000" dirty="0"/>
+          </a:p>
+        </p:txBody>
+      </p:sp>
+      <p:sp>
+        <p:nvSpPr>
+          <p:cNvPr id="4" name="Text 2"/>
+          <p:cNvSpPr/>
+          <p:nvPr/>
+        </p:nvSpPr>
+        <p:spPr>
+          <a:xfrm>
+            <a:off x="724852" y="3205520"/>
+            <a:ext cx="2916198" cy="3974783"/>
+          </a:xfrm>
+          <a:prstGeom prst="rect">
+            <a:avLst/>
+          </a:prstGeom>
+          <a:noFill/>
+          <a:ln/>
+        </p:spPr>
+        <p:txBody>
+          <a:bodyPr wrap="square" lIns="0" tIns="0" rIns="0" bIns="0" rtlCol="0" anchor="t"/>
+          <a:lstStyle/>
+          <a:p>
+            <a:pPr marL="0" indent="0">
+              <a:lnSpc>
+                <a:spcPts val="2600"/>
+              </a:lnSpc>
+              <a:buNone/>
+            </a:pPr>
+            <a:r>
+              <a:rPr lang="en-US" sz="1600" dirty="0">
+                <a:solidFill>
+                  <a:srgbClr val="404155"/>
+                </a:solidFill>
+                <a:latin typeface="Nobile" pitchFamily="34" charset="0"/>
+                <a:ea typeface="Nobile" pitchFamily="34" charset="-122"/>
+                <a:cs typeface="Nobile" pitchFamily="34" charset="-120"/>
+              </a:rPr>
+              <a:t>Растущие объемы информации и повышение требований к качеству обслуживания в библиотеках делают автоматизацию необходимой. Библиотекам нужно повысить эффективность, оптимизировать процессы и сделать информацию доступнее.</a:t>
+            </a:r>
+            <a:endParaRPr lang="en-US" sz="1600" dirty="0"/>
+          </a:p>
+        </p:txBody>
+      </p:sp>
+      <p:sp>
+        <p:nvSpPr>
+          <p:cNvPr id="5" name="Text 3"/>
+          <p:cNvSpPr/>
+          <p:nvPr/>
+        </p:nvSpPr>
+        <p:spPr>
+          <a:xfrm>
+            <a:off x="4153972" y="2674977"/>
+            <a:ext cx="2588776" cy="323493"/>
+          </a:xfrm>
+          <a:prstGeom prst="rect">
+            <a:avLst/>
+          </a:prstGeom>
+          <a:noFill/>
+          <a:ln/>
+        </p:spPr>
+        <p:txBody>
+          <a:bodyPr wrap="none" lIns="0" tIns="0" rIns="0" bIns="0" rtlCol="0" anchor="t"/>
+          <a:lstStyle/>
+          <a:p>
+            <a:pPr marL="0" indent="0">
+              <a:lnSpc>
+                <a:spcPts val="2500"/>
+              </a:lnSpc>
+              <a:buNone/>
+            </a:pPr>
+            <a:r>
+              <a:rPr lang="en-US" sz="2000" dirty="0">
+                <a:solidFill>
+                  <a:srgbClr val="1B1B27"/>
+                </a:solidFill>
+                <a:latin typeface="Alexandria" pitchFamily="34" charset="0"/>
+                <a:ea typeface="Alexandria" pitchFamily="34" charset="-122"/>
+                <a:cs typeface="Alexandria" pitchFamily="34" charset="-120"/>
+              </a:rPr>
+              <a:t>Платформа</a:t>
+            </a:r>
+            <a:endParaRPr lang="en-US" sz="2000" dirty="0"/>
+          </a:p>
+        </p:txBody>
+      </p:sp>
+      <p:sp>
+        <p:nvSpPr>
+          <p:cNvPr id="6" name="Text 4"/>
+          <p:cNvSpPr/>
+          <p:nvPr/>
+        </p:nvSpPr>
+        <p:spPr>
+          <a:xfrm>
+            <a:off x="4153972" y="3205520"/>
+            <a:ext cx="2916198" cy="2981087"/>
+          </a:xfrm>
+          <a:prstGeom prst="rect">
+            <a:avLst/>
+          </a:prstGeom>
+          <a:noFill/>
+          <a:ln/>
+        </p:spPr>
+        <p:txBody>
+          <a:bodyPr wrap="square" lIns="0" tIns="0" rIns="0" bIns="0" rtlCol="0" anchor="t"/>
+          <a:lstStyle/>
+          <a:p>
+            <a:pPr marL="0" indent="0">
+              <a:lnSpc>
+                <a:spcPts val="2600"/>
+              </a:lnSpc>
+              <a:buNone/>
+            </a:pPr>
+            <a:r>
+              <a:rPr lang="en-US" sz="1600" dirty="0">
+                <a:solidFill>
+                  <a:srgbClr val="404155"/>
+                </a:solidFill>
+                <a:latin typeface="Nobile" pitchFamily="34" charset="0"/>
+                <a:ea typeface="Nobile" pitchFamily="34" charset="-122"/>
+                <a:cs typeface="Nobile" pitchFamily="34" charset="-120"/>
+              </a:rPr>
+              <a:t>Мы выбрали платформу 1С:Предприятие 8.3, поскольку она предоставляет мощные средства разработки, гибкость, масштабируемость и широкие возможности интеграции.</a:t>
+            </a:r>
+            <a:endParaRPr lang="en-US" sz="1600" dirty="0"/>
+          </a:p>
+        </p:txBody>
+      </p:sp>
+      <p:sp>
+        <p:nvSpPr>
+          <p:cNvPr id="7" name="Text 5"/>
+          <p:cNvSpPr/>
+          <p:nvPr/>
+        </p:nvSpPr>
+        <p:spPr>
+          <a:xfrm>
+            <a:off x="7583091" y="2674977"/>
+            <a:ext cx="2588776" cy="323493"/>
+          </a:xfrm>
+          <a:prstGeom prst="rect">
+            <a:avLst/>
+          </a:prstGeom>
+          <a:noFill/>
+          <a:ln/>
+        </p:spPr>
+        <p:txBody>
+          <a:bodyPr wrap="none" lIns="0" tIns="0" rIns="0" bIns="0" rtlCol="0" anchor="t"/>
+          <a:lstStyle/>
+          <a:p>
+            <a:pPr marL="0" indent="0">
+              <a:lnSpc>
+                <a:spcPts val="2500"/>
+              </a:lnSpc>
+              <a:buNone/>
+            </a:pPr>
+            <a:r>
+              <a:rPr lang="en-US" sz="2000" dirty="0">
+                <a:solidFill>
+                  <a:srgbClr val="1B1B27"/>
+                </a:solidFill>
+                <a:latin typeface="Alexandria" pitchFamily="34" charset="0"/>
+                <a:ea typeface="Alexandria" pitchFamily="34" charset="-122"/>
+                <a:cs typeface="Alexandria" pitchFamily="34" charset="-120"/>
+              </a:rPr>
+              <a:t>Цель</a:t>
+            </a:r>
+            <a:endParaRPr lang="en-US" sz="2000" dirty="0"/>
+          </a:p>
+        </p:txBody>
+      </p:sp>
+      <p:sp>
+        <p:nvSpPr>
+          <p:cNvPr id="8" name="Text 6"/>
+          <p:cNvSpPr/>
+          <p:nvPr/>
+        </p:nvSpPr>
+        <p:spPr>
+          <a:xfrm>
+            <a:off x="7583091" y="3205520"/>
+            <a:ext cx="2916198" cy="1987391"/>
+          </a:xfrm>
+          <a:prstGeom prst="rect">
+            <a:avLst/>
+          </a:prstGeom>
+          <a:noFill/>
+          <a:ln/>
+        </p:spPr>
+        <p:txBody>
+          <a:bodyPr wrap="square" lIns="0" tIns="0" rIns="0" bIns="0" rtlCol="0" anchor="t"/>
+          <a:lstStyle/>
+          <a:p>
+            <a:pPr marL="0" indent="0">
+              <a:lnSpc>
+                <a:spcPts val="2600"/>
+              </a:lnSpc>
+              <a:buNone/>
+            </a:pPr>
+            <a:r>
+              <a:rPr lang="en-US" sz="1600" dirty="0">
+                <a:solidFill>
+                  <a:srgbClr val="404155"/>
+                </a:solidFill>
+                <a:latin typeface="Nobile" pitchFamily="34" charset="0"/>
+                <a:ea typeface="Nobile" pitchFamily="34" charset="-122"/>
+                <a:cs typeface="Nobile" pitchFamily="34" charset="-120"/>
+              </a:rPr>
+              <a:t>Наша цель – разработка информационной системы для автоматизации работы библиотеки, что повысит ее эффективность и удобство использования.</a:t>
+            </a:r>
+            <a:endParaRPr lang="en-US" sz="1600" dirty="0"/>
+          </a:p>
+        </p:txBody>
+      </p:sp>
+      <p:sp>
+        <p:nvSpPr>
+          <p:cNvPr id="9" name="Text 7"/>
+          <p:cNvSpPr/>
+          <p:nvPr/>
+        </p:nvSpPr>
+        <p:spPr>
+          <a:xfrm>
+            <a:off x="11012210" y="2674977"/>
+            <a:ext cx="2588776" cy="323493"/>
+          </a:xfrm>
+          <a:prstGeom prst="rect">
+            <a:avLst/>
+          </a:prstGeom>
+          <a:noFill/>
+          <a:ln/>
+        </p:spPr>
+        <p:txBody>
+          <a:bodyPr wrap="none" lIns="0" tIns="0" rIns="0" bIns="0" rtlCol="0" anchor="t"/>
+          <a:lstStyle/>
+          <a:p>
+            <a:pPr marL="0" indent="0">
+              <a:lnSpc>
+                <a:spcPts val="2500"/>
+              </a:lnSpc>
+              <a:buNone/>
+            </a:pPr>
+            <a:r>
+              <a:rPr lang="en-US" sz="2000" dirty="0">
+                <a:solidFill>
+                  <a:srgbClr val="1B1B27"/>
+                </a:solidFill>
+                <a:latin typeface="Alexandria" pitchFamily="34" charset="0"/>
+                <a:ea typeface="Alexandria" pitchFamily="34" charset="-122"/>
+                <a:cs typeface="Alexandria" pitchFamily="34" charset="-120"/>
+              </a:rPr>
+              <a:t>Задачи</a:t>
+            </a:r>
+            <a:endParaRPr lang="en-US" sz="2000" dirty="0"/>
+          </a:p>
+        </p:txBody>
+      </p:sp>
+      <p:sp>
+        <p:nvSpPr>
+          <p:cNvPr id="10" name="Text 8"/>
+          <p:cNvSpPr/>
+          <p:nvPr/>
+        </p:nvSpPr>
+        <p:spPr>
+          <a:xfrm>
+            <a:off x="11012210" y="3205520"/>
+            <a:ext cx="2916198" cy="3312319"/>
+          </a:xfrm>
+          <a:prstGeom prst="rect">
+            <a:avLst/>
+          </a:prstGeom>
+          <a:noFill/>
+          <a:ln/>
+        </p:spPr>
+        <p:txBody>
+          <a:bodyPr wrap="square" lIns="0" tIns="0" rIns="0" bIns="0" rtlCol="0" anchor="t"/>
+          <a:lstStyle/>
+          <a:p>
+            <a:pPr marL="0" indent="0">
+              <a:lnSpc>
+                <a:spcPts val="2600"/>
+              </a:lnSpc>
+              <a:buNone/>
+            </a:pPr>
+            <a:r>
+              <a:rPr lang="en-US" sz="1600" dirty="0">
+                <a:solidFill>
+                  <a:srgbClr val="404155"/>
+                </a:solidFill>
+                <a:latin typeface="Nobile" pitchFamily="34" charset="0"/>
+                <a:ea typeface="Nobile" pitchFamily="34" charset="-122"/>
+                <a:cs typeface="Nobile" pitchFamily="34" charset="-120"/>
+              </a:rPr>
+              <a:t>Для достижения цели нужно решить ряд задач: анализ предметной области, проектирование и разработка системы, реализация функций учета книг и обслуживания читателей, а также тестирование и подготовка документации.</a:t>
+            </a:r>
+            <a:endParaRPr lang="en-US" sz="1600" dirty="0"/>
+          </a:p>
+        </p:txBody>
+      </p:sp>
+      <p:sp>
+        <p:nvSpPr>
+          <p:cNvPr id="11" name="TextBox 10">
             <a:extLst>
               <a:ext uri="{FF2B5EF4-FFF2-40B4-BE49-F238E27FC236}">
-                <a16:creationId xmlns:a16="http://schemas.microsoft.com/office/drawing/2014/main" id="{D3D5CE29-A917-4016-9EA2-7207B72396E6}"/>
+                <a16:creationId xmlns:a16="http://schemas.microsoft.com/office/drawing/2014/main" id="{439F9C57-9A06-4B5E-9E14-C070E0E013A7}"/>
               </a:ext>
             </a:extLst>
           </p:cNvPr>
-          <p:cNvSpPr/>
-          <p:nvPr/>
-        </p:nvSpPr>
-        <p:spPr>
-          <a:xfrm>
-            <a:off x="12045600" y="7084800"/>
-            <a:ext cx="2584800" cy="1144800"/>
+          <p:cNvSpPr txBox="1"/>
+          <p:nvPr/>
+        </p:nvSpPr>
+        <p:spPr>
+          <a:xfrm>
+            <a:off x="496372" y="1125481"/>
+            <a:ext cx="7315200" cy="553998"/>
+          </a:xfrm>
+          <a:prstGeom prst="rect">
+            <a:avLst/>
+          </a:prstGeom>
+          <a:noFill/>
+        </p:spPr>
+        <p:txBody>
+          <a:bodyPr wrap="square">
+            <a:spAutoFit/>
+          </a:bodyPr>
+          <a:lstStyle/>
+          <a:p>
+            <a:r>
+              <a:rPr lang="ru-RU" sz="3000" dirty="0">
+                <a:solidFill>
+                  <a:srgbClr val="1B1B27"/>
+                </a:solidFill>
+                <a:cs typeface="Alexandria" pitchFamily="34" charset="-120"/>
+              </a:rPr>
+              <a:t> Введение</a:t>
+            </a:r>
+          </a:p>
+        </p:txBody>
+      </p:sp>
+      <p:sp>
+        <p:nvSpPr>
+          <p:cNvPr id="12" name="Прямоугольник 11">
+            <a:extLst>
+              <a:ext uri="{FF2B5EF4-FFF2-40B4-BE49-F238E27FC236}">
+                <a16:creationId xmlns:a16="http://schemas.microsoft.com/office/drawing/2014/main" id="{2B0B7759-4882-40FF-B8B7-F5209BDE7793}"/>
+              </a:ext>
+            </a:extLst>
+          </p:cNvPr>
+          <p:cNvSpPr/>
+          <p:nvPr/>
+        </p:nvSpPr>
+        <p:spPr>
+          <a:xfrm>
+            <a:off x="12479731" y="7410298"/>
+            <a:ext cx="2150669" cy="819302"/>
           </a:xfrm>
           <a:prstGeom prst="rect">
             <a:avLst/>
           </a:prstGeom>
           <a:solidFill>
-            <a:srgbClr val="FAFFFA"/>
+            <a:srgbClr val="F9F9FF"/>
           </a:solidFill>
           <a:ln>
             <a:solidFill>
-              <a:srgbClr val="FAFFFA"/>
+              <a:srgbClr val="F9F9FF"/>
             </a:solidFill>
           </a:ln>
         </p:spPr>
@@ -2949,230 +5072,6 @@
           </a:p>
         </p:txBody>
       </p:sp>
-      <p:sp>
-        <p:nvSpPr>
-          <p:cNvPr id="8" name="Rectangle 2">
-            <a:extLst>
-              <a:ext uri="{FF2B5EF4-FFF2-40B4-BE49-F238E27FC236}">
-                <a16:creationId xmlns:a16="http://schemas.microsoft.com/office/drawing/2014/main" id="{371F15CA-B2B4-4499-A4B9-7FA087D5D697}"/>
-              </a:ext>
-            </a:extLst>
-          </p:cNvPr>
-          <p:cNvSpPr>
-            <a:spLocks noChangeArrowheads="1"/>
-          </p:cNvSpPr>
-          <p:nvPr/>
-        </p:nvSpPr>
-        <p:spPr bwMode="auto">
-          <a:xfrm>
-            <a:off x="1945290" y="223013"/>
-            <a:ext cx="10137601" cy="691208"/>
-          </a:xfrm>
-          <a:prstGeom prst="rect">
-            <a:avLst/>
-          </a:prstGeom>
-          <a:solidFill>
-            <a:schemeClr val="bg1">
-              <a:alpha val="45097"/>
-            </a:schemeClr>
-          </a:solidFill>
-          <a:ln>
-            <a:noFill/>
-          </a:ln>
-          <a:extLst>
-            <a:ext uri="{91240B29-F687-4F45-9708-019B960494DF}">
-              <a14:hiddenLine xmlns:a14="http://schemas.microsoft.com/office/drawing/2010/main" w="9525">
-                <a:solidFill>
-                  <a:srgbClr val="000000"/>
-                </a:solidFill>
-                <a:miter lim="800000"/>
-                <a:headEnd/>
-                <a:tailEnd/>
-              </a14:hiddenLine>
-            </a:ext>
-          </a:extLst>
-        </p:spPr>
-        <p:txBody>
-          <a:bodyPr anchor="ctr"/>
-          <a:lstStyle>
-            <a:lvl1pPr>
-              <a:defRPr>
-                <a:solidFill>
-                  <a:schemeClr val="tx1"/>
-                </a:solidFill>
-                <a:latin typeface="Arial" panose="020B0604020202020204" pitchFamily="34" charset="0"/>
-                <a:cs typeface="Arial" panose="020B0604020202020204" pitchFamily="34" charset="0"/>
-              </a:defRPr>
-            </a:lvl1pPr>
-            <a:lvl2pPr marL="742950" indent="-285750">
-              <a:defRPr>
-                <a:solidFill>
-                  <a:schemeClr val="tx1"/>
-                </a:solidFill>
-                <a:latin typeface="Arial" panose="020B0604020202020204" pitchFamily="34" charset="0"/>
-                <a:cs typeface="Arial" panose="020B0604020202020204" pitchFamily="34" charset="0"/>
-              </a:defRPr>
-            </a:lvl2pPr>
-            <a:lvl3pPr marL="1143000" indent="-228600">
-              <a:defRPr>
-                <a:solidFill>
-                  <a:schemeClr val="tx1"/>
-                </a:solidFill>
-                <a:latin typeface="Arial" panose="020B0604020202020204" pitchFamily="34" charset="0"/>
-                <a:cs typeface="Arial" panose="020B0604020202020204" pitchFamily="34" charset="0"/>
-              </a:defRPr>
-            </a:lvl3pPr>
-            <a:lvl4pPr marL="1600200" indent="-228600">
-              <a:defRPr>
-                <a:solidFill>
-                  <a:schemeClr val="tx1"/>
-                </a:solidFill>
-                <a:latin typeface="Arial" panose="020B0604020202020204" pitchFamily="34" charset="0"/>
-                <a:cs typeface="Arial" panose="020B0604020202020204" pitchFamily="34" charset="0"/>
-              </a:defRPr>
-            </a:lvl4pPr>
-            <a:lvl5pPr marL="2057400" indent="-228600">
-              <a:defRPr>
-                <a:solidFill>
-                  <a:schemeClr val="tx1"/>
-                </a:solidFill>
-                <a:latin typeface="Arial" panose="020B0604020202020204" pitchFamily="34" charset="0"/>
-                <a:cs typeface="Arial" panose="020B0604020202020204" pitchFamily="34" charset="0"/>
-              </a:defRPr>
-            </a:lvl5pPr>
-            <a:lvl6pPr marL="2514600" indent="-228600" eaLnBrk="0" fontAlgn="base" hangingPunct="0">
-              <a:spcBef>
-                <a:spcPct val="0"/>
-              </a:spcBef>
-              <a:spcAft>
-                <a:spcPct val="0"/>
-              </a:spcAft>
-              <a:defRPr>
-                <a:solidFill>
-                  <a:schemeClr val="tx1"/>
-                </a:solidFill>
-                <a:latin typeface="Arial" panose="020B0604020202020204" pitchFamily="34" charset="0"/>
-                <a:cs typeface="Arial" panose="020B0604020202020204" pitchFamily="34" charset="0"/>
-              </a:defRPr>
-            </a:lvl6pPr>
-            <a:lvl7pPr marL="2971800" indent="-228600" eaLnBrk="0" fontAlgn="base" hangingPunct="0">
-              <a:spcBef>
-                <a:spcPct val="0"/>
-              </a:spcBef>
-              <a:spcAft>
-                <a:spcPct val="0"/>
-              </a:spcAft>
-              <a:defRPr>
-                <a:solidFill>
-                  <a:schemeClr val="tx1"/>
-                </a:solidFill>
-                <a:latin typeface="Arial" panose="020B0604020202020204" pitchFamily="34" charset="0"/>
-                <a:cs typeface="Arial" panose="020B0604020202020204" pitchFamily="34" charset="0"/>
-              </a:defRPr>
-            </a:lvl7pPr>
-            <a:lvl8pPr marL="3429000" indent="-228600" eaLnBrk="0" fontAlgn="base" hangingPunct="0">
-              <a:spcBef>
-                <a:spcPct val="0"/>
-              </a:spcBef>
-              <a:spcAft>
-                <a:spcPct val="0"/>
-              </a:spcAft>
-              <a:defRPr>
-                <a:solidFill>
-                  <a:schemeClr val="tx1"/>
-                </a:solidFill>
-                <a:latin typeface="Arial" panose="020B0604020202020204" pitchFamily="34" charset="0"/>
-                <a:cs typeface="Arial" panose="020B0604020202020204" pitchFamily="34" charset="0"/>
-              </a:defRPr>
-            </a:lvl8pPr>
-            <a:lvl9pPr marL="3886200" indent="-228600" eaLnBrk="0" fontAlgn="base" hangingPunct="0">
-              <a:spcBef>
-                <a:spcPct val="0"/>
-              </a:spcBef>
-              <a:spcAft>
-                <a:spcPct val="0"/>
-              </a:spcAft>
-              <a:defRPr>
-                <a:solidFill>
-                  <a:schemeClr val="tx1"/>
-                </a:solidFill>
-                <a:latin typeface="Arial" panose="020B0604020202020204" pitchFamily="34" charset="0"/>
-                <a:cs typeface="Arial" panose="020B0604020202020204" pitchFamily="34" charset="0"/>
-              </a:defRPr>
-            </a:lvl9pPr>
-          </a:lstStyle>
-          <a:p>
-            <a:pPr algn="ctr"/>
-            <a:r>
-              <a:rPr lang="ru-RU" sz="2000" b="1" dirty="0">
-                <a:solidFill>
-                  <a:schemeClr val="tx2"/>
-                </a:solidFill>
-              </a:rPr>
-              <a:t>Разработка программного обеспечения для комплексной автоматизации библиотеки, включая учет кадров и финансовых операций</a:t>
-            </a:r>
-          </a:p>
-          <a:p>
-            <a:pPr algn="ctr" eaLnBrk="1" hangingPunct="1"/>
-            <a:endParaRPr lang="ru-RU" altLang="ru-RU" sz="2000" b="1" dirty="0">
-              <a:solidFill>
-                <a:schemeClr val="tx2"/>
-              </a:solidFill>
-            </a:endParaRPr>
-          </a:p>
-        </p:txBody>
-      </p:sp>
-      <p:sp>
-        <p:nvSpPr>
-          <p:cNvPr id="10" name="TextBox 9">
-            <a:extLst>
-              <a:ext uri="{FF2B5EF4-FFF2-40B4-BE49-F238E27FC236}">
-                <a16:creationId xmlns:a16="http://schemas.microsoft.com/office/drawing/2014/main" id="{A0D3423E-EE0D-4A27-9CDD-C29CE41AB226}"/>
-              </a:ext>
-            </a:extLst>
-          </p:cNvPr>
-          <p:cNvSpPr txBox="1"/>
-          <p:nvPr/>
-        </p:nvSpPr>
-        <p:spPr>
-          <a:xfrm>
-            <a:off x="1682602" y="2601342"/>
-            <a:ext cx="9353993" cy="1554272"/>
-          </a:xfrm>
-          <a:prstGeom prst="rect">
-            <a:avLst/>
-          </a:prstGeom>
-          <a:noFill/>
-        </p:spPr>
-        <p:txBody>
-          <a:bodyPr wrap="square">
-            <a:spAutoFit/>
-          </a:bodyPr>
-          <a:lstStyle/>
-          <a:p>
-            <a:pPr algn="just"/>
-            <a:r>
-              <a:rPr lang="ru-RU" sz="1900" dirty="0">
-                <a:solidFill>
-                  <a:srgbClr val="405449"/>
-                </a:solidFill>
-                <a:latin typeface="Nobile" pitchFamily="34" charset="0"/>
-              </a:rPr>
-              <a:t>Создание современной, универсальной и доступной автоматизированной системы для управления всеми ключевыми процессами библиотеки, включая учет фонда, обслуживание читателей, управление персоналом и финансами. Решение проблем ручного учета и оптимизация работы библиотеки</a:t>
-            </a:r>
-            <a:r>
-              <a:rPr lang="ru-RU" sz="1900" b="0" i="0" dirty="0">
-                <a:solidFill>
-                  <a:srgbClr val="E2E2E5"/>
-                </a:solidFill>
-                <a:effectLst/>
-                <a:latin typeface="Google Sans Text"/>
-              </a:rPr>
-              <a:t>.</a:t>
-            </a:r>
-          </a:p>
-        </p:txBody>
-      </p:sp>
     </p:spTree>
   </p:cSld>
   <p:clrMapOvr>
@@ -3182,6 +5081,566 @@
 </file>
 
 <file path=ppt/slides/slide3.xml><?xml version="1.0" encoding="utf-8"?>
+<p:sld xmlns:a="http://schemas.openxmlformats.org/drawingml/2006/main" xmlns:r="http://schemas.openxmlformats.org/officeDocument/2006/relationships" xmlns:p="http://schemas.openxmlformats.org/presentationml/2006/main">
+  <p:cSld name="Slide 3">
+    <p:spTree>
+      <p:nvGrpSpPr>
+        <p:cNvPr id="1" name=""/>
+        <p:cNvGrpSpPr/>
+        <p:nvPr/>
+      </p:nvGrpSpPr>
+      <p:grpSpPr>
+        <a:xfrm>
+          <a:off x="0" y="0"/>
+          <a:ext cx="0" cy="0"/>
+          <a:chOff x="0" y="0"/>
+          <a:chExt cx="0" cy="0"/>
+        </a:xfrm>
+      </p:grpSpPr>
+      <p:sp>
+        <p:nvSpPr>
+          <p:cNvPr id="4" name="Shape 1"/>
+          <p:cNvSpPr/>
+          <p:nvPr/>
+        </p:nvSpPr>
+        <p:spPr>
+          <a:xfrm>
+            <a:off x="1005601" y="2939406"/>
+            <a:ext cx="3678912" cy="1650683"/>
+          </a:xfrm>
+          <a:prstGeom prst="roundRect">
+            <a:avLst>
+              <a:gd name="adj" fmla="val 5682"/>
+            </a:avLst>
+          </a:prstGeom>
+          <a:solidFill>
+            <a:srgbClr val="D2DDF9"/>
+          </a:solidFill>
+          <a:ln w="7620">
+            <a:solidFill>
+              <a:srgbClr val="B8C3DF"/>
+            </a:solidFill>
+            <a:prstDash val="solid"/>
+          </a:ln>
+        </p:spPr>
+      </p:sp>
+      <p:sp>
+        <p:nvSpPr>
+          <p:cNvPr id="5" name="Text 2"/>
+          <p:cNvSpPr/>
+          <p:nvPr/>
+        </p:nvSpPr>
+        <p:spPr>
+          <a:xfrm>
+            <a:off x="1236463" y="3170268"/>
+            <a:ext cx="2791301" cy="348853"/>
+          </a:xfrm>
+          <a:prstGeom prst="rect">
+            <a:avLst/>
+          </a:prstGeom>
+          <a:noFill/>
+          <a:ln/>
+        </p:spPr>
+        <p:txBody>
+          <a:bodyPr wrap="none" lIns="0" tIns="0" rIns="0" bIns="0" rtlCol="0" anchor="t"/>
+          <a:lstStyle/>
+          <a:p>
+            <a:pPr marL="0" indent="0">
+              <a:lnSpc>
+                <a:spcPts val="2700"/>
+              </a:lnSpc>
+              <a:buNone/>
+            </a:pPr>
+            <a:r>
+              <a:rPr lang="en-US" sz="2150" dirty="0">
+                <a:solidFill>
+                  <a:srgbClr val="404155"/>
+                </a:solidFill>
+                <a:latin typeface="Alexandria" pitchFamily="34" charset="0"/>
+                <a:ea typeface="Alexandria" pitchFamily="34" charset="-122"/>
+                <a:cs typeface="Alexandria" pitchFamily="34" charset="-120"/>
+              </a:rPr>
+              <a:t>Платформа</a:t>
+            </a:r>
+            <a:endParaRPr lang="en-US" sz="2150" dirty="0"/>
+          </a:p>
+        </p:txBody>
+      </p:sp>
+      <p:sp>
+        <p:nvSpPr>
+          <p:cNvPr id="6" name="Text 3"/>
+          <p:cNvSpPr/>
+          <p:nvPr/>
+        </p:nvSpPr>
+        <p:spPr>
+          <a:xfrm>
+            <a:off x="1236463" y="3653067"/>
+            <a:ext cx="3217188" cy="357307"/>
+          </a:xfrm>
+          <a:prstGeom prst="rect">
+            <a:avLst/>
+          </a:prstGeom>
+          <a:noFill/>
+          <a:ln/>
+        </p:spPr>
+        <p:txBody>
+          <a:bodyPr wrap="none" lIns="0" tIns="0" rIns="0" bIns="0" rtlCol="0" anchor="t"/>
+          <a:lstStyle/>
+          <a:p>
+            <a:pPr marL="0" indent="0">
+              <a:lnSpc>
+                <a:spcPts val="2800"/>
+              </a:lnSpc>
+              <a:buNone/>
+            </a:pPr>
+            <a:r>
+              <a:rPr lang="en-US" sz="1750" dirty="0">
+                <a:solidFill>
+                  <a:srgbClr val="404155"/>
+                </a:solidFill>
+                <a:latin typeface="Nobile" pitchFamily="34" charset="0"/>
+                <a:ea typeface="Nobile" pitchFamily="34" charset="-122"/>
+                <a:cs typeface="Nobile" pitchFamily="34" charset="-120"/>
+              </a:rPr>
+              <a:t>1С:Предприятие 8.3</a:t>
+            </a:r>
+            <a:endParaRPr lang="en-US" sz="1750" dirty="0"/>
+          </a:p>
+        </p:txBody>
+      </p:sp>
+      <p:sp>
+        <p:nvSpPr>
+          <p:cNvPr id="7" name="Shape 4"/>
+          <p:cNvSpPr/>
+          <p:nvPr/>
+        </p:nvSpPr>
+        <p:spPr>
+          <a:xfrm>
+            <a:off x="4907756" y="2939406"/>
+            <a:ext cx="3678912" cy="1650683"/>
+          </a:xfrm>
+          <a:prstGeom prst="roundRect">
+            <a:avLst>
+              <a:gd name="adj" fmla="val 5682"/>
+            </a:avLst>
+          </a:prstGeom>
+          <a:solidFill>
+            <a:srgbClr val="D2DDF9"/>
+          </a:solidFill>
+          <a:ln w="7620">
+            <a:solidFill>
+              <a:srgbClr val="B8C3DF"/>
+            </a:solidFill>
+            <a:prstDash val="solid"/>
+          </a:ln>
+        </p:spPr>
+      </p:sp>
+      <p:sp>
+        <p:nvSpPr>
+          <p:cNvPr id="8" name="Text 5"/>
+          <p:cNvSpPr/>
+          <p:nvPr/>
+        </p:nvSpPr>
+        <p:spPr>
+          <a:xfrm>
+            <a:off x="5138618" y="3170268"/>
+            <a:ext cx="3217188" cy="697706"/>
+          </a:xfrm>
+          <a:prstGeom prst="rect">
+            <a:avLst/>
+          </a:prstGeom>
+          <a:noFill/>
+          <a:ln/>
+        </p:spPr>
+        <p:txBody>
+          <a:bodyPr wrap="square" lIns="0" tIns="0" rIns="0" bIns="0" rtlCol="0" anchor="t"/>
+          <a:lstStyle/>
+          <a:p>
+            <a:pPr marL="0" indent="0">
+              <a:lnSpc>
+                <a:spcPts val="2700"/>
+              </a:lnSpc>
+              <a:buNone/>
+            </a:pPr>
+            <a:r>
+              <a:rPr lang="en-US" sz="2150" dirty="0">
+                <a:solidFill>
+                  <a:srgbClr val="404155"/>
+                </a:solidFill>
+                <a:latin typeface="Alexandria" pitchFamily="34" charset="0"/>
+                <a:ea typeface="Alexandria" pitchFamily="34" charset="-122"/>
+                <a:cs typeface="Alexandria" pitchFamily="34" charset="-120"/>
+              </a:rPr>
+              <a:t>Язык программирования</a:t>
+            </a:r>
+            <a:endParaRPr lang="en-US" sz="2150" dirty="0"/>
+          </a:p>
+        </p:txBody>
+      </p:sp>
+      <p:sp>
+        <p:nvSpPr>
+          <p:cNvPr id="9" name="Text 6"/>
+          <p:cNvSpPr/>
+          <p:nvPr/>
+        </p:nvSpPr>
+        <p:spPr>
+          <a:xfrm>
+            <a:off x="5138618" y="4001920"/>
+            <a:ext cx="3217188" cy="357307"/>
+          </a:xfrm>
+          <a:prstGeom prst="rect">
+            <a:avLst/>
+          </a:prstGeom>
+          <a:noFill/>
+          <a:ln/>
+        </p:spPr>
+        <p:txBody>
+          <a:bodyPr wrap="none" lIns="0" tIns="0" rIns="0" bIns="0" rtlCol="0" anchor="t"/>
+          <a:lstStyle/>
+          <a:p>
+            <a:pPr marL="0" indent="0">
+              <a:lnSpc>
+                <a:spcPts val="2800"/>
+              </a:lnSpc>
+              <a:buNone/>
+            </a:pPr>
+            <a:r>
+              <a:rPr lang="en-US" sz="1750" dirty="0">
+                <a:solidFill>
+                  <a:srgbClr val="404155"/>
+                </a:solidFill>
+                <a:latin typeface="Nobile" pitchFamily="34" charset="0"/>
+                <a:ea typeface="Nobile" pitchFamily="34" charset="-122"/>
+                <a:cs typeface="Nobile" pitchFamily="34" charset="-120"/>
+              </a:rPr>
+              <a:t>1С</a:t>
+            </a:r>
+            <a:endParaRPr lang="en-US" sz="1750" dirty="0"/>
+          </a:p>
+        </p:txBody>
+      </p:sp>
+      <p:sp>
+        <p:nvSpPr>
+          <p:cNvPr id="10" name="Shape 7"/>
+          <p:cNvSpPr/>
+          <p:nvPr/>
+        </p:nvSpPr>
+        <p:spPr>
+          <a:xfrm>
+            <a:off x="1005601" y="4813331"/>
+            <a:ext cx="7580948" cy="1301829"/>
+          </a:xfrm>
+          <a:prstGeom prst="roundRect">
+            <a:avLst>
+              <a:gd name="adj" fmla="val 7205"/>
+            </a:avLst>
+          </a:prstGeom>
+          <a:solidFill>
+            <a:srgbClr val="D2DDF9"/>
+          </a:solidFill>
+          <a:ln w="7620">
+            <a:solidFill>
+              <a:srgbClr val="B8C3DF"/>
+            </a:solidFill>
+            <a:prstDash val="solid"/>
+          </a:ln>
+        </p:spPr>
+      </p:sp>
+      <p:sp>
+        <p:nvSpPr>
+          <p:cNvPr id="11" name="Text 8"/>
+          <p:cNvSpPr/>
+          <p:nvPr/>
+        </p:nvSpPr>
+        <p:spPr>
+          <a:xfrm>
+            <a:off x="1236463" y="5044193"/>
+            <a:ext cx="2791301" cy="348853"/>
+          </a:xfrm>
+          <a:prstGeom prst="rect">
+            <a:avLst/>
+          </a:prstGeom>
+          <a:noFill/>
+          <a:ln/>
+        </p:spPr>
+        <p:txBody>
+          <a:bodyPr wrap="none" lIns="0" tIns="0" rIns="0" bIns="0" rtlCol="0" anchor="t"/>
+          <a:lstStyle/>
+          <a:p>
+            <a:pPr marL="0" indent="0">
+              <a:lnSpc>
+                <a:spcPts val="2700"/>
+              </a:lnSpc>
+              <a:buNone/>
+            </a:pPr>
+            <a:r>
+              <a:rPr lang="en-US" sz="2150" dirty="0">
+                <a:solidFill>
+                  <a:srgbClr val="404155"/>
+                </a:solidFill>
+                <a:latin typeface="Alexandria" pitchFamily="34" charset="0"/>
+                <a:ea typeface="Alexandria" pitchFamily="34" charset="-122"/>
+                <a:cs typeface="Alexandria" pitchFamily="34" charset="-120"/>
+              </a:rPr>
+              <a:t>Среда разработки</a:t>
+            </a:r>
+            <a:endParaRPr lang="en-US" sz="2150" dirty="0"/>
+          </a:p>
+        </p:txBody>
+      </p:sp>
+      <p:sp>
+        <p:nvSpPr>
+          <p:cNvPr id="12" name="Text 9"/>
+          <p:cNvSpPr/>
+          <p:nvPr/>
+        </p:nvSpPr>
+        <p:spPr>
+          <a:xfrm>
+            <a:off x="1236463" y="5526991"/>
+            <a:ext cx="7119223" cy="357307"/>
+          </a:xfrm>
+          <a:prstGeom prst="rect">
+            <a:avLst/>
+          </a:prstGeom>
+          <a:noFill/>
+          <a:ln/>
+        </p:spPr>
+        <p:txBody>
+          <a:bodyPr wrap="none" lIns="0" tIns="0" rIns="0" bIns="0" rtlCol="0" anchor="t"/>
+          <a:lstStyle/>
+          <a:p>
+            <a:pPr marL="0" indent="0">
+              <a:lnSpc>
+                <a:spcPts val="2800"/>
+              </a:lnSpc>
+              <a:buNone/>
+            </a:pPr>
+            <a:r>
+              <a:rPr lang="en-US" sz="1750" dirty="0">
+                <a:solidFill>
+                  <a:srgbClr val="404155"/>
+                </a:solidFill>
+                <a:latin typeface="Nobile" pitchFamily="34" charset="0"/>
+                <a:ea typeface="Nobile" pitchFamily="34" charset="-122"/>
+                <a:cs typeface="Nobile" pitchFamily="34" charset="-120"/>
+              </a:rPr>
+              <a:t>Конфигуратор 1С</a:t>
+            </a:r>
+            <a:endParaRPr lang="en-US" sz="1750" dirty="0"/>
+          </a:p>
+        </p:txBody>
+      </p:sp>
+      <p:sp>
+        <p:nvSpPr>
+          <p:cNvPr id="13" name="Text 0">
+            <a:extLst>
+              <a:ext uri="{FF2B5EF4-FFF2-40B4-BE49-F238E27FC236}">
+                <a16:creationId xmlns:a16="http://schemas.microsoft.com/office/drawing/2014/main" id="{52C22319-419D-4B95-AC7D-DB8FF1B1AAD1}"/>
+              </a:ext>
+            </a:extLst>
+          </p:cNvPr>
+          <p:cNvSpPr/>
+          <p:nvPr/>
+        </p:nvSpPr>
+        <p:spPr>
+          <a:xfrm>
+            <a:off x="0" y="169904"/>
+            <a:ext cx="14630400" cy="1025296"/>
+          </a:xfrm>
+          <a:prstGeom prst="rect">
+            <a:avLst/>
+          </a:prstGeom>
+          <a:noFill/>
+          <a:ln/>
+        </p:spPr>
+        <p:txBody>
+          <a:bodyPr wrap="square" lIns="0" tIns="0" rIns="0" bIns="0" rtlCol="0" anchor="t"/>
+          <a:lstStyle/>
+          <a:p>
+            <a:pPr marL="0" indent="0" algn="ctr">
+              <a:lnSpc>
+                <a:spcPts val="5050"/>
+              </a:lnSpc>
+              <a:buNone/>
+            </a:pPr>
+            <a:r>
+              <a:rPr lang="en-US" sz="2000" dirty="0">
+                <a:solidFill>
+                  <a:srgbClr val="1B1B27"/>
+                </a:solidFill>
+                <a:latin typeface="Alexandria" pitchFamily="34" charset="0"/>
+                <a:ea typeface="Alexandria" pitchFamily="34" charset="-122"/>
+                <a:cs typeface="Alexandria" pitchFamily="34" charset="-120"/>
+              </a:rPr>
+              <a:t>Разработка программного обеспечения для комплексной автоматизации библиотеки</a:t>
+            </a:r>
+            <a:endParaRPr lang="en-US" sz="2000" dirty="0"/>
+          </a:p>
+        </p:txBody>
+      </p:sp>
+      <p:pic>
+        <p:nvPicPr>
+          <p:cNvPr id="14" name="Picture 2" descr="Picture background">
+            <a:extLst>
+              <a:ext uri="{FF2B5EF4-FFF2-40B4-BE49-F238E27FC236}">
+                <a16:creationId xmlns:a16="http://schemas.microsoft.com/office/drawing/2014/main" id="{EF698841-427B-401C-B8DB-D150897EA773}"/>
+              </a:ext>
+            </a:extLst>
+          </p:cNvPr>
+          <p:cNvPicPr>
+            <a:picLocks noChangeAspect="1" noChangeArrowheads="1"/>
+          </p:cNvPicPr>
+          <p:nvPr/>
+        </p:nvPicPr>
+        <p:blipFill>
+          <a:blip r:embed="rId3">
+            <a:extLst>
+              <a:ext uri="{28A0092B-C50C-407E-A947-70E740481C1C}">
+                <a14:useLocalDpi xmlns:a14="http://schemas.microsoft.com/office/drawing/2010/main" val="0"/>
+              </a:ext>
+            </a:extLst>
+          </a:blip>
+          <a:srcRect/>
+          <a:stretch>
+            <a:fillRect/>
+          </a:stretch>
+        </p:blipFill>
+        <p:spPr bwMode="auto">
+          <a:xfrm>
+            <a:off x="9818662" y="2843482"/>
+            <a:ext cx="3792563" cy="3271678"/>
+          </a:xfrm>
+          <a:prstGeom prst="rect">
+            <a:avLst/>
+          </a:prstGeom>
+          <a:ln>
+            <a:noFill/>
+          </a:ln>
+          <a:effectLst>
+            <a:softEdge rad="112500"/>
+          </a:effectLst>
+          <a:extLst>
+            <a:ext uri="{909E8E84-426E-40DD-AFC4-6F175D3DCCD1}">
+              <a14:hiddenFill xmlns:a14="http://schemas.microsoft.com/office/drawing/2010/main">
+                <a:solidFill>
+                  <a:srgbClr val="FFFFFF"/>
+                </a:solidFill>
+              </a14:hiddenFill>
+            </a:ext>
+          </a:extLst>
+        </p:spPr>
+      </p:pic>
+      <p:sp>
+        <p:nvSpPr>
+          <p:cNvPr id="15" name="Text 0">
+            <a:extLst>
+              <a:ext uri="{FF2B5EF4-FFF2-40B4-BE49-F238E27FC236}">
+                <a16:creationId xmlns:a16="http://schemas.microsoft.com/office/drawing/2014/main" id="{7124D0B3-131F-4170-A03F-8B8EEC561298}"/>
+              </a:ext>
+            </a:extLst>
+          </p:cNvPr>
+          <p:cNvSpPr/>
+          <p:nvPr/>
+        </p:nvSpPr>
+        <p:spPr>
+          <a:xfrm>
+            <a:off x="1005601" y="1032679"/>
+            <a:ext cx="6909673" cy="771525"/>
+          </a:xfrm>
+          <a:prstGeom prst="rect">
+            <a:avLst/>
+          </a:prstGeom>
+          <a:noFill/>
+          <a:ln/>
+        </p:spPr>
+        <p:txBody>
+          <a:bodyPr wrap="none" lIns="0" tIns="0" rIns="0" bIns="0" rtlCol="0" anchor="t"/>
+          <a:lstStyle/>
+          <a:p>
+            <a:pPr marL="0" indent="0">
+              <a:lnSpc>
+                <a:spcPts val="6050"/>
+              </a:lnSpc>
+              <a:buNone/>
+            </a:pPr>
+            <a:r>
+              <a:rPr lang="en-US" sz="4850" b="1" dirty="0">
+                <a:solidFill>
+                  <a:srgbClr val="3B4540"/>
+                </a:solidFill>
+                <a:latin typeface="Fraunces Extra Bold" pitchFamily="34" charset="0"/>
+                <a:ea typeface="Fraunces Extra Bold" pitchFamily="34" charset="-122"/>
+                <a:cs typeface="Fraunces Extra Bold" pitchFamily="34" charset="-120"/>
+              </a:rPr>
+              <a:t>Средства разработки</a:t>
+            </a:r>
+            <a:endParaRPr lang="en-US" sz="4850" dirty="0"/>
+          </a:p>
+        </p:txBody>
+      </p:sp>
+      <p:sp>
+        <p:nvSpPr>
+          <p:cNvPr id="16" name="Прямоугольник 15">
+            <a:extLst>
+              <a:ext uri="{FF2B5EF4-FFF2-40B4-BE49-F238E27FC236}">
+                <a16:creationId xmlns:a16="http://schemas.microsoft.com/office/drawing/2014/main" id="{CD082E6C-5AA2-416F-B763-C140FF979B43}"/>
+              </a:ext>
+            </a:extLst>
+          </p:cNvPr>
+          <p:cNvSpPr/>
+          <p:nvPr/>
+        </p:nvSpPr>
+        <p:spPr>
+          <a:xfrm>
+            <a:off x="12479731" y="7410298"/>
+            <a:ext cx="2150669" cy="819302"/>
+          </a:xfrm>
+          <a:prstGeom prst="rect">
+            <a:avLst/>
+          </a:prstGeom>
+          <a:solidFill>
+            <a:srgbClr val="F9F9FF"/>
+          </a:solidFill>
+          <a:ln>
+            <a:solidFill>
+              <a:srgbClr val="F9F9FF"/>
+            </a:solidFill>
+          </a:ln>
+        </p:spPr>
+        <p:style>
+          <a:lnRef idx="2">
+            <a:schemeClr val="accent1">
+              <a:shade val="50000"/>
+            </a:schemeClr>
+          </a:lnRef>
+          <a:fillRef idx="1">
+            <a:schemeClr val="accent1"/>
+          </a:fillRef>
+          <a:effectRef idx="0">
+            <a:schemeClr val="accent1"/>
+          </a:effectRef>
+          <a:fontRef idx="minor">
+            <a:schemeClr val="lt1"/>
+          </a:fontRef>
+        </p:style>
+        <p:txBody>
+          <a:bodyPr rtlCol="0" anchor="ctr"/>
+          <a:lstStyle/>
+          <a:p>
+            <a:pPr algn="ctr"/>
+            <a:endParaRPr lang="ru-RU"/>
+          </a:p>
+        </p:txBody>
+      </p:sp>
+    </p:spTree>
+  </p:cSld>
+  <p:clrMapOvr>
+    <a:masterClrMapping/>
+  </p:clrMapOvr>
+</p:sld>
+</file>
+
+<file path=ppt/slides/slide4.xml><?xml version="1.0" encoding="utf-8"?>
 <p:sld xmlns:a="http://schemas.openxmlformats.org/drawingml/2006/main" xmlns:r="http://schemas.openxmlformats.org/officeDocument/2006/relationships" xmlns:p="http://schemas.openxmlformats.org/presentationml/2006/main">
   <p:cSld name="Slide 4">
     <p:spTree>
@@ -3200,10 +5659,557 @@
       </p:grpSpPr>
       <p:sp>
         <p:nvSpPr>
-          <p:cNvPr id="26" name="Прямоугольник 25">
+          <p:cNvPr id="3" name="Shape 1"/>
+          <p:cNvSpPr/>
+          <p:nvPr/>
+        </p:nvSpPr>
+        <p:spPr>
+          <a:xfrm>
+            <a:off x="7299960" y="2590800"/>
+            <a:ext cx="30480" cy="4860250"/>
+          </a:xfrm>
+          <a:prstGeom prst="roundRect">
+            <a:avLst>
+              <a:gd name="adj" fmla="val 302748"/>
+            </a:avLst>
+          </a:prstGeom>
+          <a:solidFill>
+            <a:srgbClr val="B8C3DF"/>
+          </a:solidFill>
+          <a:ln/>
+        </p:spPr>
+      </p:sp>
+      <p:sp>
+        <p:nvSpPr>
+          <p:cNvPr id="4" name="Shape 2"/>
+          <p:cNvSpPr/>
+          <p:nvPr/>
+        </p:nvSpPr>
+        <p:spPr>
+          <a:xfrm>
+            <a:off x="6329660" y="3069669"/>
+            <a:ext cx="768906" cy="30480"/>
+          </a:xfrm>
+          <a:prstGeom prst="roundRect">
+            <a:avLst>
+              <a:gd name="adj" fmla="val 302748"/>
+            </a:avLst>
+          </a:prstGeom>
+          <a:solidFill>
+            <a:srgbClr val="B8C3DF"/>
+          </a:solidFill>
+          <a:ln/>
+        </p:spPr>
+      </p:sp>
+      <p:sp>
+        <p:nvSpPr>
+          <p:cNvPr id="5" name="Shape 3"/>
+          <p:cNvSpPr/>
+          <p:nvPr/>
+        </p:nvSpPr>
+        <p:spPr>
+          <a:xfrm>
+            <a:off x="7068086" y="2837855"/>
+            <a:ext cx="494228" cy="494228"/>
+          </a:xfrm>
+          <a:prstGeom prst="roundRect">
+            <a:avLst>
+              <a:gd name="adj" fmla="val 18671"/>
+            </a:avLst>
+          </a:prstGeom>
+          <a:solidFill>
+            <a:srgbClr val="D2DDF9"/>
+          </a:solidFill>
+          <a:ln w="7620">
+            <a:solidFill>
+              <a:srgbClr val="B8C3DF"/>
+            </a:solidFill>
+            <a:prstDash val="solid"/>
+          </a:ln>
+        </p:spPr>
+      </p:sp>
+      <p:sp>
+        <p:nvSpPr>
+          <p:cNvPr id="6" name="Text 4"/>
+          <p:cNvSpPr/>
+          <p:nvPr/>
+        </p:nvSpPr>
+        <p:spPr>
+          <a:xfrm>
+            <a:off x="7253347" y="2920127"/>
+            <a:ext cx="123587" cy="329565"/>
+          </a:xfrm>
+          <a:prstGeom prst="rect">
+            <a:avLst/>
+          </a:prstGeom>
+          <a:noFill/>
+          <a:ln/>
+        </p:spPr>
+        <p:txBody>
+          <a:bodyPr wrap="none" lIns="0" tIns="0" rIns="0" bIns="0" rtlCol="0" anchor="t"/>
+          <a:lstStyle/>
+          <a:p>
+            <a:pPr marL="0" indent="0" algn="ctr">
+              <a:lnSpc>
+                <a:spcPts val="2550"/>
+              </a:lnSpc>
+              <a:buNone/>
+            </a:pPr>
+            <a:r>
+              <a:rPr lang="en-US" sz="2550" dirty="0">
+                <a:solidFill>
+                  <a:srgbClr val="404155"/>
+                </a:solidFill>
+                <a:latin typeface="Alexandria" pitchFamily="34" charset="0"/>
+                <a:ea typeface="Alexandria" pitchFamily="34" charset="-122"/>
+                <a:cs typeface="Alexandria" pitchFamily="34" charset="-120"/>
+              </a:rPr>
+              <a:t>1</a:t>
+            </a:r>
+            <a:endParaRPr lang="en-US" sz="2550" dirty="0"/>
+          </a:p>
+        </p:txBody>
+      </p:sp>
+      <p:sp>
+        <p:nvSpPr>
+          <p:cNvPr id="7" name="Text 5"/>
+          <p:cNvSpPr/>
+          <p:nvPr/>
+        </p:nvSpPr>
+        <p:spPr>
+          <a:xfrm>
+            <a:off x="3178850" y="2810470"/>
+            <a:ext cx="2927985" cy="343257"/>
+          </a:xfrm>
+          <a:prstGeom prst="rect">
+            <a:avLst/>
+          </a:prstGeom>
+          <a:noFill/>
+          <a:ln/>
+        </p:spPr>
+        <p:txBody>
+          <a:bodyPr wrap="none" lIns="0" tIns="0" rIns="0" bIns="0" rtlCol="0" anchor="t"/>
+          <a:lstStyle/>
+          <a:p>
+            <a:pPr marL="0" indent="0" algn="r">
+              <a:lnSpc>
+                <a:spcPts val="2700"/>
+              </a:lnSpc>
+              <a:buNone/>
+            </a:pPr>
+            <a:r>
+              <a:rPr lang="en-US" sz="2150" dirty="0">
+                <a:solidFill>
+                  <a:srgbClr val="404155"/>
+                </a:solidFill>
+                <a:latin typeface="Alexandria" pitchFamily="34" charset="0"/>
+                <a:ea typeface="Alexandria" pitchFamily="34" charset="-122"/>
+                <a:cs typeface="Alexandria" pitchFamily="34" charset="-120"/>
+              </a:rPr>
+              <a:t>Учет книжного фонда</a:t>
+            </a:r>
+            <a:endParaRPr lang="en-US" sz="2150" dirty="0"/>
+          </a:p>
+        </p:txBody>
+      </p:sp>
+      <p:sp>
+        <p:nvSpPr>
+          <p:cNvPr id="8" name="Text 6"/>
+          <p:cNvSpPr/>
+          <p:nvPr/>
+        </p:nvSpPr>
+        <p:spPr>
+          <a:xfrm>
+            <a:off x="768906" y="3285530"/>
+            <a:ext cx="5337929" cy="1405890"/>
+          </a:xfrm>
+          <a:prstGeom prst="rect">
+            <a:avLst/>
+          </a:prstGeom>
+          <a:noFill/>
+          <a:ln/>
+        </p:spPr>
+        <p:txBody>
+          <a:bodyPr wrap="square" lIns="0" tIns="0" rIns="0" bIns="0" rtlCol="0" anchor="t"/>
+          <a:lstStyle/>
+          <a:p>
+            <a:pPr marL="0" indent="0" algn="r">
+              <a:lnSpc>
+                <a:spcPts val="2750"/>
+              </a:lnSpc>
+              <a:buNone/>
+            </a:pPr>
+            <a:r>
+              <a:rPr lang="en-US" sz="1700" dirty="0">
+                <a:solidFill>
+                  <a:srgbClr val="404155"/>
+                </a:solidFill>
+                <a:latin typeface="Nobile" pitchFamily="34" charset="0"/>
+                <a:ea typeface="Nobile" pitchFamily="34" charset="-122"/>
+                <a:cs typeface="Nobile" pitchFamily="34" charset="-120"/>
+              </a:rPr>
+              <a:t>Детальный учет каждого экземпляра книги, включая название, автора, жанр, издательство, год издания, ISBN, место хранения, статус, изображение обложки, и т.д.</a:t>
+            </a:r>
+            <a:endParaRPr lang="en-US" sz="1700" dirty="0"/>
+          </a:p>
+        </p:txBody>
+      </p:sp>
+      <p:sp>
+        <p:nvSpPr>
+          <p:cNvPr id="9" name="Shape 7"/>
+          <p:cNvSpPr/>
+          <p:nvPr/>
+        </p:nvSpPr>
+        <p:spPr>
+          <a:xfrm>
+            <a:off x="7531834" y="4168140"/>
+            <a:ext cx="768906" cy="30480"/>
+          </a:xfrm>
+          <a:prstGeom prst="roundRect">
+            <a:avLst>
+              <a:gd name="adj" fmla="val 302748"/>
+            </a:avLst>
+          </a:prstGeom>
+          <a:solidFill>
+            <a:srgbClr val="B8C3DF"/>
+          </a:solidFill>
+          <a:ln/>
+        </p:spPr>
+      </p:sp>
+      <p:sp>
+        <p:nvSpPr>
+          <p:cNvPr id="10" name="Shape 8"/>
+          <p:cNvSpPr/>
+          <p:nvPr/>
+        </p:nvSpPr>
+        <p:spPr>
+          <a:xfrm>
+            <a:off x="7068086" y="3936325"/>
+            <a:ext cx="494228" cy="494228"/>
+          </a:xfrm>
+          <a:prstGeom prst="roundRect">
+            <a:avLst>
+              <a:gd name="adj" fmla="val 18671"/>
+            </a:avLst>
+          </a:prstGeom>
+          <a:solidFill>
+            <a:srgbClr val="D2DDF9"/>
+          </a:solidFill>
+          <a:ln w="7620">
+            <a:solidFill>
+              <a:srgbClr val="B8C3DF"/>
+            </a:solidFill>
+            <a:prstDash val="solid"/>
+          </a:ln>
+        </p:spPr>
+      </p:sp>
+      <p:sp>
+        <p:nvSpPr>
+          <p:cNvPr id="11" name="Text 9"/>
+          <p:cNvSpPr/>
+          <p:nvPr/>
+        </p:nvSpPr>
+        <p:spPr>
+          <a:xfrm>
+            <a:off x="7218819" y="4018598"/>
+            <a:ext cx="192762" cy="329565"/>
+          </a:xfrm>
+          <a:prstGeom prst="rect">
+            <a:avLst/>
+          </a:prstGeom>
+          <a:noFill/>
+          <a:ln/>
+        </p:spPr>
+        <p:txBody>
+          <a:bodyPr wrap="none" lIns="0" tIns="0" rIns="0" bIns="0" rtlCol="0" anchor="t"/>
+          <a:lstStyle/>
+          <a:p>
+            <a:pPr marL="0" indent="0" algn="ctr">
+              <a:lnSpc>
+                <a:spcPts val="2550"/>
+              </a:lnSpc>
+              <a:buNone/>
+            </a:pPr>
+            <a:r>
+              <a:rPr lang="en-US" sz="2550" dirty="0">
+                <a:solidFill>
+                  <a:srgbClr val="404155"/>
+                </a:solidFill>
+                <a:latin typeface="Alexandria" pitchFamily="34" charset="0"/>
+                <a:ea typeface="Alexandria" pitchFamily="34" charset="-122"/>
+                <a:cs typeface="Alexandria" pitchFamily="34" charset="-120"/>
+              </a:rPr>
+              <a:t>2</a:t>
+            </a:r>
+            <a:endParaRPr lang="en-US" sz="2550" dirty="0"/>
+          </a:p>
+        </p:txBody>
+      </p:sp>
+      <p:sp>
+        <p:nvSpPr>
+          <p:cNvPr id="12" name="Text 10"/>
+          <p:cNvSpPr/>
+          <p:nvPr/>
+        </p:nvSpPr>
+        <p:spPr>
+          <a:xfrm>
+            <a:off x="8523565" y="3908941"/>
+            <a:ext cx="2799278" cy="343257"/>
+          </a:xfrm>
+          <a:prstGeom prst="rect">
+            <a:avLst/>
+          </a:prstGeom>
+          <a:noFill/>
+          <a:ln/>
+        </p:spPr>
+        <p:txBody>
+          <a:bodyPr wrap="none" lIns="0" tIns="0" rIns="0" bIns="0" rtlCol="0" anchor="t"/>
+          <a:lstStyle/>
+          <a:p>
+            <a:pPr marL="0" indent="0" algn="l">
+              <a:lnSpc>
+                <a:spcPts val="2700"/>
+              </a:lnSpc>
+              <a:buNone/>
+            </a:pPr>
+            <a:r>
+              <a:rPr lang="en-US" sz="2150" dirty="0">
+                <a:solidFill>
+                  <a:srgbClr val="404155"/>
+                </a:solidFill>
+                <a:latin typeface="Alexandria" pitchFamily="34" charset="0"/>
+                <a:ea typeface="Alexandria" pitchFamily="34" charset="-122"/>
+                <a:cs typeface="Alexandria" pitchFamily="34" charset="-120"/>
+              </a:rPr>
+              <a:t>Работа с читателями</a:t>
+            </a:r>
+            <a:endParaRPr lang="en-US" sz="2150" dirty="0"/>
+          </a:p>
+        </p:txBody>
+      </p:sp>
+      <p:sp>
+        <p:nvSpPr>
+          <p:cNvPr id="13" name="Text 11"/>
+          <p:cNvSpPr/>
+          <p:nvPr/>
+        </p:nvSpPr>
+        <p:spPr>
+          <a:xfrm>
+            <a:off x="8523565" y="4384000"/>
+            <a:ext cx="5337929" cy="1054418"/>
+          </a:xfrm>
+          <a:prstGeom prst="rect">
+            <a:avLst/>
+          </a:prstGeom>
+          <a:noFill/>
+          <a:ln/>
+        </p:spPr>
+        <p:txBody>
+          <a:bodyPr wrap="square" lIns="0" tIns="0" rIns="0" bIns="0" rtlCol="0" anchor="t"/>
+          <a:lstStyle/>
+          <a:p>
+            <a:pPr marL="0" indent="0" algn="l">
+              <a:lnSpc>
+                <a:spcPts val="2750"/>
+              </a:lnSpc>
+              <a:buNone/>
+            </a:pPr>
+            <a:r>
+              <a:rPr lang="en-US" sz="1700" dirty="0">
+                <a:solidFill>
+                  <a:srgbClr val="404155"/>
+                </a:solidFill>
+                <a:latin typeface="Nobile" pitchFamily="34" charset="0"/>
+                <a:ea typeface="Nobile" pitchFamily="34" charset="-122"/>
+                <a:cs typeface="Nobile" pitchFamily="34" charset="-120"/>
+              </a:rPr>
+              <a:t>Регистрация читателей, хранение их данных (ФИО, дата рождения, адрес, контакты), учет истории взаимодействия.</a:t>
+            </a:r>
+            <a:endParaRPr lang="en-US" sz="1700" dirty="0"/>
+          </a:p>
+        </p:txBody>
+      </p:sp>
+      <p:sp>
+        <p:nvSpPr>
+          <p:cNvPr id="14" name="Shape 12"/>
+          <p:cNvSpPr/>
+          <p:nvPr/>
+        </p:nvSpPr>
+        <p:spPr>
+          <a:xfrm>
+            <a:off x="6329660" y="5609630"/>
+            <a:ext cx="768906" cy="30480"/>
+          </a:xfrm>
+          <a:prstGeom prst="roundRect">
+            <a:avLst>
+              <a:gd name="adj" fmla="val 302748"/>
+            </a:avLst>
+          </a:prstGeom>
+          <a:solidFill>
+            <a:srgbClr val="B8C3DF"/>
+          </a:solidFill>
+          <a:ln/>
+        </p:spPr>
+      </p:sp>
+      <p:sp>
+        <p:nvSpPr>
+          <p:cNvPr id="15" name="Shape 13"/>
+          <p:cNvSpPr/>
+          <p:nvPr/>
+        </p:nvSpPr>
+        <p:spPr>
+          <a:xfrm>
+            <a:off x="7068086" y="5377815"/>
+            <a:ext cx="494228" cy="494228"/>
+          </a:xfrm>
+          <a:prstGeom prst="roundRect">
+            <a:avLst>
+              <a:gd name="adj" fmla="val 18671"/>
+            </a:avLst>
+          </a:prstGeom>
+          <a:solidFill>
+            <a:srgbClr val="D2DDF9"/>
+          </a:solidFill>
+          <a:ln w="7620">
+            <a:solidFill>
+              <a:srgbClr val="B8C3DF"/>
+            </a:solidFill>
+            <a:prstDash val="solid"/>
+          </a:ln>
+        </p:spPr>
+      </p:sp>
+      <p:sp>
+        <p:nvSpPr>
+          <p:cNvPr id="16" name="Text 14"/>
+          <p:cNvSpPr/>
+          <p:nvPr/>
+        </p:nvSpPr>
+        <p:spPr>
+          <a:xfrm>
+            <a:off x="7218105" y="5460087"/>
+            <a:ext cx="194072" cy="329565"/>
+          </a:xfrm>
+          <a:prstGeom prst="rect">
+            <a:avLst/>
+          </a:prstGeom>
+          <a:noFill/>
+          <a:ln/>
+        </p:spPr>
+        <p:txBody>
+          <a:bodyPr wrap="none" lIns="0" tIns="0" rIns="0" bIns="0" rtlCol="0" anchor="t"/>
+          <a:lstStyle/>
+          <a:p>
+            <a:pPr marL="0" indent="0" algn="ctr">
+              <a:lnSpc>
+                <a:spcPts val="2550"/>
+              </a:lnSpc>
+              <a:buNone/>
+            </a:pPr>
+            <a:r>
+              <a:rPr lang="en-US" sz="2550" dirty="0">
+                <a:solidFill>
+                  <a:srgbClr val="404155"/>
+                </a:solidFill>
+                <a:latin typeface="Alexandria" pitchFamily="34" charset="0"/>
+                <a:ea typeface="Alexandria" pitchFamily="34" charset="-122"/>
+                <a:cs typeface="Alexandria" pitchFamily="34" charset="-120"/>
+              </a:rPr>
+              <a:t>3</a:t>
+            </a:r>
+            <a:endParaRPr lang="en-US" sz="2550" dirty="0"/>
+          </a:p>
+        </p:txBody>
+      </p:sp>
+      <p:sp>
+        <p:nvSpPr>
+          <p:cNvPr id="17" name="Text 15"/>
+          <p:cNvSpPr/>
+          <p:nvPr/>
+        </p:nvSpPr>
+        <p:spPr>
+          <a:xfrm>
+            <a:off x="2420660" y="5350431"/>
+            <a:ext cx="3686175" cy="343257"/>
+          </a:xfrm>
+          <a:prstGeom prst="rect">
+            <a:avLst/>
+          </a:prstGeom>
+          <a:noFill/>
+          <a:ln/>
+        </p:spPr>
+        <p:txBody>
+          <a:bodyPr wrap="none" lIns="0" tIns="0" rIns="0" bIns="0" rtlCol="0" anchor="t"/>
+          <a:lstStyle/>
+          <a:p>
+            <a:pPr marL="0" indent="0" algn="r">
+              <a:lnSpc>
+                <a:spcPts val="2700"/>
+              </a:lnSpc>
+              <a:buNone/>
+            </a:pPr>
+            <a:r>
+              <a:rPr lang="en-US" sz="2150" dirty="0">
+                <a:solidFill>
+                  <a:srgbClr val="404155"/>
+                </a:solidFill>
+                <a:latin typeface="Alexandria" pitchFamily="34" charset="0"/>
+                <a:ea typeface="Alexandria" pitchFamily="34" charset="-122"/>
+                <a:cs typeface="Alexandria" pitchFamily="34" charset="-120"/>
+              </a:rPr>
+              <a:t>Учет читательских билетов</a:t>
+            </a:r>
+            <a:endParaRPr lang="en-US" sz="2150" dirty="0"/>
+          </a:p>
+        </p:txBody>
+      </p:sp>
+      <p:sp>
+        <p:nvSpPr>
+          <p:cNvPr id="18" name="Text 16"/>
+          <p:cNvSpPr/>
+          <p:nvPr/>
+        </p:nvSpPr>
+        <p:spPr>
+          <a:xfrm>
+            <a:off x="768906" y="5825490"/>
+            <a:ext cx="5337929" cy="1405890"/>
+          </a:xfrm>
+          <a:prstGeom prst="rect">
+            <a:avLst/>
+          </a:prstGeom>
+          <a:noFill/>
+          <a:ln/>
+        </p:spPr>
+        <p:txBody>
+          <a:bodyPr wrap="square" lIns="0" tIns="0" rIns="0" bIns="0" rtlCol="0" anchor="t"/>
+          <a:lstStyle/>
+          <a:p>
+            <a:pPr marL="0" indent="0" algn="r">
+              <a:lnSpc>
+                <a:spcPts val="2750"/>
+              </a:lnSpc>
+              <a:buNone/>
+            </a:pPr>
+            <a:r>
+              <a:rPr lang="en-US" sz="1700" dirty="0">
+                <a:solidFill>
+                  <a:srgbClr val="404155"/>
+                </a:solidFill>
+                <a:latin typeface="Nobile" pitchFamily="34" charset="0"/>
+                <a:ea typeface="Nobile" pitchFamily="34" charset="-122"/>
+                <a:cs typeface="Nobile" pitchFamily="34" charset="-120"/>
+              </a:rPr>
+              <a:t>Регистрация читательских билетов, выдача, продление, учет различных типов абонементов с разными сроками и стоимостью, возрастной рейтинг.</a:t>
+            </a:r>
+            <a:endParaRPr lang="en-US" sz="1700" dirty="0"/>
+          </a:p>
+        </p:txBody>
+      </p:sp>
+      <p:sp>
+        <p:nvSpPr>
+          <p:cNvPr id="19" name="Text 0">
             <a:extLst>
               <a:ext uri="{FF2B5EF4-FFF2-40B4-BE49-F238E27FC236}">
-                <a16:creationId xmlns:a16="http://schemas.microsoft.com/office/drawing/2014/main" id="{D546FE71-7BE6-4106-9780-5916F8C60AFB}"/>
+                <a16:creationId xmlns:a16="http://schemas.microsoft.com/office/drawing/2014/main" id="{6AC7AEF8-355D-4796-B1D4-A2D35C4B00C7}"/>
               </a:ext>
             </a:extLst>
           </p:cNvPr>
@@ -3212,18 +6218,106 @@
         </p:nvSpPr>
         <p:spPr>
           <a:xfrm>
-            <a:off x="12816000" y="7674292"/>
-            <a:ext cx="1814400" cy="555308"/>
+            <a:off x="0" y="169904"/>
+            <a:ext cx="14630400" cy="1025296"/>
+          </a:xfrm>
+          <a:prstGeom prst="rect">
+            <a:avLst/>
+          </a:prstGeom>
+          <a:noFill/>
+          <a:ln/>
+        </p:spPr>
+        <p:txBody>
+          <a:bodyPr wrap="square" lIns="0" tIns="0" rIns="0" bIns="0" rtlCol="0" anchor="t"/>
+          <a:lstStyle/>
+          <a:p>
+            <a:pPr marL="0" indent="0" algn="ctr">
+              <a:lnSpc>
+                <a:spcPts val="5050"/>
+              </a:lnSpc>
+              <a:buNone/>
+            </a:pPr>
+            <a:r>
+              <a:rPr lang="en-US" sz="2000" dirty="0">
+                <a:solidFill>
+                  <a:srgbClr val="1B1B27"/>
+                </a:solidFill>
+                <a:latin typeface="Alexandria" pitchFamily="34" charset="0"/>
+                <a:ea typeface="Alexandria" pitchFamily="34" charset="-122"/>
+                <a:cs typeface="Alexandria" pitchFamily="34" charset="-120"/>
+              </a:rPr>
+              <a:t>Разработка программного обеспечения для комплексной автоматизации библиотеки</a:t>
+            </a:r>
+            <a:endParaRPr lang="en-US" sz="2000" dirty="0"/>
+          </a:p>
+        </p:txBody>
+      </p:sp>
+      <p:sp>
+        <p:nvSpPr>
+          <p:cNvPr id="20" name="TextBox 19">
+            <a:extLst>
+              <a:ext uri="{FF2B5EF4-FFF2-40B4-BE49-F238E27FC236}">
+                <a16:creationId xmlns:a16="http://schemas.microsoft.com/office/drawing/2014/main" id="{06EF4C50-6384-437A-9FC8-E0D4B3C3FDA9}"/>
+              </a:ext>
+            </a:extLst>
+          </p:cNvPr>
+          <p:cNvSpPr txBox="1"/>
+          <p:nvPr/>
+        </p:nvSpPr>
+        <p:spPr>
+          <a:xfrm>
+            <a:off x="4147200" y="1490364"/>
+            <a:ext cx="7315200" cy="400110"/>
+          </a:xfrm>
+          <a:prstGeom prst="rect">
+            <a:avLst/>
+          </a:prstGeom>
+          <a:noFill/>
+        </p:spPr>
+        <p:txBody>
+          <a:bodyPr wrap="square">
+            <a:spAutoFit/>
+          </a:bodyPr>
+          <a:lstStyle/>
+          <a:p>
+            <a:r>
+              <a:rPr lang="ru-RU" sz="2000" dirty="0">
+                <a:solidFill>
+                  <a:srgbClr val="1B1B27"/>
+                </a:solidFill>
+                <a:cs typeface="Alexandria" pitchFamily="34" charset="-120"/>
+              </a:rPr>
+              <a:t>Анализ предметной области: Основные процессы</a:t>
+            </a:r>
+          </a:p>
+        </p:txBody>
+      </p:sp>
+      <p:sp>
+        <p:nvSpPr>
+          <p:cNvPr id="21" name="Прямоугольник 20">
+            <a:extLst>
+              <a:ext uri="{FF2B5EF4-FFF2-40B4-BE49-F238E27FC236}">
+                <a16:creationId xmlns:a16="http://schemas.microsoft.com/office/drawing/2014/main" id="{4FE0BEEC-77E6-4F87-B33F-9BF9ABE631F9}"/>
+              </a:ext>
+            </a:extLst>
+          </p:cNvPr>
+          <p:cNvSpPr/>
+          <p:nvPr/>
+        </p:nvSpPr>
+        <p:spPr>
+          <a:xfrm>
+            <a:off x="12479731" y="7410298"/>
+            <a:ext cx="2150669" cy="819302"/>
           </a:xfrm>
           <a:prstGeom prst="rect">
             <a:avLst/>
           </a:prstGeom>
           <a:solidFill>
-            <a:srgbClr val="FAFFFA"/>
+            <a:srgbClr val="F9F9FF"/>
           </a:solidFill>
           <a:ln>
             <a:solidFill>
-              <a:srgbClr val="FAFFFA"/>
+              <a:srgbClr val="F9F9FF"/>
             </a:solidFill>
           </a:ln>
         </p:spPr>
@@ -3252,698 +6346,6 @@
           </a:p>
         </p:txBody>
       </p:sp>
-      <p:sp>
-        <p:nvSpPr>
-          <p:cNvPr id="34" name="Rectangle 2">
-            <a:extLst>
-              <a:ext uri="{FF2B5EF4-FFF2-40B4-BE49-F238E27FC236}">
-                <a16:creationId xmlns:a16="http://schemas.microsoft.com/office/drawing/2014/main" id="{009FDF53-6D48-4656-A905-0940D60B1F3B}"/>
-              </a:ext>
-            </a:extLst>
-          </p:cNvPr>
-          <p:cNvSpPr>
-            <a:spLocks noChangeArrowheads="1"/>
-          </p:cNvSpPr>
-          <p:nvPr/>
-        </p:nvSpPr>
-        <p:spPr bwMode="auto">
-          <a:xfrm>
-            <a:off x="1945290" y="223013"/>
-            <a:ext cx="10137601" cy="691208"/>
-          </a:xfrm>
-          <a:prstGeom prst="rect">
-            <a:avLst/>
-          </a:prstGeom>
-          <a:solidFill>
-            <a:schemeClr val="bg1">
-              <a:alpha val="45097"/>
-            </a:schemeClr>
-          </a:solidFill>
-          <a:ln>
-            <a:noFill/>
-          </a:ln>
-          <a:extLst>
-            <a:ext uri="{91240B29-F687-4F45-9708-019B960494DF}">
-              <a14:hiddenLine xmlns:a14="http://schemas.microsoft.com/office/drawing/2010/main" w="9525">
-                <a:solidFill>
-                  <a:srgbClr val="000000"/>
-                </a:solidFill>
-                <a:miter lim="800000"/>
-                <a:headEnd/>
-                <a:tailEnd/>
-              </a14:hiddenLine>
-            </a:ext>
-          </a:extLst>
-        </p:spPr>
-        <p:txBody>
-          <a:bodyPr anchor="ctr"/>
-          <a:lstStyle>
-            <a:lvl1pPr>
-              <a:defRPr>
-                <a:solidFill>
-                  <a:schemeClr val="tx1"/>
-                </a:solidFill>
-                <a:latin typeface="Arial" panose="020B0604020202020204" pitchFamily="34" charset="0"/>
-                <a:cs typeface="Arial" panose="020B0604020202020204" pitchFamily="34" charset="0"/>
-              </a:defRPr>
-            </a:lvl1pPr>
-            <a:lvl2pPr marL="742950" indent="-285750">
-              <a:defRPr>
-                <a:solidFill>
-                  <a:schemeClr val="tx1"/>
-                </a:solidFill>
-                <a:latin typeface="Arial" panose="020B0604020202020204" pitchFamily="34" charset="0"/>
-                <a:cs typeface="Arial" panose="020B0604020202020204" pitchFamily="34" charset="0"/>
-              </a:defRPr>
-            </a:lvl2pPr>
-            <a:lvl3pPr marL="1143000" indent="-228600">
-              <a:defRPr>
-                <a:solidFill>
-                  <a:schemeClr val="tx1"/>
-                </a:solidFill>
-                <a:latin typeface="Arial" panose="020B0604020202020204" pitchFamily="34" charset="0"/>
-                <a:cs typeface="Arial" panose="020B0604020202020204" pitchFamily="34" charset="0"/>
-              </a:defRPr>
-            </a:lvl3pPr>
-            <a:lvl4pPr marL="1600200" indent="-228600">
-              <a:defRPr>
-                <a:solidFill>
-                  <a:schemeClr val="tx1"/>
-                </a:solidFill>
-                <a:latin typeface="Arial" panose="020B0604020202020204" pitchFamily="34" charset="0"/>
-                <a:cs typeface="Arial" panose="020B0604020202020204" pitchFamily="34" charset="0"/>
-              </a:defRPr>
-            </a:lvl4pPr>
-            <a:lvl5pPr marL="2057400" indent="-228600">
-              <a:defRPr>
-                <a:solidFill>
-                  <a:schemeClr val="tx1"/>
-                </a:solidFill>
-                <a:latin typeface="Arial" panose="020B0604020202020204" pitchFamily="34" charset="0"/>
-                <a:cs typeface="Arial" panose="020B0604020202020204" pitchFamily="34" charset="0"/>
-              </a:defRPr>
-            </a:lvl5pPr>
-            <a:lvl6pPr marL="2514600" indent="-228600" eaLnBrk="0" fontAlgn="base" hangingPunct="0">
-              <a:spcBef>
-                <a:spcPct val="0"/>
-              </a:spcBef>
-              <a:spcAft>
-                <a:spcPct val="0"/>
-              </a:spcAft>
-              <a:defRPr>
-                <a:solidFill>
-                  <a:schemeClr val="tx1"/>
-                </a:solidFill>
-                <a:latin typeface="Arial" panose="020B0604020202020204" pitchFamily="34" charset="0"/>
-                <a:cs typeface="Arial" panose="020B0604020202020204" pitchFamily="34" charset="0"/>
-              </a:defRPr>
-            </a:lvl6pPr>
-            <a:lvl7pPr marL="2971800" indent="-228600" eaLnBrk="0" fontAlgn="base" hangingPunct="0">
-              <a:spcBef>
-                <a:spcPct val="0"/>
-              </a:spcBef>
-              <a:spcAft>
-                <a:spcPct val="0"/>
-              </a:spcAft>
-              <a:defRPr>
-                <a:solidFill>
-                  <a:schemeClr val="tx1"/>
-                </a:solidFill>
-                <a:latin typeface="Arial" panose="020B0604020202020204" pitchFamily="34" charset="0"/>
-                <a:cs typeface="Arial" panose="020B0604020202020204" pitchFamily="34" charset="0"/>
-              </a:defRPr>
-            </a:lvl7pPr>
-            <a:lvl8pPr marL="3429000" indent="-228600" eaLnBrk="0" fontAlgn="base" hangingPunct="0">
-              <a:spcBef>
-                <a:spcPct val="0"/>
-              </a:spcBef>
-              <a:spcAft>
-                <a:spcPct val="0"/>
-              </a:spcAft>
-              <a:defRPr>
-                <a:solidFill>
-                  <a:schemeClr val="tx1"/>
-                </a:solidFill>
-                <a:latin typeface="Arial" panose="020B0604020202020204" pitchFamily="34" charset="0"/>
-                <a:cs typeface="Arial" panose="020B0604020202020204" pitchFamily="34" charset="0"/>
-              </a:defRPr>
-            </a:lvl8pPr>
-            <a:lvl9pPr marL="3886200" indent="-228600" eaLnBrk="0" fontAlgn="base" hangingPunct="0">
-              <a:spcBef>
-                <a:spcPct val="0"/>
-              </a:spcBef>
-              <a:spcAft>
-                <a:spcPct val="0"/>
-              </a:spcAft>
-              <a:defRPr>
-                <a:solidFill>
-                  <a:schemeClr val="tx1"/>
-                </a:solidFill>
-                <a:latin typeface="Arial" panose="020B0604020202020204" pitchFamily="34" charset="0"/>
-                <a:cs typeface="Arial" panose="020B0604020202020204" pitchFamily="34" charset="0"/>
-              </a:defRPr>
-            </a:lvl9pPr>
-          </a:lstStyle>
-          <a:p>
-            <a:pPr algn="ctr"/>
-            <a:r>
-              <a:rPr lang="ru-RU" sz="2000" b="1" dirty="0">
-                <a:solidFill>
-                  <a:schemeClr val="tx2"/>
-                </a:solidFill>
-              </a:rPr>
-              <a:t>Разработка программного обеспечения для комплексной автоматизации библиотеки, включая учет кадров и финансовых операций</a:t>
-            </a:r>
-          </a:p>
-          <a:p>
-            <a:pPr algn="ctr" eaLnBrk="1" hangingPunct="1"/>
-            <a:endParaRPr lang="ru-RU" altLang="ru-RU" sz="2000" b="1" dirty="0">
-              <a:solidFill>
-                <a:schemeClr val="tx2"/>
-              </a:solidFill>
-            </a:endParaRPr>
-          </a:p>
-        </p:txBody>
-      </p:sp>
-      <p:sp>
-        <p:nvSpPr>
-          <p:cNvPr id="35" name="TextBox 34">
-            <a:extLst>
-              <a:ext uri="{FF2B5EF4-FFF2-40B4-BE49-F238E27FC236}">
-                <a16:creationId xmlns:a16="http://schemas.microsoft.com/office/drawing/2014/main" id="{BD901711-66D2-4A14-880B-282056BBD6CF}"/>
-              </a:ext>
-            </a:extLst>
-          </p:cNvPr>
-          <p:cNvSpPr txBox="1"/>
-          <p:nvPr/>
-        </p:nvSpPr>
-        <p:spPr>
-          <a:xfrm>
-            <a:off x="4003158" y="1975753"/>
-            <a:ext cx="7320516" cy="2139047"/>
-          </a:xfrm>
-          <a:prstGeom prst="rect">
-            <a:avLst/>
-          </a:prstGeom>
-          <a:noFill/>
-        </p:spPr>
-        <p:txBody>
-          <a:bodyPr wrap="square">
-            <a:spAutoFit/>
-          </a:bodyPr>
-          <a:lstStyle/>
-          <a:p>
-            <a:r>
-              <a:rPr lang="ru-RU" sz="1900" dirty="0">
-                <a:solidFill>
-                  <a:srgbClr val="405449"/>
-                </a:solidFill>
-                <a:latin typeface="Nobile" pitchFamily="34" charset="0"/>
-              </a:rPr>
-              <a:t>Рассмотрение основных направлений деятельности: управление библиотечным фондом, обслуживание читателей, кадровый учет, финансовые операции. Анализ существующих программных решений и обоснование выбора платформы 1С:Предприятие. Акцент на универсальности и доступности разрабатываемой системы.</a:t>
-            </a:r>
-          </a:p>
-        </p:txBody>
-      </p:sp>
-      <p:sp>
-        <p:nvSpPr>
-          <p:cNvPr id="37" name="TextBox 36">
-            <a:extLst>
-              <a:ext uri="{FF2B5EF4-FFF2-40B4-BE49-F238E27FC236}">
-                <a16:creationId xmlns:a16="http://schemas.microsoft.com/office/drawing/2014/main" id="{22D5E592-9767-47EB-A01F-D70148F31926}"/>
-              </a:ext>
-            </a:extLst>
-          </p:cNvPr>
-          <p:cNvSpPr txBox="1"/>
-          <p:nvPr/>
-        </p:nvSpPr>
-        <p:spPr>
-          <a:xfrm>
-            <a:off x="1119076" y="914221"/>
-            <a:ext cx="7320516" cy="1585049"/>
-          </a:xfrm>
-          <a:prstGeom prst="rect">
-            <a:avLst/>
-          </a:prstGeom>
-          <a:noFill/>
-        </p:spPr>
-        <p:txBody>
-          <a:bodyPr wrap="square">
-            <a:spAutoFit/>
-          </a:bodyPr>
-          <a:lstStyle/>
-          <a:p>
-            <a:r>
-              <a:rPr lang="ru-RU" sz="4850" b="1" dirty="0">
-                <a:solidFill>
-                  <a:srgbClr val="3B4540"/>
-                </a:solidFill>
-              </a:rPr>
-              <a:t>Анализ предметной области</a:t>
-            </a:r>
-          </a:p>
-        </p:txBody>
-      </p:sp>
-      <p:pic>
-        <p:nvPicPr>
-          <p:cNvPr id="41" name="Рисунок 40">
-            <a:extLst>
-              <a:ext uri="{FF2B5EF4-FFF2-40B4-BE49-F238E27FC236}">
-                <a16:creationId xmlns:a16="http://schemas.microsoft.com/office/drawing/2014/main" id="{FDD31DFD-AFB4-43A2-B4D3-B62EB2C89941}"/>
-              </a:ext>
-            </a:extLst>
-          </p:cNvPr>
-          <p:cNvPicPr>
-            <a:picLocks noChangeAspect="1"/>
-          </p:cNvPicPr>
-          <p:nvPr/>
-        </p:nvPicPr>
-        <p:blipFill>
-          <a:blip r:embed="rId3"/>
-          <a:stretch>
-            <a:fillRect/>
-          </a:stretch>
-        </p:blipFill>
-        <p:spPr>
-          <a:xfrm>
-            <a:off x="4118490" y="4369981"/>
-            <a:ext cx="5791200" cy="3124200"/>
-          </a:xfrm>
-          <a:prstGeom prst="rect">
-            <a:avLst/>
-          </a:prstGeom>
-        </p:spPr>
-      </p:pic>
-    </p:spTree>
-  </p:cSld>
-  <p:clrMapOvr>
-    <a:masterClrMapping/>
-  </p:clrMapOvr>
-</p:sld>
-</file>
-
-<file path=ppt/slides/slide4.xml><?xml version="1.0" encoding="utf-8"?>
-<p:sld xmlns:a="http://schemas.openxmlformats.org/drawingml/2006/main" xmlns:r="http://schemas.openxmlformats.org/officeDocument/2006/relationships" xmlns:p="http://schemas.openxmlformats.org/presentationml/2006/main">
-  <p:cSld name="Slide 5">
-    <p:spTree>
-      <p:nvGrpSpPr>
-        <p:cNvPr id="1" name=""/>
-        <p:cNvGrpSpPr/>
-        <p:nvPr/>
-      </p:nvGrpSpPr>
-      <p:grpSpPr>
-        <a:xfrm>
-          <a:off x="0" y="0"/>
-          <a:ext cx="0" cy="0"/>
-          <a:chOff x="0" y="0"/>
-          <a:chExt cx="0" cy="0"/>
-        </a:xfrm>
-      </p:grpSpPr>
-      <p:sp>
-        <p:nvSpPr>
-          <p:cNvPr id="17" name="Прямоугольник 16">
-            <a:extLst>
-              <a:ext uri="{FF2B5EF4-FFF2-40B4-BE49-F238E27FC236}">
-                <a16:creationId xmlns:a16="http://schemas.microsoft.com/office/drawing/2014/main" id="{EBE50F50-9D02-44F1-839C-0584B6AFD6E9}"/>
-              </a:ext>
-            </a:extLst>
-          </p:cNvPr>
-          <p:cNvSpPr/>
-          <p:nvPr/>
-        </p:nvSpPr>
-        <p:spPr>
-          <a:xfrm>
-            <a:off x="12794400" y="7806094"/>
-            <a:ext cx="1836000" cy="423505"/>
-          </a:xfrm>
-          <a:prstGeom prst="rect">
-            <a:avLst/>
-          </a:prstGeom>
-          <a:solidFill>
-            <a:srgbClr val="FAFFFA"/>
-          </a:solidFill>
-          <a:ln>
-            <a:solidFill>
-              <a:srgbClr val="FAFFFA"/>
-            </a:solidFill>
-          </a:ln>
-        </p:spPr>
-        <p:style>
-          <a:lnRef idx="2">
-            <a:schemeClr val="accent1">
-              <a:shade val="50000"/>
-            </a:schemeClr>
-          </a:lnRef>
-          <a:fillRef idx="1">
-            <a:schemeClr val="accent1"/>
-          </a:fillRef>
-          <a:effectRef idx="0">
-            <a:schemeClr val="accent1"/>
-          </a:effectRef>
-          <a:fontRef idx="minor">
-            <a:schemeClr val="lt1"/>
-          </a:fontRef>
-        </p:style>
-        <p:txBody>
-          <a:bodyPr rtlCol="0" anchor="ctr"/>
-          <a:lstStyle/>
-          <a:p>
-            <a:pPr algn="ctr"/>
-            <a:endParaRPr lang="ru-RU"/>
-          </a:p>
-        </p:txBody>
-      </p:sp>
-      <p:sp>
-        <p:nvSpPr>
-          <p:cNvPr id="21" name="Rectangle 2">
-            <a:extLst>
-              <a:ext uri="{FF2B5EF4-FFF2-40B4-BE49-F238E27FC236}">
-                <a16:creationId xmlns:a16="http://schemas.microsoft.com/office/drawing/2014/main" id="{6829A5A5-29A5-42D8-937D-4BFC347AE916}"/>
-              </a:ext>
-            </a:extLst>
-          </p:cNvPr>
-          <p:cNvSpPr>
-            <a:spLocks noChangeArrowheads="1"/>
-          </p:cNvSpPr>
-          <p:nvPr/>
-        </p:nvSpPr>
-        <p:spPr bwMode="auto">
-          <a:xfrm>
-            <a:off x="1945290" y="223013"/>
-            <a:ext cx="10137601" cy="691208"/>
-          </a:xfrm>
-          <a:prstGeom prst="rect">
-            <a:avLst/>
-          </a:prstGeom>
-          <a:solidFill>
-            <a:schemeClr val="bg1">
-              <a:alpha val="45097"/>
-            </a:schemeClr>
-          </a:solidFill>
-          <a:ln>
-            <a:noFill/>
-          </a:ln>
-          <a:extLst>
-            <a:ext uri="{91240B29-F687-4F45-9708-019B960494DF}">
-              <a14:hiddenLine xmlns:a14="http://schemas.microsoft.com/office/drawing/2010/main" w="9525">
-                <a:solidFill>
-                  <a:srgbClr val="000000"/>
-                </a:solidFill>
-                <a:miter lim="800000"/>
-                <a:headEnd/>
-                <a:tailEnd/>
-              </a14:hiddenLine>
-            </a:ext>
-          </a:extLst>
-        </p:spPr>
-        <p:txBody>
-          <a:bodyPr anchor="ctr"/>
-          <a:lstStyle>
-            <a:lvl1pPr>
-              <a:defRPr>
-                <a:solidFill>
-                  <a:schemeClr val="tx1"/>
-                </a:solidFill>
-                <a:latin typeface="Arial" panose="020B0604020202020204" pitchFamily="34" charset="0"/>
-                <a:cs typeface="Arial" panose="020B0604020202020204" pitchFamily="34" charset="0"/>
-              </a:defRPr>
-            </a:lvl1pPr>
-            <a:lvl2pPr marL="742950" indent="-285750">
-              <a:defRPr>
-                <a:solidFill>
-                  <a:schemeClr val="tx1"/>
-                </a:solidFill>
-                <a:latin typeface="Arial" panose="020B0604020202020204" pitchFamily="34" charset="0"/>
-                <a:cs typeface="Arial" panose="020B0604020202020204" pitchFamily="34" charset="0"/>
-              </a:defRPr>
-            </a:lvl2pPr>
-            <a:lvl3pPr marL="1143000" indent="-228600">
-              <a:defRPr>
-                <a:solidFill>
-                  <a:schemeClr val="tx1"/>
-                </a:solidFill>
-                <a:latin typeface="Arial" panose="020B0604020202020204" pitchFamily="34" charset="0"/>
-                <a:cs typeface="Arial" panose="020B0604020202020204" pitchFamily="34" charset="0"/>
-              </a:defRPr>
-            </a:lvl3pPr>
-            <a:lvl4pPr marL="1600200" indent="-228600">
-              <a:defRPr>
-                <a:solidFill>
-                  <a:schemeClr val="tx1"/>
-                </a:solidFill>
-                <a:latin typeface="Arial" panose="020B0604020202020204" pitchFamily="34" charset="0"/>
-                <a:cs typeface="Arial" panose="020B0604020202020204" pitchFamily="34" charset="0"/>
-              </a:defRPr>
-            </a:lvl4pPr>
-            <a:lvl5pPr marL="2057400" indent="-228600">
-              <a:defRPr>
-                <a:solidFill>
-                  <a:schemeClr val="tx1"/>
-                </a:solidFill>
-                <a:latin typeface="Arial" panose="020B0604020202020204" pitchFamily="34" charset="0"/>
-                <a:cs typeface="Arial" panose="020B0604020202020204" pitchFamily="34" charset="0"/>
-              </a:defRPr>
-            </a:lvl5pPr>
-            <a:lvl6pPr marL="2514600" indent="-228600" eaLnBrk="0" fontAlgn="base" hangingPunct="0">
-              <a:spcBef>
-                <a:spcPct val="0"/>
-              </a:spcBef>
-              <a:spcAft>
-                <a:spcPct val="0"/>
-              </a:spcAft>
-              <a:defRPr>
-                <a:solidFill>
-                  <a:schemeClr val="tx1"/>
-                </a:solidFill>
-                <a:latin typeface="Arial" panose="020B0604020202020204" pitchFamily="34" charset="0"/>
-                <a:cs typeface="Arial" panose="020B0604020202020204" pitchFamily="34" charset="0"/>
-              </a:defRPr>
-            </a:lvl6pPr>
-            <a:lvl7pPr marL="2971800" indent="-228600" eaLnBrk="0" fontAlgn="base" hangingPunct="0">
-              <a:spcBef>
-                <a:spcPct val="0"/>
-              </a:spcBef>
-              <a:spcAft>
-                <a:spcPct val="0"/>
-              </a:spcAft>
-              <a:defRPr>
-                <a:solidFill>
-                  <a:schemeClr val="tx1"/>
-                </a:solidFill>
-                <a:latin typeface="Arial" panose="020B0604020202020204" pitchFamily="34" charset="0"/>
-                <a:cs typeface="Arial" panose="020B0604020202020204" pitchFamily="34" charset="0"/>
-              </a:defRPr>
-            </a:lvl7pPr>
-            <a:lvl8pPr marL="3429000" indent="-228600" eaLnBrk="0" fontAlgn="base" hangingPunct="0">
-              <a:spcBef>
-                <a:spcPct val="0"/>
-              </a:spcBef>
-              <a:spcAft>
-                <a:spcPct val="0"/>
-              </a:spcAft>
-              <a:defRPr>
-                <a:solidFill>
-                  <a:schemeClr val="tx1"/>
-                </a:solidFill>
-                <a:latin typeface="Arial" panose="020B0604020202020204" pitchFamily="34" charset="0"/>
-                <a:cs typeface="Arial" panose="020B0604020202020204" pitchFamily="34" charset="0"/>
-              </a:defRPr>
-            </a:lvl8pPr>
-            <a:lvl9pPr marL="3886200" indent="-228600" eaLnBrk="0" fontAlgn="base" hangingPunct="0">
-              <a:spcBef>
-                <a:spcPct val="0"/>
-              </a:spcBef>
-              <a:spcAft>
-                <a:spcPct val="0"/>
-              </a:spcAft>
-              <a:defRPr>
-                <a:solidFill>
-                  <a:schemeClr val="tx1"/>
-                </a:solidFill>
-                <a:latin typeface="Arial" panose="020B0604020202020204" pitchFamily="34" charset="0"/>
-                <a:cs typeface="Arial" panose="020B0604020202020204" pitchFamily="34" charset="0"/>
-              </a:defRPr>
-            </a:lvl9pPr>
-          </a:lstStyle>
-          <a:p>
-            <a:pPr algn="ctr"/>
-            <a:r>
-              <a:rPr lang="ru-RU" sz="2000" b="1" dirty="0">
-                <a:solidFill>
-                  <a:schemeClr val="tx2"/>
-                </a:solidFill>
-              </a:rPr>
-              <a:t>Разработка программного обеспечения для комплексной автоматизации библиотеки, включая учет кадров и финансовых операций</a:t>
-            </a:r>
-          </a:p>
-          <a:p>
-            <a:pPr algn="ctr" eaLnBrk="1" hangingPunct="1"/>
-            <a:endParaRPr lang="ru-RU" altLang="ru-RU" sz="2000" b="1" dirty="0">
-              <a:solidFill>
-                <a:schemeClr val="tx2"/>
-              </a:solidFill>
-            </a:endParaRPr>
-          </a:p>
-        </p:txBody>
-      </p:sp>
-      <p:sp>
-        <p:nvSpPr>
-          <p:cNvPr id="22" name="TextBox 21">
-            <a:extLst>
-              <a:ext uri="{FF2B5EF4-FFF2-40B4-BE49-F238E27FC236}">
-                <a16:creationId xmlns:a16="http://schemas.microsoft.com/office/drawing/2014/main" id="{73B734D1-84FB-445F-AEA3-6A992B667726}"/>
-              </a:ext>
-            </a:extLst>
-          </p:cNvPr>
-          <p:cNvSpPr txBox="1"/>
-          <p:nvPr/>
-        </p:nvSpPr>
-        <p:spPr>
-          <a:xfrm>
-            <a:off x="3777215" y="914221"/>
-            <a:ext cx="7320516" cy="838691"/>
-          </a:xfrm>
-          <a:prstGeom prst="rect">
-            <a:avLst/>
-          </a:prstGeom>
-          <a:noFill/>
-        </p:spPr>
-        <p:txBody>
-          <a:bodyPr wrap="square">
-            <a:spAutoFit/>
-          </a:bodyPr>
-          <a:lstStyle/>
-          <a:p>
-            <a:r>
-              <a:rPr lang="ru-RU" sz="4850" b="1" dirty="0">
-                <a:solidFill>
-                  <a:srgbClr val="3B4540"/>
-                </a:solidFill>
-              </a:rPr>
-              <a:t>Функции программы</a:t>
-            </a:r>
-          </a:p>
-        </p:txBody>
-      </p:sp>
-      <p:sp>
-        <p:nvSpPr>
-          <p:cNvPr id="24" name="TextBox 23">
-            <a:extLst>
-              <a:ext uri="{FF2B5EF4-FFF2-40B4-BE49-F238E27FC236}">
-                <a16:creationId xmlns:a16="http://schemas.microsoft.com/office/drawing/2014/main" id="{01599D06-8A22-4088-B764-DFC7C5C3E9C1}"/>
-              </a:ext>
-            </a:extLst>
-          </p:cNvPr>
-          <p:cNvSpPr txBox="1"/>
-          <p:nvPr/>
-        </p:nvSpPr>
-        <p:spPr>
-          <a:xfrm>
-            <a:off x="1190847" y="2019656"/>
-            <a:ext cx="12907925" cy="1846659"/>
-          </a:xfrm>
-          <a:prstGeom prst="rect">
-            <a:avLst/>
-          </a:prstGeom>
-          <a:noFill/>
-        </p:spPr>
-        <p:txBody>
-          <a:bodyPr wrap="square">
-            <a:spAutoFit/>
-          </a:bodyPr>
-          <a:lstStyle/>
-          <a:p>
-            <a:pPr algn="l">
-              <a:buFont typeface="Arial" panose="020B0604020202020204" pitchFamily="34" charset="0"/>
-              <a:buChar char="•"/>
-            </a:pPr>
-            <a:r>
-              <a:rPr lang="ru-RU" sz="1900" dirty="0">
-                <a:solidFill>
-                  <a:srgbClr val="405449"/>
-                </a:solidFill>
-                <a:latin typeface="Nobile" pitchFamily="34" charset="0"/>
-              </a:rPr>
-              <a:t>Учет библиотечного фонда (добавление, редактирование, поиск, списание, инвентаризация).</a:t>
-            </a:r>
-          </a:p>
-          <a:p>
-            <a:pPr algn="l">
-              <a:buFont typeface="Arial" panose="020B0604020202020204" pitchFamily="34" charset="0"/>
-              <a:buChar char="•"/>
-            </a:pPr>
-            <a:r>
-              <a:rPr lang="ru-RU" sz="1900" dirty="0">
-                <a:solidFill>
-                  <a:srgbClr val="405449"/>
-                </a:solidFill>
-                <a:latin typeface="Nobile" pitchFamily="34" charset="0"/>
-              </a:rPr>
-              <a:t>Обслуживание читателей (регистрация, выдача/возврат, продление, задолженности).</a:t>
-            </a:r>
-          </a:p>
-          <a:p>
-            <a:pPr algn="l">
-              <a:buFont typeface="Arial" panose="020B0604020202020204" pitchFamily="34" charset="0"/>
-              <a:buChar char="•"/>
-            </a:pPr>
-            <a:r>
-              <a:rPr lang="ru-RU" sz="1900" dirty="0">
-                <a:solidFill>
-                  <a:srgbClr val="405449"/>
-                </a:solidFill>
-                <a:latin typeface="Nobile" pitchFamily="34" charset="0"/>
-              </a:rPr>
-              <a:t>Управление персоналом (учет, зарплата, рабочее время).</a:t>
-            </a:r>
-          </a:p>
-          <a:p>
-            <a:pPr algn="l">
-              <a:buFont typeface="Arial" panose="020B0604020202020204" pitchFamily="34" charset="0"/>
-              <a:buChar char="•"/>
-            </a:pPr>
-            <a:r>
-              <a:rPr lang="ru-RU" sz="1900" dirty="0">
-                <a:solidFill>
-                  <a:srgbClr val="405449"/>
-                </a:solidFill>
-                <a:latin typeface="Nobile" pitchFamily="34" charset="0"/>
-              </a:rPr>
-              <a:t>Финансовые операции (доходы/расходы, бюджет, отчетность).</a:t>
-            </a:r>
-          </a:p>
-          <a:p>
-            <a:pPr algn="l">
-              <a:buFont typeface="Arial" panose="020B0604020202020204" pitchFamily="34" charset="0"/>
-              <a:buChar char="•"/>
-            </a:pPr>
-            <a:r>
-              <a:rPr lang="ru-RU" sz="1900" dirty="0">
-                <a:solidFill>
-                  <a:srgbClr val="405449"/>
-                </a:solidFill>
-                <a:latin typeface="Nobile" pitchFamily="34" charset="0"/>
-              </a:rPr>
-              <a:t>Формирование отчетов (фонд, читатели, кадры, финансы).</a:t>
-            </a:r>
-          </a:p>
-          <a:p>
-            <a:pPr algn="l">
-              <a:buFont typeface="Arial" panose="020B0604020202020204" pitchFamily="34" charset="0"/>
-              <a:buChar char="•"/>
-            </a:pPr>
-            <a:r>
-              <a:rPr lang="ru-RU" sz="1900" dirty="0">
-                <a:solidFill>
-                  <a:srgbClr val="405449"/>
-                </a:solidFill>
-                <a:latin typeface="Nobile" pitchFamily="34" charset="0"/>
-              </a:rPr>
-              <a:t>Система разграничения прав доступа.</a:t>
-            </a:r>
-          </a:p>
-        </p:txBody>
-      </p:sp>
     </p:spTree>
   </p:cSld>
   <p:clrMapOvr>
@@ -3954,7 +6356,7 @@
 
 <file path=ppt/slides/slide5.xml><?xml version="1.0" encoding="utf-8"?>
 <p:sld xmlns:a="http://schemas.openxmlformats.org/drawingml/2006/main" xmlns:r="http://schemas.openxmlformats.org/officeDocument/2006/relationships" xmlns:p="http://schemas.openxmlformats.org/presentationml/2006/main">
-  <p:cSld name="Slide 7">
+  <p:cSld name="Slide 5">
     <p:spTree>
       <p:nvGrpSpPr>
         <p:cNvPr id="1" name=""/>
@@ -3985,8 +6387,8 @@
         </p:blipFill>
         <p:spPr>
           <a:xfrm>
-            <a:off x="0" y="0"/>
-            <a:ext cx="14630400" cy="3086100"/>
+            <a:off x="11430" y="1701045"/>
+            <a:ext cx="14630400" cy="2262188"/>
           </a:xfrm>
           <a:prstGeom prst="rect">
             <a:avLst/>
@@ -3995,14 +6397,85 @@
       </p:pic>
       <p:sp>
         <p:nvSpPr>
-          <p:cNvPr id="4" name="Text 0"/>
-          <p:cNvSpPr/>
-          <p:nvPr/>
-        </p:nvSpPr>
-        <p:spPr>
-          <a:xfrm>
-            <a:off x="864037" y="4011930"/>
-            <a:ext cx="6909673" cy="771525"/>
+          <p:cNvPr id="4" name="Shape 1"/>
+          <p:cNvSpPr/>
+          <p:nvPr/>
+        </p:nvSpPr>
+        <p:spPr>
+          <a:xfrm>
+            <a:off x="633412" y="6091952"/>
+            <a:ext cx="13363575" cy="22860"/>
+          </a:xfrm>
+          <a:prstGeom prst="roundRect">
+            <a:avLst>
+              <a:gd name="adj" fmla="val 332505"/>
+            </a:avLst>
+          </a:prstGeom>
+          <a:solidFill>
+            <a:srgbClr val="B8C3DF"/>
+          </a:solidFill>
+          <a:ln/>
+        </p:spPr>
+      </p:sp>
+      <p:sp>
+        <p:nvSpPr>
+          <p:cNvPr id="5" name="Shape 2"/>
+          <p:cNvSpPr/>
+          <p:nvPr/>
+        </p:nvSpPr>
+        <p:spPr>
+          <a:xfrm>
+            <a:off x="3917633" y="5458539"/>
+            <a:ext cx="22860" cy="633413"/>
+          </a:xfrm>
+          <a:prstGeom prst="roundRect">
+            <a:avLst>
+              <a:gd name="adj" fmla="val 332505"/>
+            </a:avLst>
+          </a:prstGeom>
+          <a:solidFill>
+            <a:srgbClr val="B8C3DF"/>
+          </a:solidFill>
+          <a:ln/>
+        </p:spPr>
+      </p:sp>
+      <p:sp>
+        <p:nvSpPr>
+          <p:cNvPr id="6" name="Shape 3"/>
+          <p:cNvSpPr/>
+          <p:nvPr/>
+        </p:nvSpPr>
+        <p:spPr>
+          <a:xfrm>
+            <a:off x="3725466" y="5888355"/>
+            <a:ext cx="407194" cy="407194"/>
+          </a:xfrm>
+          <a:prstGeom prst="roundRect">
+            <a:avLst>
+              <a:gd name="adj" fmla="val 18667"/>
+            </a:avLst>
+          </a:prstGeom>
+          <a:solidFill>
+            <a:srgbClr val="D2DDF9"/>
+          </a:solidFill>
+          <a:ln w="7620">
+            <a:solidFill>
+              <a:srgbClr val="B8C3DF"/>
+            </a:solidFill>
+            <a:prstDash val="solid"/>
+          </a:ln>
+        </p:spPr>
+      </p:sp>
+      <p:sp>
+        <p:nvSpPr>
+          <p:cNvPr id="7" name="Text 4"/>
+          <p:cNvSpPr/>
+          <p:nvPr/>
+        </p:nvSpPr>
+        <p:spPr>
+          <a:xfrm>
+            <a:off x="3878104" y="5956221"/>
+            <a:ext cx="101798" cy="271463"/>
           </a:xfrm>
           <a:prstGeom prst="rect">
             <a:avLst/>
@@ -4014,86 +6487,37 @@
           <a:bodyPr wrap="none" lIns="0" tIns="0" rIns="0" bIns="0" rtlCol="0" anchor="t"/>
           <a:lstStyle/>
           <a:p>
-            <a:pPr marL="0" indent="0">
+            <a:pPr marL="0" indent="0" algn="ctr">
               <a:lnSpc>
-                <a:spcPts val="6050"/>
+                <a:spcPts val="2100"/>
               </a:lnSpc>
               <a:buNone/>
             </a:pPr>
             <a:r>
-              <a:rPr lang="en-US" sz="4850" b="1" dirty="0">
-                <a:solidFill>
-                  <a:srgbClr val="3B4540"/>
-                </a:solidFill>
-                <a:latin typeface="Fraunces Extra Bold" pitchFamily="34" charset="0"/>
-                <a:ea typeface="Fraunces Extra Bold" pitchFamily="34" charset="-122"/>
-                <a:cs typeface="Fraunces Extra Bold" pitchFamily="34" charset="-120"/>
+              <a:rPr lang="en-US" sz="2100" dirty="0">
+                <a:solidFill>
+                  <a:srgbClr val="404155"/>
+                </a:solidFill>
+                <a:latin typeface="Alexandria" pitchFamily="34" charset="0"/>
+                <a:ea typeface="Alexandria" pitchFamily="34" charset="-122"/>
+                <a:cs typeface="Alexandria" pitchFamily="34" charset="-120"/>
               </a:rPr>
-              <a:t>Средства разработки</a:t>
+              <a:t>1</a:t>
             </a:r>
-            <a:endParaRPr lang="en-US" sz="4850" dirty="0"/>
-          </a:p>
-        </p:txBody>
-      </p:sp>
-      <p:sp>
-        <p:nvSpPr>
-          <p:cNvPr id="5" name="Shape 1"/>
-          <p:cNvSpPr/>
-          <p:nvPr/>
-        </p:nvSpPr>
-        <p:spPr>
-          <a:xfrm>
-            <a:off x="864037" y="5153739"/>
-            <a:ext cx="12902327" cy="2150031"/>
-          </a:xfrm>
-          <a:prstGeom prst="roundRect">
-            <a:avLst>
-              <a:gd name="adj" fmla="val 10335"/>
-            </a:avLst>
-          </a:prstGeom>
-          <a:noFill/>
-          <a:ln w="15240">
-            <a:solidFill>
-              <a:srgbClr val="000000">
-                <a:alpha val="8000"/>
-              </a:srgbClr>
-            </a:solidFill>
-            <a:prstDash val="solid"/>
-          </a:ln>
-        </p:spPr>
-      </p:sp>
-      <p:sp>
-        <p:nvSpPr>
-          <p:cNvPr id="6" name="Shape 2"/>
-          <p:cNvSpPr/>
-          <p:nvPr/>
-        </p:nvSpPr>
-        <p:spPr>
-          <a:xfrm>
-            <a:off x="864036" y="5168979"/>
-            <a:ext cx="12871847" cy="706517"/>
-          </a:xfrm>
-          <a:prstGeom prst="rect">
-            <a:avLst/>
-          </a:prstGeom>
-          <a:solidFill>
-            <a:srgbClr val="FFFFFF">
-              <a:alpha val="4000"/>
-            </a:srgbClr>
-          </a:solidFill>
-          <a:ln/>
-        </p:spPr>
-      </p:sp>
-      <p:sp>
-        <p:nvSpPr>
-          <p:cNvPr id="7" name="Text 3"/>
-          <p:cNvSpPr/>
-          <p:nvPr/>
-        </p:nvSpPr>
-        <p:spPr>
-          <a:xfrm>
-            <a:off x="1126093" y="5324713"/>
-            <a:ext cx="5938480" cy="395049"/>
+            <a:endParaRPr lang="en-US" sz="2100" dirty="0"/>
+          </a:p>
+        </p:txBody>
+      </p:sp>
+      <p:sp>
+        <p:nvSpPr>
+          <p:cNvPr id="8" name="Text 5"/>
+          <p:cNvSpPr/>
+          <p:nvPr/>
+        </p:nvSpPr>
+        <p:spPr>
+          <a:xfrm>
+            <a:off x="2797969" y="4307086"/>
+            <a:ext cx="2262188" cy="282773"/>
           </a:xfrm>
           <a:prstGeom prst="rect">
             <a:avLst/>
@@ -4105,37 +6529,128 @@
           <a:bodyPr wrap="none" lIns="0" tIns="0" rIns="0" bIns="0" rtlCol="0" anchor="t"/>
           <a:lstStyle/>
           <a:p>
-            <a:pPr marL="0" indent="0">
+            <a:pPr marL="0" indent="0" algn="ctr">
               <a:lnSpc>
-                <a:spcPts val="3100"/>
+                <a:spcPts val="2200"/>
               </a:lnSpc>
               <a:buNone/>
             </a:pPr>
             <a:r>
-              <a:rPr lang="en-US" sz="1900" dirty="0">
-                <a:solidFill>
-                  <a:srgbClr val="405449"/>
+              <a:rPr lang="en-US" sz="1750" dirty="0">
+                <a:solidFill>
+                  <a:srgbClr val="404155"/>
+                </a:solidFill>
+                <a:latin typeface="Alexandria" pitchFamily="34" charset="0"/>
+                <a:ea typeface="Alexandria" pitchFamily="34" charset="-122"/>
+                <a:cs typeface="Alexandria" pitchFamily="34" charset="-120"/>
+              </a:rPr>
+              <a:t>Выдача книг</a:t>
+            </a:r>
+            <a:endParaRPr lang="en-US" sz="1750" dirty="0"/>
+          </a:p>
+        </p:txBody>
+      </p:sp>
+      <p:sp>
+        <p:nvSpPr>
+          <p:cNvPr id="9" name="Text 6"/>
+          <p:cNvSpPr/>
+          <p:nvPr/>
+        </p:nvSpPr>
+        <p:spPr>
+          <a:xfrm>
+            <a:off x="814388" y="4698444"/>
+            <a:ext cx="6229350" cy="579120"/>
+          </a:xfrm>
+          <a:prstGeom prst="rect">
+            <a:avLst/>
+          </a:prstGeom>
+          <a:noFill/>
+          <a:ln/>
+        </p:spPr>
+        <p:txBody>
+          <a:bodyPr wrap="square" lIns="0" tIns="0" rIns="0" bIns="0" rtlCol="0" anchor="t"/>
+          <a:lstStyle/>
+          <a:p>
+            <a:pPr marL="0" indent="0" algn="ctr">
+              <a:lnSpc>
+                <a:spcPts val="2250"/>
+              </a:lnSpc>
+              <a:buNone/>
+            </a:pPr>
+            <a:r>
+              <a:rPr lang="en-US" sz="1400" dirty="0">
+                <a:solidFill>
+                  <a:srgbClr val="404155"/>
                 </a:solidFill>
                 <a:latin typeface="Nobile" pitchFamily="34" charset="0"/>
                 <a:ea typeface="Nobile" pitchFamily="34" charset="-122"/>
                 <a:cs typeface="Nobile" pitchFamily="34" charset="-120"/>
               </a:rPr>
-              <a:t>Платформа</a:t>
+              <a:t>Регистрация читателя, книги, количества, даты выдачи. Расчетная дата возврата.</a:t>
             </a:r>
-            <a:endParaRPr lang="en-US" sz="1900" dirty="0"/>
-          </a:p>
-        </p:txBody>
-      </p:sp>
-      <p:sp>
-        <p:nvSpPr>
-          <p:cNvPr id="8" name="Text 4"/>
-          <p:cNvSpPr/>
-          <p:nvPr/>
-        </p:nvSpPr>
-        <p:spPr>
-          <a:xfrm>
-            <a:off x="7565827" y="5324713"/>
-            <a:ext cx="5938480" cy="395049"/>
+            <a:endParaRPr lang="en-US" sz="1400" dirty="0"/>
+          </a:p>
+        </p:txBody>
+      </p:sp>
+      <p:sp>
+        <p:nvSpPr>
+          <p:cNvPr id="10" name="Shape 7"/>
+          <p:cNvSpPr/>
+          <p:nvPr/>
+        </p:nvSpPr>
+        <p:spPr>
+          <a:xfrm>
+            <a:off x="7303770" y="6091952"/>
+            <a:ext cx="22860" cy="633413"/>
+          </a:xfrm>
+          <a:prstGeom prst="roundRect">
+            <a:avLst>
+              <a:gd name="adj" fmla="val 332505"/>
+            </a:avLst>
+          </a:prstGeom>
+          <a:solidFill>
+            <a:srgbClr val="B8C3DF"/>
+          </a:solidFill>
+          <a:ln/>
+        </p:spPr>
+      </p:sp>
+      <p:sp>
+        <p:nvSpPr>
+          <p:cNvPr id="11" name="Shape 8"/>
+          <p:cNvSpPr/>
+          <p:nvPr/>
+        </p:nvSpPr>
+        <p:spPr>
+          <a:xfrm>
+            <a:off x="7111603" y="5888355"/>
+            <a:ext cx="407194" cy="407194"/>
+          </a:xfrm>
+          <a:prstGeom prst="roundRect">
+            <a:avLst>
+              <a:gd name="adj" fmla="val 18667"/>
+            </a:avLst>
+          </a:prstGeom>
+          <a:solidFill>
+            <a:srgbClr val="D2DDF9"/>
+          </a:solidFill>
+          <a:ln w="7620">
+            <a:solidFill>
+              <a:srgbClr val="B8C3DF"/>
+            </a:solidFill>
+            <a:prstDash val="solid"/>
+          </a:ln>
+        </p:spPr>
+      </p:sp>
+      <p:sp>
+        <p:nvSpPr>
+          <p:cNvPr id="12" name="Text 9"/>
+          <p:cNvSpPr/>
+          <p:nvPr/>
+        </p:nvSpPr>
+        <p:spPr>
+          <a:xfrm>
+            <a:off x="7235785" y="5956221"/>
+            <a:ext cx="158829" cy="271463"/>
           </a:xfrm>
           <a:prstGeom prst="rect">
             <a:avLst/>
@@ -4147,59 +6662,170 @@
           <a:bodyPr wrap="none" lIns="0" tIns="0" rIns="0" bIns="0" rtlCol="0" anchor="t"/>
           <a:lstStyle/>
           <a:p>
-            <a:pPr marL="0" indent="0">
+            <a:pPr marL="0" indent="0" algn="ctr">
               <a:lnSpc>
-                <a:spcPts val="3100"/>
+                <a:spcPts val="2100"/>
               </a:lnSpc>
               <a:buNone/>
             </a:pPr>
             <a:r>
-              <a:rPr lang="en-US" sz="1900" dirty="0">
-                <a:solidFill>
-                  <a:srgbClr val="405449"/>
+              <a:rPr lang="en-US" sz="2100" dirty="0">
+                <a:solidFill>
+                  <a:srgbClr val="404155"/>
+                </a:solidFill>
+                <a:latin typeface="Alexandria" pitchFamily="34" charset="0"/>
+                <a:ea typeface="Alexandria" pitchFamily="34" charset="-122"/>
+                <a:cs typeface="Alexandria" pitchFamily="34" charset="-120"/>
+              </a:rPr>
+              <a:t>2</a:t>
+            </a:r>
+            <a:endParaRPr lang="en-US" sz="2100" dirty="0"/>
+          </a:p>
+        </p:txBody>
+      </p:sp>
+      <p:sp>
+        <p:nvSpPr>
+          <p:cNvPr id="13" name="Text 10"/>
+          <p:cNvSpPr/>
+          <p:nvPr/>
+        </p:nvSpPr>
+        <p:spPr>
+          <a:xfrm>
+            <a:off x="6184106" y="6906339"/>
+            <a:ext cx="2262188" cy="282773"/>
+          </a:xfrm>
+          <a:prstGeom prst="rect">
+            <a:avLst/>
+          </a:prstGeom>
+          <a:noFill/>
+          <a:ln/>
+        </p:spPr>
+        <p:txBody>
+          <a:bodyPr wrap="none" lIns="0" tIns="0" rIns="0" bIns="0" rtlCol="0" anchor="t"/>
+          <a:lstStyle/>
+          <a:p>
+            <a:pPr marL="0" indent="0" algn="ctr">
+              <a:lnSpc>
+                <a:spcPts val="2200"/>
+              </a:lnSpc>
+              <a:buNone/>
+            </a:pPr>
+            <a:r>
+              <a:rPr lang="en-US" sz="1750" dirty="0">
+                <a:solidFill>
+                  <a:srgbClr val="404155"/>
+                </a:solidFill>
+                <a:latin typeface="Alexandria" pitchFamily="34" charset="0"/>
+                <a:ea typeface="Alexandria" pitchFamily="34" charset="-122"/>
+                <a:cs typeface="Alexandria" pitchFamily="34" charset="-120"/>
+              </a:rPr>
+              <a:t>Возврат книг</a:t>
+            </a:r>
+            <a:endParaRPr lang="en-US" sz="1750" dirty="0"/>
+          </a:p>
+        </p:txBody>
+      </p:sp>
+      <p:sp>
+        <p:nvSpPr>
+          <p:cNvPr id="14" name="Text 11"/>
+          <p:cNvSpPr/>
+          <p:nvPr/>
+        </p:nvSpPr>
+        <p:spPr>
+          <a:xfrm>
+            <a:off x="4200525" y="7297698"/>
+            <a:ext cx="6229350" cy="289560"/>
+          </a:xfrm>
+          <a:prstGeom prst="rect">
+            <a:avLst/>
+          </a:prstGeom>
+          <a:noFill/>
+          <a:ln/>
+        </p:spPr>
+        <p:txBody>
+          <a:bodyPr wrap="none" lIns="0" tIns="0" rIns="0" bIns="0" rtlCol="0" anchor="t"/>
+          <a:lstStyle/>
+          <a:p>
+            <a:pPr marL="0" indent="0" algn="ctr">
+              <a:lnSpc>
+                <a:spcPts val="2250"/>
+              </a:lnSpc>
+              <a:buNone/>
+            </a:pPr>
+            <a:r>
+              <a:rPr lang="en-US" sz="1400" dirty="0">
+                <a:solidFill>
+                  <a:srgbClr val="404155"/>
                 </a:solidFill>
                 <a:latin typeface="Nobile" pitchFamily="34" charset="0"/>
                 <a:ea typeface="Nobile" pitchFamily="34" charset="-122"/>
                 <a:cs typeface="Nobile" pitchFamily="34" charset="-120"/>
               </a:rPr>
-              <a:t>1С:Предприятие 8.3</a:t>
+              <a:t>Фиксация фактической даты возврата, оценка состояния книги.</a:t>
             </a:r>
-            <a:endParaRPr lang="en-US" sz="1900" dirty="0"/>
-          </a:p>
-        </p:txBody>
-      </p:sp>
-      <p:sp>
-        <p:nvSpPr>
-          <p:cNvPr id="9" name="Shape 5"/>
-          <p:cNvSpPr/>
-          <p:nvPr/>
-        </p:nvSpPr>
-        <p:spPr>
-          <a:xfrm>
-            <a:off x="879277" y="5875496"/>
-            <a:ext cx="12871847" cy="706517"/>
-          </a:xfrm>
-          <a:prstGeom prst="rect">
-            <a:avLst/>
+            <a:endParaRPr lang="en-US" sz="1400" dirty="0"/>
+          </a:p>
+        </p:txBody>
+      </p:sp>
+      <p:sp>
+        <p:nvSpPr>
+          <p:cNvPr id="15" name="Shape 12"/>
+          <p:cNvSpPr/>
+          <p:nvPr/>
+        </p:nvSpPr>
+        <p:spPr>
+          <a:xfrm>
+            <a:off x="10689908" y="5458539"/>
+            <a:ext cx="22860" cy="633413"/>
+          </a:xfrm>
+          <a:prstGeom prst="roundRect">
+            <a:avLst>
+              <a:gd name="adj" fmla="val 332505"/>
+            </a:avLst>
           </a:prstGeom>
           <a:solidFill>
-            <a:srgbClr val="000000">
-              <a:alpha val="4000"/>
-            </a:srgbClr>
+            <a:srgbClr val="B8C3DF"/>
           </a:solidFill>
           <a:ln/>
         </p:spPr>
       </p:sp>
       <p:sp>
         <p:nvSpPr>
-          <p:cNvPr id="10" name="Text 6"/>
-          <p:cNvSpPr/>
-          <p:nvPr/>
-        </p:nvSpPr>
-        <p:spPr>
-          <a:xfrm>
-            <a:off x="1126093" y="6031230"/>
-            <a:ext cx="5938480" cy="395049"/>
+          <p:cNvPr id="16" name="Shape 13"/>
+          <p:cNvSpPr/>
+          <p:nvPr/>
+        </p:nvSpPr>
+        <p:spPr>
+          <a:xfrm>
+            <a:off x="10497741" y="5888355"/>
+            <a:ext cx="407194" cy="407194"/>
+          </a:xfrm>
+          <a:prstGeom prst="roundRect">
+            <a:avLst>
+              <a:gd name="adj" fmla="val 18667"/>
+            </a:avLst>
+          </a:prstGeom>
+          <a:solidFill>
+            <a:srgbClr val="D2DDF9"/>
+          </a:solidFill>
+          <a:ln w="7620">
+            <a:solidFill>
+              <a:srgbClr val="B8C3DF"/>
+            </a:solidFill>
+            <a:prstDash val="solid"/>
+          </a:ln>
+        </p:spPr>
+      </p:sp>
+      <p:sp>
+        <p:nvSpPr>
+          <p:cNvPr id="17" name="Text 14"/>
+          <p:cNvSpPr/>
+          <p:nvPr/>
+        </p:nvSpPr>
+        <p:spPr>
+          <a:xfrm>
+            <a:off x="10621328" y="5956221"/>
+            <a:ext cx="159901" cy="271463"/>
           </a:xfrm>
           <a:prstGeom prst="rect">
             <a:avLst/>
@@ -4211,37 +6837,127 @@
           <a:bodyPr wrap="none" lIns="0" tIns="0" rIns="0" bIns="0" rtlCol="0" anchor="t"/>
           <a:lstStyle/>
           <a:p>
-            <a:pPr marL="0" indent="0">
+            <a:pPr marL="0" indent="0" algn="ctr">
               <a:lnSpc>
-                <a:spcPts val="3100"/>
+                <a:spcPts val="2100"/>
               </a:lnSpc>
               <a:buNone/>
             </a:pPr>
             <a:r>
-              <a:rPr lang="en-US" sz="1900" dirty="0">
-                <a:solidFill>
-                  <a:srgbClr val="405449"/>
+              <a:rPr lang="en-US" sz="2100" dirty="0">
+                <a:solidFill>
+                  <a:srgbClr val="404155"/>
+                </a:solidFill>
+                <a:latin typeface="Alexandria" pitchFamily="34" charset="0"/>
+                <a:ea typeface="Alexandria" pitchFamily="34" charset="-122"/>
+                <a:cs typeface="Alexandria" pitchFamily="34" charset="-120"/>
+              </a:rPr>
+              <a:t>3</a:t>
+            </a:r>
+            <a:endParaRPr lang="en-US" sz="2100" dirty="0"/>
+          </a:p>
+        </p:txBody>
+      </p:sp>
+      <p:sp>
+        <p:nvSpPr>
+          <p:cNvPr id="18" name="Text 15"/>
+          <p:cNvSpPr/>
+          <p:nvPr/>
+        </p:nvSpPr>
+        <p:spPr>
+          <a:xfrm>
+            <a:off x="9570244" y="4596646"/>
+            <a:ext cx="2262188" cy="282773"/>
+          </a:xfrm>
+          <a:prstGeom prst="rect">
+            <a:avLst/>
+          </a:prstGeom>
+          <a:noFill/>
+          <a:ln/>
+        </p:spPr>
+        <p:txBody>
+          <a:bodyPr wrap="none" lIns="0" tIns="0" rIns="0" bIns="0" rtlCol="0" anchor="t"/>
+          <a:lstStyle/>
+          <a:p>
+            <a:pPr marL="0" indent="0" algn="ctr">
+              <a:lnSpc>
+                <a:spcPts val="2200"/>
+              </a:lnSpc>
+              <a:buNone/>
+            </a:pPr>
+            <a:r>
+              <a:rPr lang="en-US" sz="1750" dirty="0">
+                <a:solidFill>
+                  <a:srgbClr val="404155"/>
+                </a:solidFill>
+                <a:latin typeface="Alexandria" pitchFamily="34" charset="0"/>
+                <a:ea typeface="Alexandria" pitchFamily="34" charset="-122"/>
+                <a:cs typeface="Alexandria" pitchFamily="34" charset="-120"/>
+              </a:rPr>
+              <a:t>Продление книг</a:t>
+            </a:r>
+            <a:endParaRPr lang="en-US" sz="1750" dirty="0"/>
+          </a:p>
+        </p:txBody>
+      </p:sp>
+      <p:sp>
+        <p:nvSpPr>
+          <p:cNvPr id="19" name="Text 16"/>
+          <p:cNvSpPr/>
+          <p:nvPr/>
+        </p:nvSpPr>
+        <p:spPr>
+          <a:xfrm>
+            <a:off x="7586663" y="4988004"/>
+            <a:ext cx="6229350" cy="289560"/>
+          </a:xfrm>
+          <a:prstGeom prst="rect">
+            <a:avLst/>
+          </a:prstGeom>
+          <a:noFill/>
+          <a:ln/>
+        </p:spPr>
+        <p:txBody>
+          <a:bodyPr wrap="none" lIns="0" tIns="0" rIns="0" bIns="0" rtlCol="0" anchor="t"/>
+          <a:lstStyle/>
+          <a:p>
+            <a:pPr marL="0" indent="0" algn="ctr">
+              <a:lnSpc>
+                <a:spcPts val="2250"/>
+              </a:lnSpc>
+              <a:buNone/>
+            </a:pPr>
+            <a:r>
+              <a:rPr lang="en-US" sz="1400" dirty="0">
+                <a:solidFill>
+                  <a:srgbClr val="404155"/>
                 </a:solidFill>
                 <a:latin typeface="Nobile" pitchFamily="34" charset="0"/>
                 <a:ea typeface="Nobile" pitchFamily="34" charset="-122"/>
                 <a:cs typeface="Nobile" pitchFamily="34" charset="-120"/>
               </a:rPr>
-              <a:t>Язык программирования</a:t>
+              <a:t>Регистрация новой даты возврата.</a:t>
             </a:r>
-            <a:endParaRPr lang="en-US" sz="1900" dirty="0"/>
-          </a:p>
-        </p:txBody>
-      </p:sp>
-      <p:sp>
-        <p:nvSpPr>
-          <p:cNvPr id="11" name="Text 7"/>
-          <p:cNvSpPr/>
-          <p:nvPr/>
-        </p:nvSpPr>
-        <p:spPr>
-          <a:xfrm>
-            <a:off x="7565827" y="6031230"/>
-            <a:ext cx="5938480" cy="395049"/>
+            <a:endParaRPr lang="en-US" sz="1400" dirty="0"/>
+          </a:p>
+        </p:txBody>
+      </p:sp>
+      <p:sp>
+        <p:nvSpPr>
+          <p:cNvPr id="20" name="Text 0">
+            <a:extLst>
+              <a:ext uri="{FF2B5EF4-FFF2-40B4-BE49-F238E27FC236}">
+                <a16:creationId xmlns:a16="http://schemas.microsoft.com/office/drawing/2014/main" id="{98942653-9DC5-489E-87ED-E11C9438F4C1}"/>
+              </a:ext>
+            </a:extLst>
+          </p:cNvPr>
+          <p:cNvSpPr/>
+          <p:nvPr/>
+        </p:nvSpPr>
+        <p:spPr>
+          <a:xfrm>
+            <a:off x="0" y="169904"/>
+            <a:ext cx="14630400" cy="1025296"/>
           </a:xfrm>
           <a:prstGeom prst="rect">
             <a:avLst/>
@@ -4250,162 +6966,96 @@
           <a:ln/>
         </p:spPr>
         <p:txBody>
-          <a:bodyPr wrap="none" lIns="0" tIns="0" rIns="0" bIns="0" rtlCol="0" anchor="t"/>
-          <a:lstStyle/>
-          <a:p>
-            <a:pPr marL="0" indent="0">
+          <a:bodyPr wrap="square" lIns="0" tIns="0" rIns="0" bIns="0" rtlCol="0" anchor="t"/>
+          <a:lstStyle/>
+          <a:p>
+            <a:pPr marL="0" indent="0" algn="ctr">
               <a:lnSpc>
-                <a:spcPts val="3100"/>
+                <a:spcPts val="5050"/>
               </a:lnSpc>
               <a:buNone/>
             </a:pPr>
             <a:r>
-              <a:rPr lang="en-US" sz="1900" dirty="0">
-                <a:solidFill>
-                  <a:srgbClr val="405449"/>
-                </a:solidFill>
-                <a:latin typeface="Nobile" pitchFamily="34" charset="0"/>
-                <a:ea typeface="Nobile" pitchFamily="34" charset="-122"/>
-                <a:cs typeface="Nobile" pitchFamily="34" charset="-120"/>
+              <a:rPr lang="en-US" sz="2000" dirty="0">
+                <a:solidFill>
+                  <a:srgbClr val="1B1B27"/>
+                </a:solidFill>
+                <a:latin typeface="Alexandria" pitchFamily="34" charset="0"/>
+                <a:ea typeface="Alexandria" pitchFamily="34" charset="-122"/>
+                <a:cs typeface="Alexandria" pitchFamily="34" charset="-120"/>
               </a:rPr>
-              <a:t>1С</a:t>
+              <a:t>Разработка программного обеспечения для комплексной автоматизации библиотеки</a:t>
             </a:r>
-            <a:endParaRPr lang="en-US" sz="1900" dirty="0"/>
-          </a:p>
-        </p:txBody>
-      </p:sp>
-      <p:sp>
-        <p:nvSpPr>
-          <p:cNvPr id="12" name="Shape 8"/>
-          <p:cNvSpPr/>
-          <p:nvPr/>
-        </p:nvSpPr>
-        <p:spPr>
-          <a:xfrm>
-            <a:off x="879277" y="6582013"/>
-            <a:ext cx="12871847" cy="706517"/>
-          </a:xfrm>
-          <a:prstGeom prst="rect">
-            <a:avLst/>
-          </a:prstGeom>
-          <a:solidFill>
-            <a:srgbClr val="FFFFFF">
-              <a:alpha val="4000"/>
-            </a:srgbClr>
-          </a:solidFill>
-          <a:ln/>
-        </p:spPr>
-      </p:sp>
-      <p:sp>
-        <p:nvSpPr>
-          <p:cNvPr id="13" name="Text 9"/>
-          <p:cNvSpPr/>
-          <p:nvPr/>
-        </p:nvSpPr>
-        <p:spPr>
-          <a:xfrm>
-            <a:off x="1126093" y="6737747"/>
-            <a:ext cx="5938480" cy="395049"/>
-          </a:xfrm>
-          <a:prstGeom prst="rect">
-            <a:avLst/>
-          </a:prstGeom>
-          <a:noFill/>
-          <a:ln/>
-        </p:spPr>
-        <p:txBody>
-          <a:bodyPr wrap="none" lIns="0" tIns="0" rIns="0" bIns="0" rtlCol="0" anchor="t"/>
-          <a:lstStyle/>
-          <a:p>
-            <a:pPr marL="0" indent="0">
-              <a:lnSpc>
-                <a:spcPts val="3100"/>
-              </a:lnSpc>
-              <a:buNone/>
-            </a:pPr>
-            <a:r>
-              <a:rPr lang="en-US" sz="1900" dirty="0">
-                <a:solidFill>
-                  <a:srgbClr val="405449"/>
-                </a:solidFill>
-                <a:latin typeface="Nobile" pitchFamily="34" charset="0"/>
-                <a:ea typeface="Nobile" pitchFamily="34" charset="-122"/>
-                <a:cs typeface="Nobile" pitchFamily="34" charset="-120"/>
-              </a:rPr>
-              <a:t>Среда разработки</a:t>
-            </a:r>
-            <a:endParaRPr lang="en-US" sz="1900" dirty="0"/>
-          </a:p>
-        </p:txBody>
-      </p:sp>
-      <p:sp>
-        <p:nvSpPr>
-          <p:cNvPr id="14" name="Text 10"/>
-          <p:cNvSpPr/>
-          <p:nvPr/>
-        </p:nvSpPr>
-        <p:spPr>
-          <a:xfrm>
-            <a:off x="7565827" y="6737747"/>
-            <a:ext cx="5938480" cy="395049"/>
-          </a:xfrm>
-          <a:prstGeom prst="rect">
-            <a:avLst/>
-          </a:prstGeom>
-          <a:noFill/>
-          <a:ln/>
-        </p:spPr>
-        <p:txBody>
-          <a:bodyPr wrap="none" lIns="0" tIns="0" rIns="0" bIns="0" rtlCol="0" anchor="t"/>
-          <a:lstStyle/>
-          <a:p>
-            <a:pPr marL="0" indent="0">
-              <a:lnSpc>
-                <a:spcPts val="3100"/>
-              </a:lnSpc>
-              <a:buNone/>
-            </a:pPr>
-            <a:r>
-              <a:rPr lang="en-US" sz="1900" dirty="0">
-                <a:solidFill>
-                  <a:srgbClr val="405449"/>
-                </a:solidFill>
-                <a:latin typeface="Nobile" pitchFamily="34" charset="0"/>
-                <a:ea typeface="Nobile" pitchFamily="34" charset="-122"/>
-                <a:cs typeface="Nobile" pitchFamily="34" charset="-120"/>
-              </a:rPr>
-              <a:t>Конфигуратор 1С</a:t>
-            </a:r>
-            <a:endParaRPr lang="en-US" sz="1900" dirty="0"/>
-          </a:p>
-        </p:txBody>
-      </p:sp>
-      <p:sp>
-        <p:nvSpPr>
-          <p:cNvPr id="15" name="Прямоугольник 14">
+            <a:endParaRPr lang="en-US" sz="2000" dirty="0"/>
+          </a:p>
+        </p:txBody>
+      </p:sp>
+      <p:sp>
+        <p:nvSpPr>
+          <p:cNvPr id="21" name="TextBox 20">
             <a:extLst>
               <a:ext uri="{FF2B5EF4-FFF2-40B4-BE49-F238E27FC236}">
-                <a16:creationId xmlns:a16="http://schemas.microsoft.com/office/drawing/2014/main" id="{1885EB62-D17C-4622-B81A-D2EA3CB28445}"/>
+                <a16:creationId xmlns:a16="http://schemas.microsoft.com/office/drawing/2014/main" id="{8F7382D9-F507-4FA6-B787-4B5FD1458264}"/>
               </a:ext>
             </a:extLst>
           </p:cNvPr>
-          <p:cNvSpPr/>
-          <p:nvPr/>
-        </p:nvSpPr>
-        <p:spPr>
-          <a:xfrm>
-            <a:off x="12398400" y="7740000"/>
-            <a:ext cx="2232000" cy="489600"/>
+          <p:cNvSpPr txBox="1"/>
+          <p:nvPr/>
+        </p:nvSpPr>
+        <p:spPr>
+          <a:xfrm>
+            <a:off x="3979902" y="1232645"/>
+            <a:ext cx="7315200" cy="400110"/>
+          </a:xfrm>
+          <a:prstGeom prst="rect">
+            <a:avLst/>
+          </a:prstGeom>
+          <a:noFill/>
+        </p:spPr>
+        <p:txBody>
+          <a:bodyPr wrap="square">
+            <a:spAutoFit/>
+          </a:bodyPr>
+          <a:lstStyle/>
+          <a:p>
+            <a:r>
+              <a:rPr lang="ru-RU" sz="2000" dirty="0">
+                <a:solidFill>
+                  <a:srgbClr val="1B1B27"/>
+                </a:solidFill>
+                <a:cs typeface="Alexandria" pitchFamily="34" charset="-120"/>
+              </a:rPr>
+              <a:t>Анализ предметной области: Обслуживание читателей</a:t>
+            </a:r>
+          </a:p>
+        </p:txBody>
+      </p:sp>
+      <p:sp>
+        <p:nvSpPr>
+          <p:cNvPr id="22" name="Прямоугольник 21">
+            <a:extLst>
+              <a:ext uri="{FF2B5EF4-FFF2-40B4-BE49-F238E27FC236}">
+                <a16:creationId xmlns:a16="http://schemas.microsoft.com/office/drawing/2014/main" id="{23D885FF-99FA-4848-8E84-B957725F4099}"/>
+              </a:ext>
+            </a:extLst>
+          </p:cNvPr>
+          <p:cNvSpPr/>
+          <p:nvPr/>
+        </p:nvSpPr>
+        <p:spPr>
+          <a:xfrm>
+            <a:off x="12479731" y="7410298"/>
+            <a:ext cx="2150669" cy="819302"/>
           </a:xfrm>
           <a:prstGeom prst="rect">
             <a:avLst/>
           </a:prstGeom>
           <a:solidFill>
-            <a:srgbClr val="FAFFFA"/>
+            <a:srgbClr val="F9F9FF"/>
           </a:solidFill>
           <a:ln>
             <a:solidFill>
-              <a:srgbClr val="FAFFFA"/>
+              <a:srgbClr val="F9F9FF"/>
             </a:solidFill>
           </a:ln>
         </p:spPr>
@@ -4434,231 +7084,6 @@
           </a:p>
         </p:txBody>
       </p:sp>
-      <p:pic>
-        <p:nvPicPr>
-          <p:cNvPr id="1026" name="Picture 2" descr="Picture background">
-            <a:extLst>
-              <a:ext uri="{FF2B5EF4-FFF2-40B4-BE49-F238E27FC236}">
-                <a16:creationId xmlns:a16="http://schemas.microsoft.com/office/drawing/2014/main" id="{FF3078C0-C1D7-4FA3-B176-8691F7B609D8}"/>
-              </a:ext>
-            </a:extLst>
-          </p:cNvPr>
-          <p:cNvPicPr>
-            <a:picLocks noChangeAspect="1" noChangeArrowheads="1"/>
-          </p:cNvPicPr>
-          <p:nvPr/>
-        </p:nvPicPr>
-        <p:blipFill>
-          <a:blip r:embed="rId4">
-            <a:extLst>
-              <a:ext uri="{28A0092B-C50C-407E-A947-70E740481C1C}">
-                <a14:useLocalDpi xmlns:a14="http://schemas.microsoft.com/office/drawing/2010/main" val="0"/>
-              </a:ext>
-            </a:extLst>
-          </a:blip>
-          <a:srcRect/>
-          <a:stretch>
-            <a:fillRect/>
-          </a:stretch>
-        </p:blipFill>
-        <p:spPr bwMode="auto">
-          <a:xfrm>
-            <a:off x="4593600" y="725485"/>
-            <a:ext cx="3792563" cy="3271678"/>
-          </a:xfrm>
-          <a:prstGeom prst="rect">
-            <a:avLst/>
-          </a:prstGeom>
-          <a:ln>
-            <a:noFill/>
-          </a:ln>
-          <a:effectLst>
-            <a:softEdge rad="112500"/>
-          </a:effectLst>
-          <a:extLst>
-            <a:ext uri="{909E8E84-426E-40DD-AFC4-6F175D3DCCD1}">
-              <a14:hiddenFill xmlns:a14="http://schemas.microsoft.com/office/drawing/2010/main">
-                <a:solidFill>
-                  <a:srgbClr val="FFFFFF"/>
-                </a:solidFill>
-              </a14:hiddenFill>
-            </a:ext>
-          </a:extLst>
-        </p:spPr>
-      </p:pic>
-      <p:sp>
-        <p:nvSpPr>
-          <p:cNvPr id="18" name="Rectangle 2">
-            <a:extLst>
-              <a:ext uri="{FF2B5EF4-FFF2-40B4-BE49-F238E27FC236}">
-                <a16:creationId xmlns:a16="http://schemas.microsoft.com/office/drawing/2014/main" id="{DD8EBC58-DCA4-4984-B64E-A10308F46FC9}"/>
-              </a:ext>
-            </a:extLst>
-          </p:cNvPr>
-          <p:cNvSpPr>
-            <a:spLocks noChangeArrowheads="1"/>
-          </p:cNvSpPr>
-          <p:nvPr/>
-        </p:nvSpPr>
-        <p:spPr bwMode="auto">
-          <a:xfrm>
-            <a:off x="2497026" y="204026"/>
-            <a:ext cx="10137601" cy="691208"/>
-          </a:xfrm>
-          <a:prstGeom prst="rect">
-            <a:avLst/>
-          </a:prstGeom>
-          <a:solidFill>
-            <a:schemeClr val="bg1">
-              <a:alpha val="45097"/>
-            </a:schemeClr>
-          </a:solidFill>
-          <a:ln>
-            <a:noFill/>
-          </a:ln>
-          <a:extLst>
-            <a:ext uri="{91240B29-F687-4F45-9708-019B960494DF}">
-              <a14:hiddenLine xmlns:a14="http://schemas.microsoft.com/office/drawing/2010/main" w="9525">
-                <a:solidFill>
-                  <a:srgbClr val="000000"/>
-                </a:solidFill>
-                <a:miter lim="800000"/>
-                <a:headEnd/>
-                <a:tailEnd/>
-              </a14:hiddenLine>
-            </a:ext>
-          </a:extLst>
-        </p:spPr>
-        <p:txBody>
-          <a:bodyPr anchor="ctr"/>
-          <a:lstStyle>
-            <a:lvl1pPr>
-              <a:defRPr>
-                <a:solidFill>
-                  <a:schemeClr val="tx1"/>
-                </a:solidFill>
-                <a:latin typeface="Arial" panose="020B0604020202020204" pitchFamily="34" charset="0"/>
-                <a:cs typeface="Arial" panose="020B0604020202020204" pitchFamily="34" charset="0"/>
-              </a:defRPr>
-            </a:lvl1pPr>
-            <a:lvl2pPr marL="742950" indent="-285750">
-              <a:defRPr>
-                <a:solidFill>
-                  <a:schemeClr val="tx1"/>
-                </a:solidFill>
-                <a:latin typeface="Arial" panose="020B0604020202020204" pitchFamily="34" charset="0"/>
-                <a:cs typeface="Arial" panose="020B0604020202020204" pitchFamily="34" charset="0"/>
-              </a:defRPr>
-            </a:lvl2pPr>
-            <a:lvl3pPr marL="1143000" indent="-228600">
-              <a:defRPr>
-                <a:solidFill>
-                  <a:schemeClr val="tx1"/>
-                </a:solidFill>
-                <a:latin typeface="Arial" panose="020B0604020202020204" pitchFamily="34" charset="0"/>
-                <a:cs typeface="Arial" panose="020B0604020202020204" pitchFamily="34" charset="0"/>
-              </a:defRPr>
-            </a:lvl3pPr>
-            <a:lvl4pPr marL="1600200" indent="-228600">
-              <a:defRPr>
-                <a:solidFill>
-                  <a:schemeClr val="tx1"/>
-                </a:solidFill>
-                <a:latin typeface="Arial" panose="020B0604020202020204" pitchFamily="34" charset="0"/>
-                <a:cs typeface="Arial" panose="020B0604020202020204" pitchFamily="34" charset="0"/>
-              </a:defRPr>
-            </a:lvl4pPr>
-            <a:lvl5pPr marL="2057400" indent="-228600">
-              <a:defRPr>
-                <a:solidFill>
-                  <a:schemeClr val="tx1"/>
-                </a:solidFill>
-                <a:latin typeface="Arial" panose="020B0604020202020204" pitchFamily="34" charset="0"/>
-                <a:cs typeface="Arial" panose="020B0604020202020204" pitchFamily="34" charset="0"/>
-              </a:defRPr>
-            </a:lvl5pPr>
-            <a:lvl6pPr marL="2514600" indent="-228600" eaLnBrk="0" fontAlgn="base" hangingPunct="0">
-              <a:spcBef>
-                <a:spcPct val="0"/>
-              </a:spcBef>
-              <a:spcAft>
-                <a:spcPct val="0"/>
-              </a:spcAft>
-              <a:defRPr>
-                <a:solidFill>
-                  <a:schemeClr val="tx1"/>
-                </a:solidFill>
-                <a:latin typeface="Arial" panose="020B0604020202020204" pitchFamily="34" charset="0"/>
-                <a:cs typeface="Arial" panose="020B0604020202020204" pitchFamily="34" charset="0"/>
-              </a:defRPr>
-            </a:lvl6pPr>
-            <a:lvl7pPr marL="2971800" indent="-228600" eaLnBrk="0" fontAlgn="base" hangingPunct="0">
-              <a:spcBef>
-                <a:spcPct val="0"/>
-              </a:spcBef>
-              <a:spcAft>
-                <a:spcPct val="0"/>
-              </a:spcAft>
-              <a:defRPr>
-                <a:solidFill>
-                  <a:schemeClr val="tx1"/>
-                </a:solidFill>
-                <a:latin typeface="Arial" panose="020B0604020202020204" pitchFamily="34" charset="0"/>
-                <a:cs typeface="Arial" panose="020B0604020202020204" pitchFamily="34" charset="0"/>
-              </a:defRPr>
-            </a:lvl7pPr>
-            <a:lvl8pPr marL="3429000" indent="-228600" eaLnBrk="0" fontAlgn="base" hangingPunct="0">
-              <a:spcBef>
-                <a:spcPct val="0"/>
-              </a:spcBef>
-              <a:spcAft>
-                <a:spcPct val="0"/>
-              </a:spcAft>
-              <a:defRPr>
-                <a:solidFill>
-                  <a:schemeClr val="tx1"/>
-                </a:solidFill>
-                <a:latin typeface="Arial" panose="020B0604020202020204" pitchFamily="34" charset="0"/>
-                <a:cs typeface="Arial" panose="020B0604020202020204" pitchFamily="34" charset="0"/>
-              </a:defRPr>
-            </a:lvl8pPr>
-            <a:lvl9pPr marL="3886200" indent="-228600" eaLnBrk="0" fontAlgn="base" hangingPunct="0">
-              <a:spcBef>
-                <a:spcPct val="0"/>
-              </a:spcBef>
-              <a:spcAft>
-                <a:spcPct val="0"/>
-              </a:spcAft>
-              <a:defRPr>
-                <a:solidFill>
-                  <a:schemeClr val="tx1"/>
-                </a:solidFill>
-                <a:latin typeface="Arial" panose="020B0604020202020204" pitchFamily="34" charset="0"/>
-                <a:cs typeface="Arial" panose="020B0604020202020204" pitchFamily="34" charset="0"/>
-              </a:defRPr>
-            </a:lvl9pPr>
-          </a:lstStyle>
-          <a:p>
-            <a:pPr algn="ctr"/>
-            <a:r>
-              <a:rPr lang="ru-RU" sz="2000" b="1" dirty="0">
-                <a:solidFill>
-                  <a:schemeClr val="tx2"/>
-                </a:solidFill>
-              </a:rPr>
-              <a:t>Разработка программного обеспечения для комплексной автоматизации библиотеки, включая учет кадров и финансовых операций</a:t>
-            </a:r>
-          </a:p>
-          <a:p>
-            <a:pPr algn="ctr" eaLnBrk="1" hangingPunct="1"/>
-            <a:endParaRPr lang="ru-RU" altLang="ru-RU" sz="2000" b="1" dirty="0">
-              <a:solidFill>
-                <a:schemeClr val="tx2"/>
-              </a:solidFill>
-            </a:endParaRPr>
-          </a:p>
-        </p:txBody>
-      </p:sp>
     </p:spTree>
   </p:cSld>
   <p:clrMapOvr>
@@ -4669,7 +7094,7 @@
 
 <file path=ppt/slides/slide6.xml><?xml version="1.0" encoding="utf-8"?>
 <p:sld xmlns:a="http://schemas.openxmlformats.org/drawingml/2006/main" xmlns:r="http://schemas.openxmlformats.org/officeDocument/2006/relationships" xmlns:p="http://schemas.openxmlformats.org/presentationml/2006/main">
-  <p:cSld>
+  <p:cSld name="Slide 6">
     <p:spTree>
       <p:nvGrpSpPr>
         <p:cNvPr id="1" name=""/>
@@ -4686,10 +7111,394 @@
       </p:grpSpPr>
       <p:sp>
         <p:nvSpPr>
-          <p:cNvPr id="3" name="TextBox 2">
+          <p:cNvPr id="3" name="Text 1"/>
+          <p:cNvSpPr/>
+          <p:nvPr/>
+        </p:nvSpPr>
+        <p:spPr>
+          <a:xfrm>
+            <a:off x="793790" y="3807143"/>
+            <a:ext cx="2835235" cy="354330"/>
+          </a:xfrm>
+          <a:prstGeom prst="rect">
+            <a:avLst/>
+          </a:prstGeom>
+          <a:noFill/>
+          <a:ln/>
+        </p:spPr>
+        <p:txBody>
+          <a:bodyPr wrap="none" lIns="0" tIns="0" rIns="0" bIns="0" rtlCol="0" anchor="t"/>
+          <a:lstStyle/>
+          <a:p>
+            <a:pPr marL="0" indent="0">
+              <a:lnSpc>
+                <a:spcPts val="2750"/>
+              </a:lnSpc>
+              <a:buNone/>
+            </a:pPr>
+            <a:r>
+              <a:rPr lang="en-US" sz="2200" dirty="0">
+                <a:solidFill>
+                  <a:srgbClr val="1B1B27"/>
+                </a:solidFill>
+                <a:latin typeface="Alexandria" pitchFamily="34" charset="0"/>
+                <a:ea typeface="Alexandria" pitchFamily="34" charset="-122"/>
+                <a:cs typeface="Alexandria" pitchFamily="34" charset="-120"/>
+              </a:rPr>
+              <a:t>Учет штрафов</a:t>
+            </a:r>
+            <a:endParaRPr lang="en-US" sz="2200" dirty="0"/>
+          </a:p>
+        </p:txBody>
+      </p:sp>
+      <p:sp>
+        <p:nvSpPr>
+          <p:cNvPr id="4" name="Text 2"/>
+          <p:cNvSpPr/>
+          <p:nvPr/>
+        </p:nvSpPr>
+        <p:spPr>
+          <a:xfrm>
+            <a:off x="793790" y="4388287"/>
+            <a:ext cx="2845594" cy="1088708"/>
+          </a:xfrm>
+          <a:prstGeom prst="rect">
+            <a:avLst/>
+          </a:prstGeom>
+          <a:noFill/>
+          <a:ln/>
+        </p:spPr>
+        <p:txBody>
+          <a:bodyPr wrap="square" lIns="0" tIns="0" rIns="0" bIns="0" rtlCol="0" anchor="t"/>
+          <a:lstStyle/>
+          <a:p>
+            <a:pPr marL="0" indent="0">
+              <a:lnSpc>
+                <a:spcPts val="2850"/>
+              </a:lnSpc>
+              <a:buNone/>
+            </a:pPr>
+            <a:r>
+              <a:rPr lang="en-US" sz="1750" dirty="0">
+                <a:solidFill>
+                  <a:srgbClr val="404155"/>
+                </a:solidFill>
+                <a:latin typeface="Nobile" pitchFamily="34" charset="0"/>
+                <a:ea typeface="Nobile" pitchFamily="34" charset="-122"/>
+                <a:cs typeface="Nobile" pitchFamily="34" charset="-120"/>
+              </a:rPr>
+              <a:t>Автоматический расчет штрафов за просрочку, регистрация оплаты.</a:t>
+            </a:r>
+            <a:endParaRPr lang="en-US" sz="1750" dirty="0"/>
+          </a:p>
+        </p:txBody>
+      </p:sp>
+      <p:sp>
+        <p:nvSpPr>
+          <p:cNvPr id="5" name="Text 3"/>
+          <p:cNvSpPr/>
+          <p:nvPr/>
+        </p:nvSpPr>
+        <p:spPr>
+          <a:xfrm>
+            <a:off x="4200406" y="3807143"/>
+            <a:ext cx="2835235" cy="354330"/>
+          </a:xfrm>
+          <a:prstGeom prst="rect">
+            <a:avLst/>
+          </a:prstGeom>
+          <a:noFill/>
+          <a:ln/>
+        </p:spPr>
+        <p:txBody>
+          <a:bodyPr wrap="none" lIns="0" tIns="0" rIns="0" bIns="0" rtlCol="0" anchor="t"/>
+          <a:lstStyle/>
+          <a:p>
+            <a:pPr marL="0" indent="0">
+              <a:lnSpc>
+                <a:spcPts val="2750"/>
+              </a:lnSpc>
+              <a:buNone/>
+            </a:pPr>
+            <a:r>
+              <a:rPr lang="en-US" sz="2200" dirty="0">
+                <a:solidFill>
+                  <a:srgbClr val="1B1B27"/>
+                </a:solidFill>
+                <a:latin typeface="Alexandria" pitchFamily="34" charset="0"/>
+                <a:ea typeface="Alexandria" pitchFamily="34" charset="-122"/>
+                <a:cs typeface="Alexandria" pitchFamily="34" charset="-120"/>
+              </a:rPr>
+              <a:t>Закупка книг</a:t>
+            </a:r>
+            <a:endParaRPr lang="en-US" sz="2200" dirty="0"/>
+          </a:p>
+        </p:txBody>
+      </p:sp>
+      <p:sp>
+        <p:nvSpPr>
+          <p:cNvPr id="6" name="Text 4"/>
+          <p:cNvSpPr/>
+          <p:nvPr/>
+        </p:nvSpPr>
+        <p:spPr>
+          <a:xfrm>
+            <a:off x="4200406" y="4388287"/>
+            <a:ext cx="2845594" cy="1814513"/>
+          </a:xfrm>
+          <a:prstGeom prst="rect">
+            <a:avLst/>
+          </a:prstGeom>
+          <a:noFill/>
+          <a:ln/>
+        </p:spPr>
+        <p:txBody>
+          <a:bodyPr wrap="square" lIns="0" tIns="0" rIns="0" bIns="0" rtlCol="0" anchor="t"/>
+          <a:lstStyle/>
+          <a:p>
+            <a:pPr marL="0" indent="0">
+              <a:lnSpc>
+                <a:spcPts val="2850"/>
+              </a:lnSpc>
+              <a:buNone/>
+            </a:pPr>
+            <a:r>
+              <a:rPr lang="en-US" sz="1750" dirty="0">
+                <a:solidFill>
+                  <a:srgbClr val="404155"/>
+                </a:solidFill>
+                <a:latin typeface="Nobile" pitchFamily="34" charset="0"/>
+                <a:ea typeface="Nobile" pitchFamily="34" charset="-122"/>
+                <a:cs typeface="Nobile" pitchFamily="34" charset="-120"/>
+              </a:rPr>
+              <a:t>Формирование заказов (поставщик, список книг, количество), отслеживание статусов заказов.</a:t>
+            </a:r>
+            <a:endParaRPr lang="en-US" sz="1750" dirty="0"/>
+          </a:p>
+        </p:txBody>
+      </p:sp>
+      <p:sp>
+        <p:nvSpPr>
+          <p:cNvPr id="7" name="Text 5"/>
+          <p:cNvSpPr/>
+          <p:nvPr/>
+        </p:nvSpPr>
+        <p:spPr>
+          <a:xfrm>
+            <a:off x="7607022" y="3807143"/>
+            <a:ext cx="2835235" cy="354330"/>
+          </a:xfrm>
+          <a:prstGeom prst="rect">
+            <a:avLst/>
+          </a:prstGeom>
+          <a:noFill/>
+          <a:ln/>
+        </p:spPr>
+        <p:txBody>
+          <a:bodyPr wrap="none" lIns="0" tIns="0" rIns="0" bIns="0" rtlCol="0" anchor="t"/>
+          <a:lstStyle/>
+          <a:p>
+            <a:pPr marL="0" indent="0">
+              <a:lnSpc>
+                <a:spcPts val="2750"/>
+              </a:lnSpc>
+              <a:buNone/>
+            </a:pPr>
+            <a:r>
+              <a:rPr lang="en-US" sz="2200" dirty="0">
+                <a:solidFill>
+                  <a:srgbClr val="1B1B27"/>
+                </a:solidFill>
+                <a:latin typeface="Alexandria" pitchFamily="34" charset="0"/>
+                <a:ea typeface="Alexandria" pitchFamily="34" charset="-122"/>
+                <a:cs typeface="Alexandria" pitchFamily="34" charset="-120"/>
+              </a:rPr>
+              <a:t>Списание книг</a:t>
+            </a:r>
+            <a:endParaRPr lang="en-US" sz="2200" dirty="0"/>
+          </a:p>
+        </p:txBody>
+      </p:sp>
+      <p:sp>
+        <p:nvSpPr>
+          <p:cNvPr id="8" name="Text 6"/>
+          <p:cNvSpPr/>
+          <p:nvPr/>
+        </p:nvSpPr>
+        <p:spPr>
+          <a:xfrm>
+            <a:off x="7607022" y="4388287"/>
+            <a:ext cx="2845594" cy="1814513"/>
+          </a:xfrm>
+          <a:prstGeom prst="rect">
+            <a:avLst/>
+          </a:prstGeom>
+          <a:noFill/>
+          <a:ln/>
+        </p:spPr>
+        <p:txBody>
+          <a:bodyPr wrap="square" lIns="0" tIns="0" rIns="0" bIns="0" rtlCol="0" anchor="t"/>
+          <a:lstStyle/>
+          <a:p>
+            <a:pPr marL="0" indent="0">
+              <a:lnSpc>
+                <a:spcPts val="2850"/>
+              </a:lnSpc>
+              <a:buNone/>
+            </a:pPr>
+            <a:r>
+              <a:rPr lang="en-US" sz="1750" dirty="0">
+                <a:solidFill>
+                  <a:srgbClr val="404155"/>
+                </a:solidFill>
+                <a:latin typeface="Nobile" pitchFamily="34" charset="0"/>
+                <a:ea typeface="Nobile" pitchFamily="34" charset="-122"/>
+                <a:cs typeface="Nobile" pitchFamily="34" charset="-120"/>
+              </a:rPr>
+              <a:t>Регистрация списания книг, указание причины списания (износ, повреждение, утрата и т.д.).</a:t>
+            </a:r>
+            <a:endParaRPr lang="en-US" sz="1750" dirty="0"/>
+          </a:p>
+        </p:txBody>
+      </p:sp>
+      <p:sp>
+        <p:nvSpPr>
+          <p:cNvPr id="9" name="Text 7"/>
+          <p:cNvSpPr/>
+          <p:nvPr/>
+        </p:nvSpPr>
+        <p:spPr>
+          <a:xfrm>
+            <a:off x="11013638" y="3807143"/>
+            <a:ext cx="2845594" cy="708660"/>
+          </a:xfrm>
+          <a:prstGeom prst="rect">
+            <a:avLst/>
+          </a:prstGeom>
+          <a:noFill/>
+          <a:ln/>
+        </p:spPr>
+        <p:txBody>
+          <a:bodyPr wrap="square" lIns="0" tIns="0" rIns="0" bIns="0" rtlCol="0" anchor="t"/>
+          <a:lstStyle/>
+          <a:p>
+            <a:pPr marL="0" indent="0">
+              <a:lnSpc>
+                <a:spcPts val="2750"/>
+              </a:lnSpc>
+              <a:buNone/>
+            </a:pPr>
+            <a:r>
+              <a:rPr lang="en-US" sz="2200" dirty="0">
+                <a:solidFill>
+                  <a:srgbClr val="1B1B27"/>
+                </a:solidFill>
+                <a:latin typeface="Alexandria" pitchFamily="34" charset="0"/>
+                <a:ea typeface="Alexandria" pitchFamily="34" charset="-122"/>
+                <a:cs typeface="Alexandria" pitchFamily="34" charset="-120"/>
+              </a:rPr>
+              <a:t>Учет пожертвований</a:t>
+            </a:r>
+            <a:endParaRPr lang="en-US" sz="2200" dirty="0"/>
+          </a:p>
+        </p:txBody>
+      </p:sp>
+      <p:sp>
+        <p:nvSpPr>
+          <p:cNvPr id="10" name="Text 8"/>
+          <p:cNvSpPr/>
+          <p:nvPr/>
+        </p:nvSpPr>
+        <p:spPr>
+          <a:xfrm>
+            <a:off x="11013638" y="4742617"/>
+            <a:ext cx="2845594" cy="1088708"/>
+          </a:xfrm>
+          <a:prstGeom prst="rect">
+            <a:avLst/>
+          </a:prstGeom>
+          <a:noFill/>
+          <a:ln/>
+        </p:spPr>
+        <p:txBody>
+          <a:bodyPr wrap="square" lIns="0" tIns="0" rIns="0" bIns="0" rtlCol="0" anchor="t"/>
+          <a:lstStyle/>
+          <a:p>
+            <a:pPr marL="0" indent="0">
+              <a:lnSpc>
+                <a:spcPts val="2850"/>
+              </a:lnSpc>
+              <a:buNone/>
+            </a:pPr>
+            <a:r>
+              <a:rPr lang="en-US" sz="1750" dirty="0">
+                <a:solidFill>
+                  <a:srgbClr val="404155"/>
+                </a:solidFill>
+                <a:latin typeface="Nobile" pitchFamily="34" charset="0"/>
+                <a:ea typeface="Nobile" pitchFamily="34" charset="-122"/>
+                <a:cs typeface="Nobile" pitchFamily="34" charset="-120"/>
+              </a:rPr>
+              <a:t>Регистрация пожертвованных книг, учет жертвователей.</a:t>
+            </a:r>
+            <a:endParaRPr lang="en-US" sz="1750" dirty="0"/>
+          </a:p>
+        </p:txBody>
+      </p:sp>
+      <p:sp>
+        <p:nvSpPr>
+          <p:cNvPr id="11" name="Text 0">
             <a:extLst>
               <a:ext uri="{FF2B5EF4-FFF2-40B4-BE49-F238E27FC236}">
-                <a16:creationId xmlns:a16="http://schemas.microsoft.com/office/drawing/2014/main" id="{27B30CBF-9B47-4105-9F29-3ECFBF849EFD}"/>
+                <a16:creationId xmlns:a16="http://schemas.microsoft.com/office/drawing/2014/main" id="{A2800327-705C-44C1-BF63-579F42FB21C2}"/>
+              </a:ext>
+            </a:extLst>
+          </p:cNvPr>
+          <p:cNvSpPr/>
+          <p:nvPr/>
+        </p:nvSpPr>
+        <p:spPr>
+          <a:xfrm>
+            <a:off x="0" y="169904"/>
+            <a:ext cx="14630400" cy="1025296"/>
+          </a:xfrm>
+          <a:prstGeom prst="rect">
+            <a:avLst/>
+          </a:prstGeom>
+          <a:noFill/>
+          <a:ln/>
+        </p:spPr>
+        <p:txBody>
+          <a:bodyPr wrap="square" lIns="0" tIns="0" rIns="0" bIns="0" rtlCol="0" anchor="t"/>
+          <a:lstStyle/>
+          <a:p>
+            <a:pPr marL="0" indent="0" algn="ctr">
+              <a:lnSpc>
+                <a:spcPts val="5050"/>
+              </a:lnSpc>
+              <a:buNone/>
+            </a:pPr>
+            <a:r>
+              <a:rPr lang="en-US" sz="2000" dirty="0">
+                <a:solidFill>
+                  <a:srgbClr val="1B1B27"/>
+                </a:solidFill>
+                <a:latin typeface="Alexandria" pitchFamily="34" charset="0"/>
+                <a:ea typeface="Alexandria" pitchFamily="34" charset="-122"/>
+                <a:cs typeface="Alexandria" pitchFamily="34" charset="-120"/>
+              </a:rPr>
+              <a:t>Разработка программного обеспечения для комплексной автоматизации библиотеки</a:t>
+            </a:r>
+            <a:endParaRPr lang="en-US" sz="2000" dirty="0"/>
+          </a:p>
+        </p:txBody>
+      </p:sp>
+      <p:sp>
+        <p:nvSpPr>
+          <p:cNvPr id="12" name="TextBox 11">
+            <a:extLst>
+              <a:ext uri="{FF2B5EF4-FFF2-40B4-BE49-F238E27FC236}">
+                <a16:creationId xmlns:a16="http://schemas.microsoft.com/office/drawing/2014/main" id="{D709064D-B6D9-415A-A73F-ED33E33D304B}"/>
               </a:ext>
             </a:extLst>
           </p:cNvPr>
@@ -4698,8 +7507,8 @@
         </p:nvSpPr>
         <p:spPr>
           <a:xfrm>
-            <a:off x="3657600" y="134311"/>
-            <a:ext cx="7315200" cy="838691"/>
+            <a:off x="3388400" y="1592032"/>
+            <a:ext cx="7315200" cy="400110"/>
           </a:xfrm>
           <a:prstGeom prst="rect">
             <a:avLst/>
@@ -4713,22 +7522,23 @@
           <a:lstStyle/>
           <a:p>
             <a:r>
-              <a:rPr lang="ru-RU" sz="4850" b="1" dirty="0">
-                <a:solidFill>
-                  <a:srgbClr val="3B4540"/>
-                </a:solidFill>
+              <a:rPr lang="ru-RU" sz="2000" dirty="0">
+                <a:solidFill>
+                  <a:srgbClr val="1B1B27"/>
+                </a:solidFill>
+                <a:cs typeface="Alexandria" pitchFamily="34" charset="-120"/>
               </a:rPr>
-              <a:t>Интерфейс программы</a:t>
+              <a:t> Анализ предметной области: Учет финансов и ресурсов</a:t>
             </a:r>
           </a:p>
         </p:txBody>
       </p:sp>
       <p:sp>
         <p:nvSpPr>
-          <p:cNvPr id="4" name="Прямоугольник 3">
+          <p:cNvPr id="13" name="Прямоугольник 12">
             <a:extLst>
               <a:ext uri="{FF2B5EF4-FFF2-40B4-BE49-F238E27FC236}">
-                <a16:creationId xmlns:a16="http://schemas.microsoft.com/office/drawing/2014/main" id="{EC312967-EF64-4CA0-A5E0-CBE2C6D21695}"/>
+                <a16:creationId xmlns:a16="http://schemas.microsoft.com/office/drawing/2014/main" id="{9D6B0123-2889-4AC1-89D0-4316530B7B87}"/>
               </a:ext>
             </a:extLst>
           </p:cNvPr>
@@ -4737,18 +7547,18 @@
         </p:nvSpPr>
         <p:spPr>
           <a:xfrm>
-            <a:off x="12794400" y="7806094"/>
-            <a:ext cx="1836000" cy="423505"/>
+            <a:off x="12479731" y="7410298"/>
+            <a:ext cx="2150669" cy="819302"/>
           </a:xfrm>
           <a:prstGeom prst="rect">
             <a:avLst/>
           </a:prstGeom>
           <a:solidFill>
-            <a:srgbClr val="FAFFFA"/>
+            <a:srgbClr val="F9F9FF"/>
           </a:solidFill>
           <a:ln>
             <a:solidFill>
-              <a:srgbClr val="FAFFFA"/>
+              <a:srgbClr val="F9F9FF"/>
             </a:solidFill>
           </a:ln>
         </p:spPr>
@@ -4777,42 +7587,7 @@
           </a:p>
         </p:txBody>
       </p:sp>
-      <p:pic>
-        <p:nvPicPr>
-          <p:cNvPr id="6" name="Рисунок 5">
-            <a:extLst>
-              <a:ext uri="{FF2B5EF4-FFF2-40B4-BE49-F238E27FC236}">
-                <a16:creationId xmlns:a16="http://schemas.microsoft.com/office/drawing/2014/main" id="{CD1020B4-F9BF-4592-A6C0-F88EAE59351A}"/>
-              </a:ext>
-            </a:extLst>
-          </p:cNvPr>
-          <p:cNvPicPr>
-            <a:picLocks noChangeAspect="1"/>
-          </p:cNvPicPr>
-          <p:nvPr/>
-        </p:nvPicPr>
-        <p:blipFill>
-          <a:blip r:embed="rId2"/>
-          <a:stretch>
-            <a:fillRect/>
-          </a:stretch>
-        </p:blipFill>
-        <p:spPr>
-          <a:xfrm>
-            <a:off x="332474" y="973002"/>
-            <a:ext cx="13489851" cy="7154565"/>
-          </a:xfrm>
-          <a:prstGeom prst="rect">
-            <a:avLst/>
-          </a:prstGeom>
-        </p:spPr>
-      </p:pic>
     </p:spTree>
-    <p:extLst>
-      <p:ext uri="{BB962C8B-B14F-4D97-AF65-F5344CB8AC3E}">
-        <p14:creationId xmlns:p14="http://schemas.microsoft.com/office/powerpoint/2010/main" val="3359772180"/>
-      </p:ext>
-    </p:extLst>
   </p:cSld>
   <p:clrMapOvr>
     <a:masterClrMapping/>
@@ -4822,7 +7597,7 @@
 
 <file path=ppt/slides/slide7.xml><?xml version="1.0" encoding="utf-8"?>
 <p:sld xmlns:a="http://schemas.openxmlformats.org/drawingml/2006/main" xmlns:r="http://schemas.openxmlformats.org/officeDocument/2006/relationships" xmlns:p="http://schemas.openxmlformats.org/presentationml/2006/main">
-  <p:cSld>
+  <p:cSld name="Slide 7">
     <p:spTree>
       <p:nvGrpSpPr>
         <p:cNvPr id="1" name=""/>
@@ -4839,30 +7614,118 @@
       </p:grpSpPr>
       <p:sp>
         <p:nvSpPr>
-          <p:cNvPr id="2" name="Прямоугольник 1">
+          <p:cNvPr id="16" name="TextBox 15">
             <a:extLst>
               <a:ext uri="{FF2B5EF4-FFF2-40B4-BE49-F238E27FC236}">
-                <a16:creationId xmlns:a16="http://schemas.microsoft.com/office/drawing/2014/main" id="{178E7A7D-E949-41EF-8474-B6369B2F08A1}"/>
+                <a16:creationId xmlns:a16="http://schemas.microsoft.com/office/drawing/2014/main" id="{8DF7A6F2-9EF3-4B27-82AE-EF83F869F37C}"/>
               </a:ext>
             </a:extLst>
           </p:cNvPr>
-          <p:cNvSpPr/>
-          <p:nvPr/>
-        </p:nvSpPr>
-        <p:spPr>
-          <a:xfrm>
-            <a:off x="12398400" y="7740000"/>
-            <a:ext cx="2232000" cy="489600"/>
+          <p:cNvSpPr txBox="1"/>
+          <p:nvPr/>
+        </p:nvSpPr>
+        <p:spPr>
+          <a:xfrm>
+            <a:off x="4471200" y="795090"/>
+            <a:ext cx="7315200" cy="400110"/>
+          </a:xfrm>
+          <a:prstGeom prst="rect">
+            <a:avLst/>
+          </a:prstGeom>
+          <a:noFill/>
+        </p:spPr>
+        <p:txBody>
+          <a:bodyPr wrap="square">
+            <a:spAutoFit/>
+          </a:bodyPr>
+          <a:lstStyle/>
+          <a:p>
+            <a:r>
+              <a:rPr lang="ru-RU" sz="2000" dirty="0">
+                <a:solidFill>
+                  <a:srgbClr val="1B1B27"/>
+                </a:solidFill>
+                <a:cs typeface="Alexandria" pitchFamily="34" charset="-120"/>
+              </a:rPr>
+              <a:t>Автоматизация и участники процессов</a:t>
+            </a:r>
+          </a:p>
+        </p:txBody>
+      </p:sp>
+      <p:sp>
+        <p:nvSpPr>
+          <p:cNvPr id="17" name="Text 0">
+            <a:extLst>
+              <a:ext uri="{FF2B5EF4-FFF2-40B4-BE49-F238E27FC236}">
+                <a16:creationId xmlns:a16="http://schemas.microsoft.com/office/drawing/2014/main" id="{3B55EFE3-94C4-437B-A93A-143894834022}"/>
+              </a:ext>
+            </a:extLst>
+          </p:cNvPr>
+          <p:cNvSpPr/>
+          <p:nvPr/>
+        </p:nvSpPr>
+        <p:spPr>
+          <a:xfrm>
+            <a:off x="0" y="169904"/>
+            <a:ext cx="14630400" cy="1025296"/>
+          </a:xfrm>
+          <a:prstGeom prst="rect">
+            <a:avLst/>
+          </a:prstGeom>
+          <a:noFill/>
+          <a:ln/>
+        </p:spPr>
+        <p:txBody>
+          <a:bodyPr wrap="square" lIns="0" tIns="0" rIns="0" bIns="0" rtlCol="0" anchor="t"/>
+          <a:lstStyle/>
+          <a:p>
+            <a:pPr marL="0" indent="0" algn="ctr">
+              <a:lnSpc>
+                <a:spcPts val="5050"/>
+              </a:lnSpc>
+              <a:buNone/>
+            </a:pPr>
+            <a:r>
+              <a:rPr lang="en-US" sz="2000" dirty="0">
+                <a:solidFill>
+                  <a:srgbClr val="1B1B27"/>
+                </a:solidFill>
+                <a:latin typeface="Alexandria" pitchFamily="34" charset="0"/>
+                <a:ea typeface="Alexandria" pitchFamily="34" charset="-122"/>
+                <a:cs typeface="Alexandria" pitchFamily="34" charset="-120"/>
+              </a:rPr>
+              <a:t>Разработка программного обеспечения для комплексной автоматизации библиотеки</a:t>
+            </a:r>
+            <a:endParaRPr lang="en-US" sz="2000" dirty="0"/>
+          </a:p>
+        </p:txBody>
+      </p:sp>
+      <p:sp>
+        <p:nvSpPr>
+          <p:cNvPr id="18" name="Прямоугольник 17">
+            <a:extLst>
+              <a:ext uri="{FF2B5EF4-FFF2-40B4-BE49-F238E27FC236}">
+                <a16:creationId xmlns:a16="http://schemas.microsoft.com/office/drawing/2014/main" id="{EFDB8567-BACC-4708-ADC2-82CAA2A94D0E}"/>
+              </a:ext>
+            </a:extLst>
+          </p:cNvPr>
+          <p:cNvSpPr/>
+          <p:nvPr/>
+        </p:nvSpPr>
+        <p:spPr>
+          <a:xfrm>
+            <a:off x="12479731" y="7410298"/>
+            <a:ext cx="2150669" cy="819302"/>
           </a:xfrm>
           <a:prstGeom prst="rect">
             <a:avLst/>
           </a:prstGeom>
           <a:solidFill>
-            <a:srgbClr val="FAFFFA"/>
+            <a:srgbClr val="F9F9FF"/>
           </a:solidFill>
           <a:ln>
             <a:solidFill>
-              <a:srgbClr val="FAFFFA"/>
+              <a:srgbClr val="F9F9FF"/>
             </a:solidFill>
           </a:ln>
         </p:spPr>
@@ -4893,10 +7756,10 @@
       </p:sp>
       <p:pic>
         <p:nvPicPr>
-          <p:cNvPr id="4" name="Рисунок 3">
+          <p:cNvPr id="5" name="Рисунок 4">
             <a:extLst>
               <a:ext uri="{FF2B5EF4-FFF2-40B4-BE49-F238E27FC236}">
-                <a16:creationId xmlns:a16="http://schemas.microsoft.com/office/drawing/2014/main" id="{34FBB1C1-000A-4247-BEB6-C8191BDEC11C}"/>
+                <a16:creationId xmlns:a16="http://schemas.microsoft.com/office/drawing/2014/main" id="{9043541B-A449-4C8D-A1D0-4D95F887039B}"/>
               </a:ext>
             </a:extLst>
           </p:cNvPr>
@@ -4906,15 +7769,15 @@
           <p:nvPr/>
         </p:nvPicPr>
         <p:blipFill>
-          <a:blip r:embed="rId2"/>
+          <a:blip r:embed="rId3"/>
           <a:stretch>
             <a:fillRect/>
           </a:stretch>
         </p:blipFill>
         <p:spPr>
           <a:xfrm>
-            <a:off x="925033" y="565110"/>
-            <a:ext cx="12429460" cy="6947346"/>
+            <a:off x="2152799" y="1319406"/>
+            <a:ext cx="8956205" cy="6665393"/>
           </a:xfrm>
           <a:prstGeom prst="rect">
             <a:avLst/>
@@ -4922,11 +7785,6 @@
         </p:spPr>
       </p:pic>
     </p:spTree>
-    <p:extLst>
-      <p:ext uri="{BB962C8B-B14F-4D97-AF65-F5344CB8AC3E}">
-        <p14:creationId xmlns:p14="http://schemas.microsoft.com/office/powerpoint/2010/main" val="983692767"/>
-      </p:ext>
-    </p:extLst>
   </p:cSld>
   <p:clrMapOvr>
     <a:masterClrMapping/>
@@ -4953,10 +7811,10 @@
       </p:grpSpPr>
       <p:pic>
         <p:nvPicPr>
-          <p:cNvPr id="3" name="Рисунок 2">
+          <p:cNvPr id="11" name="Рисунок 10">
             <a:extLst>
               <a:ext uri="{FF2B5EF4-FFF2-40B4-BE49-F238E27FC236}">
-                <a16:creationId xmlns:a16="http://schemas.microsoft.com/office/drawing/2014/main" id="{11C162B3-8CCE-4EF5-83FC-AB5007D99AD2}"/>
+                <a16:creationId xmlns:a16="http://schemas.microsoft.com/office/drawing/2014/main" id="{0EF736D1-F0D5-4A1B-A306-F2D17A515B0F}"/>
               </a:ext>
             </a:extLst>
           </p:cNvPr>
@@ -4973,8 +7831,8 @@
         </p:blipFill>
         <p:spPr>
           <a:xfrm>
-            <a:off x="808073" y="548240"/>
-            <a:ext cx="12663378" cy="6948176"/>
+            <a:off x="316136" y="900000"/>
+            <a:ext cx="13757109" cy="6033600"/>
           </a:xfrm>
           <a:prstGeom prst="rect">
             <a:avLst/>
@@ -4983,10 +7841,10 @@
       </p:pic>
       <p:sp>
         <p:nvSpPr>
-          <p:cNvPr id="4" name="Прямоугольник 3">
+          <p:cNvPr id="3" name="Прямоугольник 2">
             <a:extLst>
               <a:ext uri="{FF2B5EF4-FFF2-40B4-BE49-F238E27FC236}">
-                <a16:creationId xmlns:a16="http://schemas.microsoft.com/office/drawing/2014/main" id="{BA7DC1F1-975F-4C98-9B0D-B1ECE0A6F651}"/>
+                <a16:creationId xmlns:a16="http://schemas.microsoft.com/office/drawing/2014/main" id="{DAD75875-F4E8-44E2-B53C-A3E02390F65A}"/>
               </a:ext>
             </a:extLst>
           </p:cNvPr>
@@ -4995,18 +7853,18 @@
         </p:nvSpPr>
         <p:spPr>
           <a:xfrm>
-            <a:off x="12398400" y="7740000"/>
-            <a:ext cx="2232000" cy="489600"/>
+            <a:off x="12479731" y="7410298"/>
+            <a:ext cx="2150669" cy="819302"/>
           </a:xfrm>
           <a:prstGeom prst="rect">
             <a:avLst/>
           </a:prstGeom>
           <a:solidFill>
-            <a:srgbClr val="FAFFFA"/>
+            <a:srgbClr val="F9F9FF"/>
           </a:solidFill>
           <a:ln>
             <a:solidFill>
-              <a:srgbClr val="FAFFFA"/>
+              <a:srgbClr val="F9F9FF"/>
             </a:solidFill>
           </a:ln>
         </p:spPr>
@@ -5038,7 +7896,7 @@
     </p:spTree>
     <p:extLst>
       <p:ext uri="{BB962C8B-B14F-4D97-AF65-F5344CB8AC3E}">
-        <p14:creationId xmlns:p14="http://schemas.microsoft.com/office/powerpoint/2010/main" val="2618927460"/>
+        <p14:creationId xmlns:p14="http://schemas.microsoft.com/office/powerpoint/2010/main" val="711300049"/>
       </p:ext>
     </p:extLst>
   </p:cSld>
@@ -5070,7 +7928,7 @@
           <p:cNvPr id="3" name="Рисунок 2">
             <a:extLst>
               <a:ext uri="{FF2B5EF4-FFF2-40B4-BE49-F238E27FC236}">
-                <a16:creationId xmlns:a16="http://schemas.microsoft.com/office/drawing/2014/main" id="{458E44E6-C80B-4946-B203-858CD53759B6}"/>
+                <a16:creationId xmlns:a16="http://schemas.microsoft.com/office/drawing/2014/main" id="{C0853FFA-5492-4BA6-B09D-E8D8FD76B22B}"/>
               </a:ext>
             </a:extLst>
           </p:cNvPr>
@@ -5087,8 +7945,8 @@
         </p:blipFill>
         <p:spPr>
           <a:xfrm>
-            <a:off x="380032" y="1350537"/>
-            <a:ext cx="13870336" cy="5039428"/>
+            <a:off x="3975750" y="299025"/>
+            <a:ext cx="7658100" cy="7372350"/>
           </a:xfrm>
           <a:prstGeom prst="rect">
             <a:avLst/>
@@ -5100,7 +7958,7 @@
           <p:cNvPr id="4" name="Прямоугольник 3">
             <a:extLst>
               <a:ext uri="{FF2B5EF4-FFF2-40B4-BE49-F238E27FC236}">
-                <a16:creationId xmlns:a16="http://schemas.microsoft.com/office/drawing/2014/main" id="{83805808-5DAE-4582-8630-AC608826AAAF}"/>
+                <a16:creationId xmlns:a16="http://schemas.microsoft.com/office/drawing/2014/main" id="{65670D76-2ADB-42DE-B9B4-E8464994D854}"/>
               </a:ext>
             </a:extLst>
           </p:cNvPr>
@@ -5109,18 +7967,18 @@
         </p:nvSpPr>
         <p:spPr>
           <a:xfrm>
-            <a:off x="12398400" y="7740000"/>
-            <a:ext cx="2232000" cy="489600"/>
+            <a:off x="12479731" y="7410298"/>
+            <a:ext cx="2150669" cy="819302"/>
           </a:xfrm>
           <a:prstGeom prst="rect">
             <a:avLst/>
           </a:prstGeom>
           <a:solidFill>
-            <a:srgbClr val="FAFFFA"/>
+            <a:srgbClr val="F9F9FF"/>
           </a:solidFill>
           <a:ln>
             <a:solidFill>
-              <a:srgbClr val="FAFFFA"/>
+              <a:srgbClr val="F9F9FF"/>
             </a:solidFill>
           </a:ln>
         </p:spPr>
@@ -5152,7 +8010,7 @@
     </p:spTree>
     <p:extLst>
       <p:ext uri="{BB962C8B-B14F-4D97-AF65-F5344CB8AC3E}">
-        <p14:creationId xmlns:p14="http://schemas.microsoft.com/office/powerpoint/2010/main" val="3785089565"/>
+        <p14:creationId xmlns:p14="http://schemas.microsoft.com/office/powerpoint/2010/main" val="1659581846"/>
       </p:ext>
     </p:extLst>
   </p:cSld>
